--- a/file/stock/K线图.pptx
+++ b/file/stock/K线图.pptx
@@ -7,6 +7,7 @@
   <p:sldIdLst>
     <p:sldId id="256" r:id="rId2"/>
     <p:sldId id="257" r:id="rId3"/>
+    <p:sldId id="258" r:id="rId4"/>
   </p:sldIdLst>
   <p:sldSz cx="12192000" cy="6858000"/>
   <p:notesSz cx="6858000" cy="9144000"/>
@@ -260,7 +261,7 @@
           <a:p>
             <a:fld id="{B0E57C0B-0122-40D3-BBAC-3E87EF215052}" type="datetimeFigureOut">
               <a:rPr lang="zh-CN" altLang="en-US" smtClean="0"/>
-              <a:t>2022/3/28</a:t>
+              <a:t>2022/4/7</a:t>
             </a:fld>
             <a:endParaRPr lang="zh-CN" altLang="en-US"/>
           </a:p>
@@ -458,7 +459,7 @@
           <a:p>
             <a:fld id="{B0E57C0B-0122-40D3-BBAC-3E87EF215052}" type="datetimeFigureOut">
               <a:rPr lang="zh-CN" altLang="en-US" smtClean="0"/>
-              <a:t>2022/3/28</a:t>
+              <a:t>2022/4/7</a:t>
             </a:fld>
             <a:endParaRPr lang="zh-CN" altLang="en-US"/>
           </a:p>
@@ -666,7 +667,7 @@
           <a:p>
             <a:fld id="{B0E57C0B-0122-40D3-BBAC-3E87EF215052}" type="datetimeFigureOut">
               <a:rPr lang="zh-CN" altLang="en-US" smtClean="0"/>
-              <a:t>2022/3/28</a:t>
+              <a:t>2022/4/7</a:t>
             </a:fld>
             <a:endParaRPr lang="zh-CN" altLang="en-US"/>
           </a:p>
@@ -864,7 +865,7 @@
           <a:p>
             <a:fld id="{B0E57C0B-0122-40D3-BBAC-3E87EF215052}" type="datetimeFigureOut">
               <a:rPr lang="zh-CN" altLang="en-US" smtClean="0"/>
-              <a:t>2022/3/28</a:t>
+              <a:t>2022/4/7</a:t>
             </a:fld>
             <a:endParaRPr lang="zh-CN" altLang="en-US"/>
           </a:p>
@@ -1139,7 +1140,7 @@
           <a:p>
             <a:fld id="{B0E57C0B-0122-40D3-BBAC-3E87EF215052}" type="datetimeFigureOut">
               <a:rPr lang="zh-CN" altLang="en-US" smtClean="0"/>
-              <a:t>2022/3/28</a:t>
+              <a:t>2022/4/7</a:t>
             </a:fld>
             <a:endParaRPr lang="zh-CN" altLang="en-US"/>
           </a:p>
@@ -1404,7 +1405,7 @@
           <a:p>
             <a:fld id="{B0E57C0B-0122-40D3-BBAC-3E87EF215052}" type="datetimeFigureOut">
               <a:rPr lang="zh-CN" altLang="en-US" smtClean="0"/>
-              <a:t>2022/3/28</a:t>
+              <a:t>2022/4/7</a:t>
             </a:fld>
             <a:endParaRPr lang="zh-CN" altLang="en-US"/>
           </a:p>
@@ -1816,7 +1817,7 @@
           <a:p>
             <a:fld id="{B0E57C0B-0122-40D3-BBAC-3E87EF215052}" type="datetimeFigureOut">
               <a:rPr lang="zh-CN" altLang="en-US" smtClean="0"/>
-              <a:t>2022/3/28</a:t>
+              <a:t>2022/4/7</a:t>
             </a:fld>
             <a:endParaRPr lang="zh-CN" altLang="en-US"/>
           </a:p>
@@ -1957,7 +1958,7 @@
           <a:p>
             <a:fld id="{B0E57C0B-0122-40D3-BBAC-3E87EF215052}" type="datetimeFigureOut">
               <a:rPr lang="zh-CN" altLang="en-US" smtClean="0"/>
-              <a:t>2022/3/28</a:t>
+              <a:t>2022/4/7</a:t>
             </a:fld>
             <a:endParaRPr lang="zh-CN" altLang="en-US"/>
           </a:p>
@@ -2070,7 +2071,7 @@
           <a:p>
             <a:fld id="{B0E57C0B-0122-40D3-BBAC-3E87EF215052}" type="datetimeFigureOut">
               <a:rPr lang="zh-CN" altLang="en-US" smtClean="0"/>
-              <a:t>2022/3/28</a:t>
+              <a:t>2022/4/7</a:t>
             </a:fld>
             <a:endParaRPr lang="zh-CN" altLang="en-US"/>
           </a:p>
@@ -2381,7 +2382,7 @@
           <a:p>
             <a:fld id="{B0E57C0B-0122-40D3-BBAC-3E87EF215052}" type="datetimeFigureOut">
               <a:rPr lang="zh-CN" altLang="en-US" smtClean="0"/>
-              <a:t>2022/3/28</a:t>
+              <a:t>2022/4/7</a:t>
             </a:fld>
             <a:endParaRPr lang="zh-CN" altLang="en-US"/>
           </a:p>
@@ -2669,7 +2670,7 @@
           <a:p>
             <a:fld id="{B0E57C0B-0122-40D3-BBAC-3E87EF215052}" type="datetimeFigureOut">
               <a:rPr lang="zh-CN" altLang="en-US" smtClean="0"/>
-              <a:t>2022/3/28</a:t>
+              <a:t>2022/4/7</a:t>
             </a:fld>
             <a:endParaRPr lang="zh-CN" altLang="en-US"/>
           </a:p>
@@ -2910,7 +2911,7 @@
           <a:p>
             <a:fld id="{B0E57C0B-0122-40D3-BBAC-3E87EF215052}" type="datetimeFigureOut">
               <a:rPr lang="zh-CN" altLang="en-US" smtClean="0"/>
-              <a:t>2022/3/28</a:t>
+              <a:t>2022/4/7</a:t>
             </a:fld>
             <a:endParaRPr lang="zh-CN" altLang="en-US"/>
           </a:p>
@@ -4852,64 +4853,12 @@
           <a:chExt cx="0" cy="0"/>
         </a:xfrm>
       </p:grpSpPr>
-      <p:sp>
-        <p:nvSpPr>
-          <p:cNvPr id="35" name="矩形 34">
+      <p:grpSp>
+        <p:nvGrpSpPr>
+          <p:cNvPr id="14" name="组合 13">
             <a:extLst>
               <a:ext uri="{FF2B5EF4-FFF2-40B4-BE49-F238E27FC236}">
-                <a16:creationId xmlns:a16="http://schemas.microsoft.com/office/drawing/2014/main" id="{68724D8D-A68A-4F51-BA1C-F9CD8E1C7E55}"/>
-              </a:ext>
-            </a:extLst>
-          </p:cNvPr>
-          <p:cNvSpPr/>
-          <p:nvPr/>
-        </p:nvSpPr>
-        <p:spPr>
-          <a:xfrm>
-            <a:off x="3166712" y="1203159"/>
-            <a:ext cx="5630779" cy="3705726"/>
-          </a:xfrm>
-          <a:prstGeom prst="rect">
-            <a:avLst/>
-          </a:prstGeom>
-          <a:solidFill>
-            <a:schemeClr val="accent5">
-              <a:lumMod val="40000"/>
-              <a:lumOff val="60000"/>
-            </a:schemeClr>
-          </a:solidFill>
-        </p:spPr>
-        <p:style>
-          <a:lnRef idx="2">
-            <a:schemeClr val="accent1">
-              <a:shade val="50000"/>
-            </a:schemeClr>
-          </a:lnRef>
-          <a:fillRef idx="1">
-            <a:schemeClr val="accent1"/>
-          </a:fillRef>
-          <a:effectRef idx="0">
-            <a:schemeClr val="accent1"/>
-          </a:effectRef>
-          <a:fontRef idx="minor">
-            <a:schemeClr val="lt1"/>
-          </a:fontRef>
-        </p:style>
-        <p:txBody>
-          <a:bodyPr rtlCol="0" anchor="ctr"/>
-          <a:lstStyle/>
-          <a:p>
-            <a:pPr algn="ctr"/>
-            <a:endParaRPr lang="zh-CN" altLang="en-US"/>
-          </a:p>
-        </p:txBody>
-      </p:sp>
-      <p:grpSp>
-        <p:nvGrpSpPr>
-          <p:cNvPr id="33" name="组合 32">
-            <a:extLst>
-              <a:ext uri="{FF2B5EF4-FFF2-40B4-BE49-F238E27FC236}">
-                <a16:creationId xmlns:a16="http://schemas.microsoft.com/office/drawing/2014/main" id="{5A8DAF60-DF5D-4EA7-9263-82A4D76584C0}"/>
+                <a16:creationId xmlns:a16="http://schemas.microsoft.com/office/drawing/2014/main" id="{F39503DC-D8FC-4BEE-AEF5-6BA0ED68424B}"/>
               </a:ext>
             </a:extLst>
           </p:cNvPr>
@@ -4918,18 +4867,70 @@
         </p:nvGrpSpPr>
         <p:grpSpPr>
           <a:xfrm>
-            <a:off x="4575526" y="1523481"/>
-            <a:ext cx="487614" cy="3259657"/>
-            <a:chOff x="4039342" y="938423"/>
-            <a:chExt cx="509286" cy="5532608"/>
+            <a:off x="3166712" y="1203159"/>
+            <a:ext cx="5630779" cy="3705726"/>
+            <a:chOff x="3166712" y="1203159"/>
+            <a:chExt cx="5630779" cy="3705726"/>
           </a:xfrm>
         </p:grpSpPr>
+        <p:sp>
+          <p:nvSpPr>
+            <p:cNvPr id="35" name="矩形 34">
+              <a:extLst>
+                <a:ext uri="{FF2B5EF4-FFF2-40B4-BE49-F238E27FC236}">
+                  <a16:creationId xmlns:a16="http://schemas.microsoft.com/office/drawing/2014/main" id="{68724D8D-A68A-4F51-BA1C-F9CD8E1C7E55}"/>
+                </a:ext>
+              </a:extLst>
+            </p:cNvPr>
+            <p:cNvSpPr/>
+            <p:nvPr/>
+          </p:nvSpPr>
+          <p:spPr>
+            <a:xfrm>
+              <a:off x="3166712" y="1203159"/>
+              <a:ext cx="5630779" cy="3705726"/>
+            </a:xfrm>
+            <a:prstGeom prst="rect">
+              <a:avLst/>
+            </a:prstGeom>
+            <a:solidFill>
+              <a:schemeClr val="accent5">
+                <a:lumMod val="40000"/>
+                <a:lumOff val="60000"/>
+              </a:schemeClr>
+            </a:solidFill>
+          </p:spPr>
+          <p:style>
+            <a:lnRef idx="2">
+              <a:schemeClr val="accent1">
+                <a:shade val="50000"/>
+              </a:schemeClr>
+            </a:lnRef>
+            <a:fillRef idx="1">
+              <a:schemeClr val="accent1"/>
+            </a:fillRef>
+            <a:effectRef idx="0">
+              <a:schemeClr val="accent1"/>
+            </a:effectRef>
+            <a:fontRef idx="minor">
+              <a:schemeClr val="lt1"/>
+            </a:fontRef>
+          </p:style>
+          <p:txBody>
+            <a:bodyPr rtlCol="0" anchor="ctr"/>
+            <a:lstStyle/>
+            <a:p>
+              <a:pPr algn="ctr"/>
+              <a:endParaRPr lang="zh-CN" altLang="en-US"/>
+            </a:p>
+          </p:txBody>
+        </p:sp>
         <p:grpSp>
           <p:nvGrpSpPr>
-            <p:cNvPr id="7" name="组合 6">
+            <p:cNvPr id="33" name="组合 32">
               <a:extLst>
                 <a:ext uri="{FF2B5EF4-FFF2-40B4-BE49-F238E27FC236}">
-                  <a16:creationId xmlns:a16="http://schemas.microsoft.com/office/drawing/2014/main" id="{FD3B9C9A-E902-4751-8059-9F8825174247}"/>
+                  <a16:creationId xmlns:a16="http://schemas.microsoft.com/office/drawing/2014/main" id="{5A8DAF60-DF5D-4EA7-9263-82A4D76584C0}"/>
                 </a:ext>
               </a:extLst>
             </p:cNvPr>
@@ -4938,18 +4939,126 @@
           </p:nvGrpSpPr>
           <p:grpSpPr>
             <a:xfrm>
-              <a:off x="4039342" y="4584358"/>
-              <a:ext cx="509286" cy="1886673"/>
-              <a:chOff x="4622049" y="1953477"/>
-              <a:chExt cx="509286" cy="1886673"/>
+              <a:off x="4575526" y="1454150"/>
+              <a:ext cx="487614" cy="3328988"/>
+              <a:chOff x="4039342" y="820748"/>
+              <a:chExt cx="509286" cy="5650283"/>
             </a:xfrm>
           </p:grpSpPr>
+          <p:grpSp>
+            <p:nvGrpSpPr>
+              <p:cNvPr id="7" name="组合 6">
+                <a:extLst>
+                  <a:ext uri="{FF2B5EF4-FFF2-40B4-BE49-F238E27FC236}">
+                    <a16:creationId xmlns:a16="http://schemas.microsoft.com/office/drawing/2014/main" id="{FD3B9C9A-E902-4751-8059-9F8825174247}"/>
+                  </a:ext>
+                </a:extLst>
+              </p:cNvPr>
+              <p:cNvGrpSpPr/>
+              <p:nvPr/>
+            </p:nvGrpSpPr>
+            <p:grpSpPr>
+              <a:xfrm>
+                <a:off x="4039342" y="4584358"/>
+                <a:ext cx="509286" cy="1886673"/>
+                <a:chOff x="4622049" y="1953477"/>
+                <a:chExt cx="509286" cy="1886673"/>
+              </a:xfrm>
+            </p:grpSpPr>
+            <p:cxnSp>
+              <p:nvCxnSpPr>
+                <p:cNvPr id="2" name="直接连接符 1">
+                  <a:extLst>
+                    <a:ext uri="{FF2B5EF4-FFF2-40B4-BE49-F238E27FC236}">
+                      <a16:creationId xmlns:a16="http://schemas.microsoft.com/office/drawing/2014/main" id="{06BB1D12-AF8A-4510-932A-7DFA29FA5C31}"/>
+                    </a:ext>
+                  </a:extLst>
+                </p:cNvPr>
+                <p:cNvCxnSpPr>
+                  <a:cxnSpLocks/>
+                </p:cNvCxnSpPr>
+                <p:nvPr/>
+              </p:nvCxnSpPr>
+              <p:spPr>
+                <a:xfrm>
+                  <a:off x="4876692" y="1953477"/>
+                  <a:ext cx="0" cy="1886673"/>
+                </a:xfrm>
+                <a:prstGeom prst="line">
+                  <a:avLst/>
+                </a:prstGeom>
+              </p:spPr>
+              <p:style>
+                <a:lnRef idx="1">
+                  <a:schemeClr val="accent1"/>
+                </a:lnRef>
+                <a:fillRef idx="0">
+                  <a:schemeClr val="accent1"/>
+                </a:fillRef>
+                <a:effectRef idx="0">
+                  <a:schemeClr val="accent1"/>
+                </a:effectRef>
+                <a:fontRef idx="minor">
+                  <a:schemeClr val="tx1"/>
+                </a:fontRef>
+              </p:style>
+            </p:cxnSp>
+            <p:sp>
+              <p:nvSpPr>
+                <p:cNvPr id="3" name="矩形 2">
+                  <a:extLst>
+                    <a:ext uri="{FF2B5EF4-FFF2-40B4-BE49-F238E27FC236}">
+                      <a16:creationId xmlns:a16="http://schemas.microsoft.com/office/drawing/2014/main" id="{1F1445D6-1FF4-4D65-BE91-45913AE23F7A}"/>
+                    </a:ext>
+                  </a:extLst>
+                </p:cNvPr>
+                <p:cNvSpPr/>
+                <p:nvPr/>
+              </p:nvSpPr>
+              <p:spPr>
+                <a:xfrm>
+                  <a:off x="4622049" y="2333994"/>
+                  <a:ext cx="509286" cy="1125638"/>
+                </a:xfrm>
+                <a:prstGeom prst="rect">
+                  <a:avLst/>
+                </a:prstGeom>
+                <a:solidFill>
+                  <a:srgbClr val="FF0000"/>
+                </a:solidFill>
+              </p:spPr>
+              <p:style>
+                <a:lnRef idx="2">
+                  <a:schemeClr val="accent1">
+                    <a:shade val="50000"/>
+                  </a:schemeClr>
+                </a:lnRef>
+                <a:fillRef idx="1">
+                  <a:schemeClr val="accent1"/>
+                </a:fillRef>
+                <a:effectRef idx="0">
+                  <a:schemeClr val="accent1"/>
+                </a:effectRef>
+                <a:fontRef idx="minor">
+                  <a:schemeClr val="lt1"/>
+                </a:fontRef>
+              </p:style>
+              <p:txBody>
+                <a:bodyPr rtlCol="0" anchor="ctr"/>
+                <a:lstStyle/>
+                <a:p>
+                  <a:pPr algn="ctr"/>
+                  <a:endParaRPr lang="zh-CN" altLang="en-US"/>
+                </a:p>
+              </p:txBody>
+            </p:sp>
+          </p:grpSp>
           <p:cxnSp>
             <p:nvCxnSpPr>
-              <p:cNvPr id="2" name="直接连接符 1">
+              <p:cNvPr id="12" name="直接连接符 11">
                 <a:extLst>
                   <a:ext uri="{FF2B5EF4-FFF2-40B4-BE49-F238E27FC236}">
-                    <a16:creationId xmlns:a16="http://schemas.microsoft.com/office/drawing/2014/main" id="{06BB1D12-AF8A-4510-932A-7DFA29FA5C31}"/>
+                    <a16:creationId xmlns:a16="http://schemas.microsoft.com/office/drawing/2014/main" id="{DDB5C2ED-F2DB-40BA-9E27-1B5E6A8201B1}"/>
                   </a:ext>
                 </a:extLst>
               </p:cNvPr>
@@ -4960,8 +5069,1125 @@
             </p:nvCxnSpPr>
             <p:spPr>
               <a:xfrm>
-                <a:off x="4876692" y="1953477"/>
-                <a:ext cx="0" cy="1886673"/>
+                <a:off x="4293985" y="820748"/>
+                <a:ext cx="0" cy="425740"/>
+              </a:xfrm>
+              <a:prstGeom prst="line">
+                <a:avLst/>
+              </a:prstGeom>
+            </p:spPr>
+            <p:style>
+              <a:lnRef idx="1">
+                <a:schemeClr val="accent1"/>
+              </a:lnRef>
+              <a:fillRef idx="0">
+                <a:schemeClr val="accent1"/>
+              </a:fillRef>
+              <a:effectRef idx="0">
+                <a:schemeClr val="accent1"/>
+              </a:effectRef>
+              <a:fontRef idx="minor">
+                <a:schemeClr val="tx1"/>
+              </a:fontRef>
+            </p:style>
+          </p:cxnSp>
+          <p:grpSp>
+            <p:nvGrpSpPr>
+              <p:cNvPr id="15" name="组合 14">
+                <a:extLst>
+                  <a:ext uri="{FF2B5EF4-FFF2-40B4-BE49-F238E27FC236}">
+                    <a16:creationId xmlns:a16="http://schemas.microsoft.com/office/drawing/2014/main" id="{8742FA5A-C2E9-4B3E-8588-8B0F9CDEEE3F}"/>
+                  </a:ext>
+                </a:extLst>
+              </p:cNvPr>
+              <p:cNvGrpSpPr/>
+              <p:nvPr/>
+            </p:nvGrpSpPr>
+            <p:grpSpPr>
+              <a:xfrm>
+                <a:off x="4039342" y="1684537"/>
+                <a:ext cx="509286" cy="592500"/>
+                <a:chOff x="4622049" y="1953477"/>
+                <a:chExt cx="509286" cy="1886673"/>
+              </a:xfrm>
+            </p:grpSpPr>
+            <p:cxnSp>
+              <p:nvCxnSpPr>
+                <p:cNvPr id="16" name="直接连接符 15">
+                  <a:extLst>
+                    <a:ext uri="{FF2B5EF4-FFF2-40B4-BE49-F238E27FC236}">
+                      <a16:creationId xmlns:a16="http://schemas.microsoft.com/office/drawing/2014/main" id="{9B71A72A-009A-43C3-B189-239480B54BE9}"/>
+                    </a:ext>
+                  </a:extLst>
+                </p:cNvPr>
+                <p:cNvCxnSpPr>
+                  <a:cxnSpLocks/>
+                </p:cNvCxnSpPr>
+                <p:nvPr/>
+              </p:nvCxnSpPr>
+              <p:spPr>
+                <a:xfrm>
+                  <a:off x="4876692" y="1953477"/>
+                  <a:ext cx="0" cy="1886673"/>
+                </a:xfrm>
+                <a:prstGeom prst="line">
+                  <a:avLst/>
+                </a:prstGeom>
+              </p:spPr>
+              <p:style>
+                <a:lnRef idx="1">
+                  <a:schemeClr val="accent1"/>
+                </a:lnRef>
+                <a:fillRef idx="0">
+                  <a:schemeClr val="accent1"/>
+                </a:fillRef>
+                <a:effectRef idx="0">
+                  <a:schemeClr val="accent1"/>
+                </a:effectRef>
+                <a:fontRef idx="minor">
+                  <a:schemeClr val="tx1"/>
+                </a:fontRef>
+              </p:style>
+            </p:cxnSp>
+            <p:sp>
+              <p:nvSpPr>
+                <p:cNvPr id="17" name="矩形 16">
+                  <a:extLst>
+                    <a:ext uri="{FF2B5EF4-FFF2-40B4-BE49-F238E27FC236}">
+                      <a16:creationId xmlns:a16="http://schemas.microsoft.com/office/drawing/2014/main" id="{498F7B6A-1002-49CE-817F-849F74A21009}"/>
+                    </a:ext>
+                  </a:extLst>
+                </p:cNvPr>
+                <p:cNvSpPr/>
+                <p:nvPr/>
+              </p:nvSpPr>
+              <p:spPr>
+                <a:xfrm>
+                  <a:off x="4622049" y="2333994"/>
+                  <a:ext cx="509286" cy="1125638"/>
+                </a:xfrm>
+                <a:prstGeom prst="rect">
+                  <a:avLst/>
+                </a:prstGeom>
+                <a:solidFill>
+                  <a:srgbClr val="FF0000"/>
+                </a:solidFill>
+              </p:spPr>
+              <p:style>
+                <a:lnRef idx="2">
+                  <a:schemeClr val="accent1">
+                    <a:shade val="50000"/>
+                  </a:schemeClr>
+                </a:lnRef>
+                <a:fillRef idx="1">
+                  <a:schemeClr val="accent1"/>
+                </a:fillRef>
+                <a:effectRef idx="0">
+                  <a:schemeClr val="accent1"/>
+                </a:effectRef>
+                <a:fontRef idx="minor">
+                  <a:schemeClr val="lt1"/>
+                </a:fontRef>
+              </p:style>
+              <p:txBody>
+                <a:bodyPr rtlCol="0" anchor="ctr"/>
+                <a:lstStyle/>
+                <a:p>
+                  <a:pPr algn="ctr"/>
+                  <a:endParaRPr lang="zh-CN" altLang="en-US"/>
+                </a:p>
+              </p:txBody>
+            </p:sp>
+          </p:grpSp>
+          <p:grpSp>
+            <p:nvGrpSpPr>
+              <p:cNvPr id="18" name="组合 17">
+                <a:extLst>
+                  <a:ext uri="{FF2B5EF4-FFF2-40B4-BE49-F238E27FC236}">
+                    <a16:creationId xmlns:a16="http://schemas.microsoft.com/office/drawing/2014/main" id="{B4F5EB79-480A-49E8-8EF3-ABF804CC0AE6}"/>
+                  </a:ext>
+                </a:extLst>
+              </p:cNvPr>
+              <p:cNvGrpSpPr/>
+              <p:nvPr/>
+            </p:nvGrpSpPr>
+            <p:grpSpPr>
+              <a:xfrm>
+                <a:off x="4039342" y="2867879"/>
+                <a:ext cx="509286" cy="1125638"/>
+                <a:chOff x="4622049" y="1953477"/>
+                <a:chExt cx="509286" cy="1886673"/>
+              </a:xfrm>
+            </p:grpSpPr>
+            <p:cxnSp>
+              <p:nvCxnSpPr>
+                <p:cNvPr id="19" name="直接连接符 18">
+                  <a:extLst>
+                    <a:ext uri="{FF2B5EF4-FFF2-40B4-BE49-F238E27FC236}">
+                      <a16:creationId xmlns:a16="http://schemas.microsoft.com/office/drawing/2014/main" id="{D49D5224-9548-4BF4-BF9B-F19DB16C2800}"/>
+                    </a:ext>
+                  </a:extLst>
+                </p:cNvPr>
+                <p:cNvCxnSpPr>
+                  <a:cxnSpLocks/>
+                </p:cNvCxnSpPr>
+                <p:nvPr/>
+              </p:nvCxnSpPr>
+              <p:spPr>
+                <a:xfrm>
+                  <a:off x="4876692" y="1953477"/>
+                  <a:ext cx="0" cy="1886673"/>
+                </a:xfrm>
+                <a:prstGeom prst="line">
+                  <a:avLst/>
+                </a:prstGeom>
+              </p:spPr>
+              <p:style>
+                <a:lnRef idx="1">
+                  <a:schemeClr val="accent1"/>
+                </a:lnRef>
+                <a:fillRef idx="0">
+                  <a:schemeClr val="accent1"/>
+                </a:fillRef>
+                <a:effectRef idx="0">
+                  <a:schemeClr val="accent1"/>
+                </a:effectRef>
+                <a:fontRef idx="minor">
+                  <a:schemeClr val="tx1"/>
+                </a:fontRef>
+              </p:style>
+            </p:cxnSp>
+            <p:sp>
+              <p:nvSpPr>
+                <p:cNvPr id="20" name="矩形 19">
+                  <a:extLst>
+                    <a:ext uri="{FF2B5EF4-FFF2-40B4-BE49-F238E27FC236}">
+                      <a16:creationId xmlns:a16="http://schemas.microsoft.com/office/drawing/2014/main" id="{145B3A05-A259-4B83-8500-C9B455988601}"/>
+                    </a:ext>
+                  </a:extLst>
+                </p:cNvPr>
+                <p:cNvSpPr/>
+                <p:nvPr/>
+              </p:nvSpPr>
+              <p:spPr>
+                <a:xfrm>
+                  <a:off x="4622049" y="2333994"/>
+                  <a:ext cx="509286" cy="1125638"/>
+                </a:xfrm>
+                <a:prstGeom prst="rect">
+                  <a:avLst/>
+                </a:prstGeom>
+                <a:solidFill>
+                  <a:srgbClr val="FF0000"/>
+                </a:solidFill>
+              </p:spPr>
+              <p:style>
+                <a:lnRef idx="2">
+                  <a:schemeClr val="accent1">
+                    <a:shade val="50000"/>
+                  </a:schemeClr>
+                </a:lnRef>
+                <a:fillRef idx="1">
+                  <a:schemeClr val="accent1"/>
+                </a:fillRef>
+                <a:effectRef idx="0">
+                  <a:schemeClr val="accent1"/>
+                </a:effectRef>
+                <a:fontRef idx="minor">
+                  <a:schemeClr val="lt1"/>
+                </a:fontRef>
+              </p:style>
+              <p:txBody>
+                <a:bodyPr rtlCol="0" anchor="ctr"/>
+                <a:lstStyle/>
+                <a:p>
+                  <a:pPr algn="ctr"/>
+                  <a:endParaRPr lang="zh-CN" altLang="en-US"/>
+                </a:p>
+              </p:txBody>
+            </p:sp>
+          </p:grpSp>
+        </p:grpSp>
+        <p:grpSp>
+          <p:nvGrpSpPr>
+            <p:cNvPr id="34" name="组合 33">
+              <a:extLst>
+                <a:ext uri="{FF2B5EF4-FFF2-40B4-BE49-F238E27FC236}">
+                  <a16:creationId xmlns:a16="http://schemas.microsoft.com/office/drawing/2014/main" id="{A497D8CA-8FF1-4967-A249-795B5B14044D}"/>
+                </a:ext>
+              </a:extLst>
+            </p:cNvPr>
+            <p:cNvGrpSpPr/>
+            <p:nvPr/>
+          </p:nvGrpSpPr>
+          <p:grpSpPr>
+            <a:xfrm>
+              <a:off x="6835722" y="1408050"/>
+              <a:ext cx="487614" cy="3343772"/>
+              <a:chOff x="7134088" y="795655"/>
+              <a:chExt cx="509286" cy="5675376"/>
+            </a:xfrm>
+          </p:grpSpPr>
+          <p:grpSp>
+            <p:nvGrpSpPr>
+              <p:cNvPr id="21" name="组合 20">
+                <a:extLst>
+                  <a:ext uri="{FF2B5EF4-FFF2-40B4-BE49-F238E27FC236}">
+                    <a16:creationId xmlns:a16="http://schemas.microsoft.com/office/drawing/2014/main" id="{12D74826-8024-4E68-9040-F03F5E07E30A}"/>
+                  </a:ext>
+                </a:extLst>
+              </p:cNvPr>
+              <p:cNvGrpSpPr/>
+              <p:nvPr/>
+            </p:nvGrpSpPr>
+            <p:grpSpPr>
+              <a:xfrm>
+                <a:off x="7134088" y="4584358"/>
+                <a:ext cx="509286" cy="1886673"/>
+                <a:chOff x="4622049" y="1953477"/>
+                <a:chExt cx="509286" cy="1886673"/>
+              </a:xfrm>
+            </p:grpSpPr>
+            <p:cxnSp>
+              <p:nvCxnSpPr>
+                <p:cNvPr id="22" name="直接连接符 21">
+                  <a:extLst>
+                    <a:ext uri="{FF2B5EF4-FFF2-40B4-BE49-F238E27FC236}">
+                      <a16:creationId xmlns:a16="http://schemas.microsoft.com/office/drawing/2014/main" id="{C10F203F-03C9-435A-BF06-CC69882640E7}"/>
+                    </a:ext>
+                  </a:extLst>
+                </p:cNvPr>
+                <p:cNvCxnSpPr>
+                  <a:cxnSpLocks/>
+                </p:cNvCxnSpPr>
+                <p:nvPr/>
+              </p:nvCxnSpPr>
+              <p:spPr>
+                <a:xfrm>
+                  <a:off x="4876692" y="1953477"/>
+                  <a:ext cx="0" cy="1886673"/>
+                </a:xfrm>
+                <a:prstGeom prst="line">
+                  <a:avLst/>
+                </a:prstGeom>
+              </p:spPr>
+              <p:style>
+                <a:lnRef idx="1">
+                  <a:schemeClr val="accent1"/>
+                </a:lnRef>
+                <a:fillRef idx="0">
+                  <a:schemeClr val="accent1"/>
+                </a:fillRef>
+                <a:effectRef idx="0">
+                  <a:schemeClr val="accent1"/>
+                </a:effectRef>
+                <a:fontRef idx="minor">
+                  <a:schemeClr val="tx1"/>
+                </a:fontRef>
+              </p:style>
+            </p:cxnSp>
+            <p:sp>
+              <p:nvSpPr>
+                <p:cNvPr id="23" name="矩形 22">
+                  <a:extLst>
+                    <a:ext uri="{FF2B5EF4-FFF2-40B4-BE49-F238E27FC236}">
+                      <a16:creationId xmlns:a16="http://schemas.microsoft.com/office/drawing/2014/main" id="{57D54968-2972-4256-8D37-D345F7FFB85C}"/>
+                    </a:ext>
+                  </a:extLst>
+                </p:cNvPr>
+                <p:cNvSpPr/>
+                <p:nvPr/>
+              </p:nvSpPr>
+              <p:spPr>
+                <a:xfrm>
+                  <a:off x="4622049" y="2333994"/>
+                  <a:ext cx="509286" cy="1125638"/>
+                </a:xfrm>
+                <a:prstGeom prst="rect">
+                  <a:avLst/>
+                </a:prstGeom>
+                <a:solidFill>
+                  <a:srgbClr val="00B050"/>
+                </a:solidFill>
+              </p:spPr>
+              <p:style>
+                <a:lnRef idx="2">
+                  <a:schemeClr val="accent1">
+                    <a:shade val="50000"/>
+                  </a:schemeClr>
+                </a:lnRef>
+                <a:fillRef idx="1">
+                  <a:schemeClr val="accent1"/>
+                </a:fillRef>
+                <a:effectRef idx="0">
+                  <a:schemeClr val="accent1"/>
+                </a:effectRef>
+                <a:fontRef idx="minor">
+                  <a:schemeClr val="lt1"/>
+                </a:fontRef>
+              </p:style>
+              <p:txBody>
+                <a:bodyPr rtlCol="0" anchor="ctr"/>
+                <a:lstStyle/>
+                <a:p>
+                  <a:pPr algn="ctr"/>
+                  <a:endParaRPr lang="zh-CN" altLang="en-US"/>
+                </a:p>
+              </p:txBody>
+            </p:sp>
+          </p:grpSp>
+          <p:cxnSp>
+            <p:nvCxnSpPr>
+              <p:cNvPr id="25" name="直接连接符 24">
+                <a:extLst>
+                  <a:ext uri="{FF2B5EF4-FFF2-40B4-BE49-F238E27FC236}">
+                    <a16:creationId xmlns:a16="http://schemas.microsoft.com/office/drawing/2014/main" id="{0AA46BEE-6734-4EDD-8772-ECE310CA5FE8}"/>
+                  </a:ext>
+                </a:extLst>
+              </p:cNvPr>
+              <p:cNvCxnSpPr>
+                <a:cxnSpLocks/>
+              </p:cNvCxnSpPr>
+              <p:nvPr/>
+            </p:nvCxnSpPr>
+            <p:spPr>
+              <a:xfrm>
+                <a:off x="7388731" y="795655"/>
+                <a:ext cx="0" cy="423136"/>
+              </a:xfrm>
+              <a:prstGeom prst="line">
+                <a:avLst/>
+              </a:prstGeom>
+            </p:spPr>
+            <p:style>
+              <a:lnRef idx="1">
+                <a:schemeClr val="accent1"/>
+              </a:lnRef>
+              <a:fillRef idx="0">
+                <a:schemeClr val="accent1"/>
+              </a:fillRef>
+              <a:effectRef idx="0">
+                <a:schemeClr val="accent1"/>
+              </a:effectRef>
+              <a:fontRef idx="minor">
+                <a:schemeClr val="tx1"/>
+              </a:fontRef>
+            </p:style>
+          </p:cxnSp>
+          <p:grpSp>
+            <p:nvGrpSpPr>
+              <p:cNvPr id="27" name="组合 26">
+                <a:extLst>
+                  <a:ext uri="{FF2B5EF4-FFF2-40B4-BE49-F238E27FC236}">
+                    <a16:creationId xmlns:a16="http://schemas.microsoft.com/office/drawing/2014/main" id="{B5535469-2748-4365-AF67-61B5C3270FB9}"/>
+                  </a:ext>
+                </a:extLst>
+              </p:cNvPr>
+              <p:cNvGrpSpPr/>
+              <p:nvPr/>
+            </p:nvGrpSpPr>
+            <p:grpSpPr>
+              <a:xfrm>
+                <a:off x="7134088" y="1684537"/>
+                <a:ext cx="509286" cy="592500"/>
+                <a:chOff x="4622049" y="1953477"/>
+                <a:chExt cx="509286" cy="1886673"/>
+              </a:xfrm>
+            </p:grpSpPr>
+            <p:cxnSp>
+              <p:nvCxnSpPr>
+                <p:cNvPr id="28" name="直接连接符 27">
+                  <a:extLst>
+                    <a:ext uri="{FF2B5EF4-FFF2-40B4-BE49-F238E27FC236}">
+                      <a16:creationId xmlns:a16="http://schemas.microsoft.com/office/drawing/2014/main" id="{CC4AD273-1735-4C48-B53F-DA79D2F82AD9}"/>
+                    </a:ext>
+                  </a:extLst>
+                </p:cNvPr>
+                <p:cNvCxnSpPr>
+                  <a:cxnSpLocks/>
+                </p:cNvCxnSpPr>
+                <p:nvPr/>
+              </p:nvCxnSpPr>
+              <p:spPr>
+                <a:xfrm>
+                  <a:off x="4876692" y="1953477"/>
+                  <a:ext cx="0" cy="1886673"/>
+                </a:xfrm>
+                <a:prstGeom prst="line">
+                  <a:avLst/>
+                </a:prstGeom>
+              </p:spPr>
+              <p:style>
+                <a:lnRef idx="1">
+                  <a:schemeClr val="accent1"/>
+                </a:lnRef>
+                <a:fillRef idx="0">
+                  <a:schemeClr val="accent1"/>
+                </a:fillRef>
+                <a:effectRef idx="0">
+                  <a:schemeClr val="accent1"/>
+                </a:effectRef>
+                <a:fontRef idx="minor">
+                  <a:schemeClr val="tx1"/>
+                </a:fontRef>
+              </p:style>
+            </p:cxnSp>
+            <p:sp>
+              <p:nvSpPr>
+                <p:cNvPr id="29" name="矩形 28">
+                  <a:extLst>
+                    <a:ext uri="{FF2B5EF4-FFF2-40B4-BE49-F238E27FC236}">
+                      <a16:creationId xmlns:a16="http://schemas.microsoft.com/office/drawing/2014/main" id="{6C45E5FA-7BD7-4EC7-A7BA-F89EF6FC4F04}"/>
+                    </a:ext>
+                  </a:extLst>
+                </p:cNvPr>
+                <p:cNvSpPr/>
+                <p:nvPr/>
+              </p:nvSpPr>
+              <p:spPr>
+                <a:xfrm>
+                  <a:off x="4622049" y="2333994"/>
+                  <a:ext cx="509286" cy="1125638"/>
+                </a:xfrm>
+                <a:prstGeom prst="rect">
+                  <a:avLst/>
+                </a:prstGeom>
+                <a:solidFill>
+                  <a:srgbClr val="00B050"/>
+                </a:solidFill>
+              </p:spPr>
+              <p:style>
+                <a:lnRef idx="2">
+                  <a:schemeClr val="accent1">
+                    <a:shade val="50000"/>
+                  </a:schemeClr>
+                </a:lnRef>
+                <a:fillRef idx="1">
+                  <a:schemeClr val="accent1"/>
+                </a:fillRef>
+                <a:effectRef idx="0">
+                  <a:schemeClr val="accent1"/>
+                </a:effectRef>
+                <a:fontRef idx="minor">
+                  <a:schemeClr val="lt1"/>
+                </a:fontRef>
+              </p:style>
+              <p:txBody>
+                <a:bodyPr rtlCol="0" anchor="ctr"/>
+                <a:lstStyle/>
+                <a:p>
+                  <a:pPr algn="ctr"/>
+                  <a:endParaRPr lang="zh-CN" altLang="en-US"/>
+                </a:p>
+              </p:txBody>
+            </p:sp>
+          </p:grpSp>
+          <p:grpSp>
+            <p:nvGrpSpPr>
+              <p:cNvPr id="30" name="组合 29">
+                <a:extLst>
+                  <a:ext uri="{FF2B5EF4-FFF2-40B4-BE49-F238E27FC236}">
+                    <a16:creationId xmlns:a16="http://schemas.microsoft.com/office/drawing/2014/main" id="{6C17A922-428B-453C-9223-A25B45156FFD}"/>
+                  </a:ext>
+                </a:extLst>
+              </p:cNvPr>
+              <p:cNvGrpSpPr/>
+              <p:nvPr/>
+            </p:nvGrpSpPr>
+            <p:grpSpPr>
+              <a:xfrm>
+                <a:off x="7134088" y="2867879"/>
+                <a:ext cx="509286" cy="1125638"/>
+                <a:chOff x="4622049" y="1953477"/>
+                <a:chExt cx="509286" cy="1886673"/>
+              </a:xfrm>
+            </p:grpSpPr>
+            <p:cxnSp>
+              <p:nvCxnSpPr>
+                <p:cNvPr id="31" name="直接连接符 30">
+                  <a:extLst>
+                    <a:ext uri="{FF2B5EF4-FFF2-40B4-BE49-F238E27FC236}">
+                      <a16:creationId xmlns:a16="http://schemas.microsoft.com/office/drawing/2014/main" id="{0FE4B685-B195-4AA7-89C3-C3D0D05B4385}"/>
+                    </a:ext>
+                  </a:extLst>
+                </p:cNvPr>
+                <p:cNvCxnSpPr>
+                  <a:cxnSpLocks/>
+                </p:cNvCxnSpPr>
+                <p:nvPr/>
+              </p:nvCxnSpPr>
+              <p:spPr>
+                <a:xfrm>
+                  <a:off x="4876692" y="1953477"/>
+                  <a:ext cx="0" cy="1886673"/>
+                </a:xfrm>
+                <a:prstGeom prst="line">
+                  <a:avLst/>
+                </a:prstGeom>
+              </p:spPr>
+              <p:style>
+                <a:lnRef idx="1">
+                  <a:schemeClr val="accent1"/>
+                </a:lnRef>
+                <a:fillRef idx="0">
+                  <a:schemeClr val="accent1"/>
+                </a:fillRef>
+                <a:effectRef idx="0">
+                  <a:schemeClr val="accent1"/>
+                </a:effectRef>
+                <a:fontRef idx="minor">
+                  <a:schemeClr val="tx1"/>
+                </a:fontRef>
+              </p:style>
+            </p:cxnSp>
+            <p:sp>
+              <p:nvSpPr>
+                <p:cNvPr id="32" name="矩形 31">
+                  <a:extLst>
+                    <a:ext uri="{FF2B5EF4-FFF2-40B4-BE49-F238E27FC236}">
+                      <a16:creationId xmlns:a16="http://schemas.microsoft.com/office/drawing/2014/main" id="{ACFAA437-D25D-4FF7-AF16-CB806EFC1652}"/>
+                    </a:ext>
+                  </a:extLst>
+                </p:cNvPr>
+                <p:cNvSpPr/>
+                <p:nvPr/>
+              </p:nvSpPr>
+              <p:spPr>
+                <a:xfrm>
+                  <a:off x="4622049" y="2333994"/>
+                  <a:ext cx="509286" cy="1125638"/>
+                </a:xfrm>
+                <a:prstGeom prst="rect">
+                  <a:avLst/>
+                </a:prstGeom>
+                <a:solidFill>
+                  <a:srgbClr val="00B050"/>
+                </a:solidFill>
+              </p:spPr>
+              <p:style>
+                <a:lnRef idx="2">
+                  <a:schemeClr val="accent1">
+                    <a:shade val="50000"/>
+                  </a:schemeClr>
+                </a:lnRef>
+                <a:fillRef idx="1">
+                  <a:schemeClr val="accent1"/>
+                </a:fillRef>
+                <a:effectRef idx="0">
+                  <a:schemeClr val="accent1"/>
+                </a:effectRef>
+                <a:fontRef idx="minor">
+                  <a:schemeClr val="lt1"/>
+                </a:fontRef>
+              </p:style>
+              <p:txBody>
+                <a:bodyPr rtlCol="0" anchor="ctr"/>
+                <a:lstStyle/>
+                <a:p>
+                  <a:pPr algn="ctr"/>
+                  <a:endParaRPr lang="zh-CN" altLang="en-US"/>
+                </a:p>
+              </p:txBody>
+            </p:sp>
+          </p:grpSp>
+        </p:grpSp>
+        <p:sp>
+          <p:nvSpPr>
+            <p:cNvPr id="38" name="文本框 37">
+              <a:extLst>
+                <a:ext uri="{FF2B5EF4-FFF2-40B4-BE49-F238E27FC236}">
+                  <a16:creationId xmlns:a16="http://schemas.microsoft.com/office/drawing/2014/main" id="{D79FB5E1-DEF3-44E4-992E-77FFB21660C9}"/>
+                </a:ext>
+              </a:extLst>
+            </p:cNvPr>
+            <p:cNvSpPr txBox="1"/>
+            <p:nvPr/>
+          </p:nvSpPr>
+          <p:spPr>
+            <a:xfrm>
+              <a:off x="3599850" y="2824961"/>
+              <a:ext cx="815489" cy="338554"/>
+            </a:xfrm>
+            <a:prstGeom prst="rect">
+              <a:avLst/>
+            </a:prstGeom>
+            <a:noFill/>
+          </p:spPr>
+          <p:txBody>
+            <a:bodyPr wrap="square" rtlCol="0">
+              <a:spAutoFit/>
+            </a:bodyPr>
+            <a:lstStyle/>
+            <a:p>
+              <a:r>
+                <a:rPr lang="zh-CN" altLang="en-US" sz="1600" dirty="0"/>
+                <a:t>中阳线</a:t>
+              </a:r>
+            </a:p>
+          </p:txBody>
+        </p:sp>
+        <p:sp>
+          <p:nvSpPr>
+            <p:cNvPr id="39" name="文本框 38">
+              <a:extLst>
+                <a:ext uri="{FF2B5EF4-FFF2-40B4-BE49-F238E27FC236}">
+                  <a16:creationId xmlns:a16="http://schemas.microsoft.com/office/drawing/2014/main" id="{EDD55733-BFAB-4F4D-8E57-E4376BDD146D}"/>
+                </a:ext>
+              </a:extLst>
+            </p:cNvPr>
+            <p:cNvSpPr txBox="1"/>
+            <p:nvPr/>
+          </p:nvSpPr>
+          <p:spPr>
+            <a:xfrm>
+              <a:off x="3599850" y="1408050"/>
+              <a:ext cx="815489" cy="338554"/>
+            </a:xfrm>
+            <a:prstGeom prst="rect">
+              <a:avLst/>
+            </a:prstGeom>
+            <a:noFill/>
+          </p:spPr>
+          <p:txBody>
+            <a:bodyPr wrap="square" rtlCol="0">
+              <a:spAutoFit/>
+            </a:bodyPr>
+            <a:lstStyle/>
+            <a:p>
+              <a:r>
+                <a:rPr lang="zh-CN" altLang="en-US" sz="1600" dirty="0"/>
+                <a:t>十字星</a:t>
+              </a:r>
+            </a:p>
+          </p:txBody>
+        </p:sp>
+        <p:sp>
+          <p:nvSpPr>
+            <p:cNvPr id="40" name="文本框 39">
+              <a:extLst>
+                <a:ext uri="{FF2B5EF4-FFF2-40B4-BE49-F238E27FC236}">
+                  <a16:creationId xmlns:a16="http://schemas.microsoft.com/office/drawing/2014/main" id="{21CDD0D3-9B35-4422-8AF8-A3531609C587}"/>
+                </a:ext>
+              </a:extLst>
+            </p:cNvPr>
+            <p:cNvSpPr txBox="1"/>
+            <p:nvPr/>
+          </p:nvSpPr>
+          <p:spPr>
+            <a:xfrm>
+              <a:off x="3599850" y="1993205"/>
+              <a:ext cx="815489" cy="338554"/>
+            </a:xfrm>
+            <a:prstGeom prst="rect">
+              <a:avLst/>
+            </a:prstGeom>
+            <a:noFill/>
+          </p:spPr>
+          <p:txBody>
+            <a:bodyPr wrap="square" rtlCol="0">
+              <a:spAutoFit/>
+            </a:bodyPr>
+            <a:lstStyle/>
+            <a:p>
+              <a:r>
+                <a:rPr lang="zh-CN" altLang="en-US" sz="1600" dirty="0"/>
+                <a:t>小阳线</a:t>
+              </a:r>
+            </a:p>
+          </p:txBody>
+        </p:sp>
+        <p:sp>
+          <p:nvSpPr>
+            <p:cNvPr id="41" name="文本框 40">
+              <a:extLst>
+                <a:ext uri="{FF2B5EF4-FFF2-40B4-BE49-F238E27FC236}">
+                  <a16:creationId xmlns:a16="http://schemas.microsoft.com/office/drawing/2014/main" id="{AB7C1B64-3AFA-412E-BFE6-90AF3C8BD1A5}"/>
+                </a:ext>
+              </a:extLst>
+            </p:cNvPr>
+            <p:cNvSpPr txBox="1"/>
+            <p:nvPr/>
+          </p:nvSpPr>
+          <p:spPr>
+            <a:xfrm>
+              <a:off x="3599850" y="3966340"/>
+              <a:ext cx="815489" cy="338554"/>
+            </a:xfrm>
+            <a:prstGeom prst="rect">
+              <a:avLst/>
+            </a:prstGeom>
+            <a:noFill/>
+          </p:spPr>
+          <p:txBody>
+            <a:bodyPr wrap="square" rtlCol="0">
+              <a:spAutoFit/>
+            </a:bodyPr>
+            <a:lstStyle/>
+            <a:p>
+              <a:r>
+                <a:rPr lang="zh-CN" altLang="en-US" sz="1600" dirty="0"/>
+                <a:t>大阳线</a:t>
+              </a:r>
+            </a:p>
+          </p:txBody>
+        </p:sp>
+        <p:sp>
+          <p:nvSpPr>
+            <p:cNvPr id="42" name="文本框 41">
+              <a:extLst>
+                <a:ext uri="{FF2B5EF4-FFF2-40B4-BE49-F238E27FC236}">
+                  <a16:creationId xmlns:a16="http://schemas.microsoft.com/office/drawing/2014/main" id="{565F8AE6-658C-4E78-8470-E09043B50427}"/>
+                </a:ext>
+              </a:extLst>
+            </p:cNvPr>
+            <p:cNvSpPr txBox="1"/>
+            <p:nvPr/>
+          </p:nvSpPr>
+          <p:spPr>
+            <a:xfrm>
+              <a:off x="7525333" y="2789656"/>
+              <a:ext cx="815489" cy="338554"/>
+            </a:xfrm>
+            <a:prstGeom prst="rect">
+              <a:avLst/>
+            </a:prstGeom>
+            <a:noFill/>
+          </p:spPr>
+          <p:txBody>
+            <a:bodyPr wrap="square" rtlCol="0">
+              <a:spAutoFit/>
+            </a:bodyPr>
+            <a:lstStyle/>
+            <a:p>
+              <a:r>
+                <a:rPr lang="zh-CN" altLang="en-US" sz="1600" dirty="0"/>
+                <a:t>中阴线</a:t>
+              </a:r>
+            </a:p>
+          </p:txBody>
+        </p:sp>
+        <p:sp>
+          <p:nvSpPr>
+            <p:cNvPr id="43" name="文本框 42">
+              <a:extLst>
+                <a:ext uri="{FF2B5EF4-FFF2-40B4-BE49-F238E27FC236}">
+                  <a16:creationId xmlns:a16="http://schemas.microsoft.com/office/drawing/2014/main" id="{0F5EDFDD-B881-4381-9A16-F55EAC8A3BA3}"/>
+                </a:ext>
+              </a:extLst>
+            </p:cNvPr>
+            <p:cNvSpPr txBox="1"/>
+            <p:nvPr/>
+          </p:nvSpPr>
+          <p:spPr>
+            <a:xfrm>
+              <a:off x="7525333" y="1366430"/>
+              <a:ext cx="815489" cy="338554"/>
+            </a:xfrm>
+            <a:prstGeom prst="rect">
+              <a:avLst/>
+            </a:prstGeom>
+            <a:noFill/>
+          </p:spPr>
+          <p:txBody>
+            <a:bodyPr wrap="square" rtlCol="0">
+              <a:spAutoFit/>
+            </a:bodyPr>
+            <a:lstStyle/>
+            <a:p>
+              <a:r>
+                <a:rPr lang="zh-CN" altLang="en-US" sz="1600" dirty="0"/>
+                <a:t>十字星</a:t>
+              </a:r>
+            </a:p>
+          </p:txBody>
+        </p:sp>
+        <p:sp>
+          <p:nvSpPr>
+            <p:cNvPr id="44" name="文本框 43">
+              <a:extLst>
+                <a:ext uri="{FF2B5EF4-FFF2-40B4-BE49-F238E27FC236}">
+                  <a16:creationId xmlns:a16="http://schemas.microsoft.com/office/drawing/2014/main" id="{1BF8AB90-9727-4344-995D-0C72BF4A7773}"/>
+                </a:ext>
+              </a:extLst>
+            </p:cNvPr>
+            <p:cNvSpPr txBox="1"/>
+            <p:nvPr/>
+          </p:nvSpPr>
+          <p:spPr>
+            <a:xfrm>
+              <a:off x="7525333" y="1942284"/>
+              <a:ext cx="815489" cy="338554"/>
+            </a:xfrm>
+            <a:prstGeom prst="rect">
+              <a:avLst/>
+            </a:prstGeom>
+            <a:noFill/>
+          </p:spPr>
+          <p:txBody>
+            <a:bodyPr wrap="square" rtlCol="0">
+              <a:spAutoFit/>
+            </a:bodyPr>
+            <a:lstStyle/>
+            <a:p>
+              <a:r>
+                <a:rPr lang="zh-CN" altLang="en-US" sz="1600" dirty="0"/>
+                <a:t>小阴线</a:t>
+              </a:r>
+            </a:p>
+          </p:txBody>
+        </p:sp>
+        <p:sp>
+          <p:nvSpPr>
+            <p:cNvPr id="45" name="文本框 44">
+              <a:extLst>
+                <a:ext uri="{FF2B5EF4-FFF2-40B4-BE49-F238E27FC236}">
+                  <a16:creationId xmlns:a16="http://schemas.microsoft.com/office/drawing/2014/main" id="{3BCC0F85-24EF-48DA-A2BC-9BBE9ED0E4F8}"/>
+                </a:ext>
+              </a:extLst>
+            </p:cNvPr>
+            <p:cNvSpPr txBox="1"/>
+            <p:nvPr/>
+          </p:nvSpPr>
+          <p:spPr>
+            <a:xfrm>
+              <a:off x="7525333" y="4032881"/>
+              <a:ext cx="815489" cy="338554"/>
+            </a:xfrm>
+            <a:prstGeom prst="rect">
+              <a:avLst/>
+            </a:prstGeom>
+            <a:noFill/>
+          </p:spPr>
+          <p:txBody>
+            <a:bodyPr wrap="square" rtlCol="0">
+              <a:spAutoFit/>
+            </a:bodyPr>
+            <a:lstStyle/>
+            <a:p>
+              <a:r>
+                <a:rPr lang="zh-CN" altLang="en-US" sz="1600" dirty="0"/>
+                <a:t>大阴线</a:t>
+              </a:r>
+            </a:p>
+          </p:txBody>
+        </p:sp>
+        <p:cxnSp>
+          <p:nvCxnSpPr>
+            <p:cNvPr id="8" name="直接连接符 7">
+              <a:extLst>
+                <a:ext uri="{FF2B5EF4-FFF2-40B4-BE49-F238E27FC236}">
+                  <a16:creationId xmlns:a16="http://schemas.microsoft.com/office/drawing/2014/main" id="{B47493E5-E702-4CAC-A61C-2BB2E9D473B0}"/>
+                </a:ext>
+              </a:extLst>
+            </p:cNvPr>
+            <p:cNvCxnSpPr/>
+            <p:nvPr/>
+          </p:nvCxnSpPr>
+          <p:spPr>
+            <a:xfrm>
+              <a:off x="4575526" y="1565197"/>
+              <a:ext cx="487614" cy="0"/>
+            </a:xfrm>
+            <a:prstGeom prst="line">
+              <a:avLst/>
+            </a:prstGeom>
+            <a:ln>
+              <a:solidFill>
+                <a:srgbClr val="FF0000"/>
+              </a:solidFill>
+            </a:ln>
+          </p:spPr>
+          <p:style>
+            <a:lnRef idx="1">
+              <a:schemeClr val="accent1"/>
+            </a:lnRef>
+            <a:fillRef idx="0">
+              <a:schemeClr val="accent1"/>
+            </a:fillRef>
+            <a:effectRef idx="0">
+              <a:schemeClr val="accent1"/>
+            </a:effectRef>
+            <a:fontRef idx="minor">
+              <a:schemeClr val="tx1"/>
+            </a:fontRef>
+          </p:style>
+        </p:cxnSp>
+        <p:cxnSp>
+          <p:nvCxnSpPr>
+            <p:cNvPr id="10" name="直接连接符 9">
+              <a:extLst>
+                <a:ext uri="{FF2B5EF4-FFF2-40B4-BE49-F238E27FC236}">
+                  <a16:creationId xmlns:a16="http://schemas.microsoft.com/office/drawing/2014/main" id="{1F8AFDE7-A55B-4AF2-AB3C-26D6F29DDE7E}"/>
+                </a:ext>
+              </a:extLst>
+            </p:cNvPr>
+            <p:cNvCxnSpPr/>
+            <p:nvPr/>
+          </p:nvCxnSpPr>
+          <p:spPr>
+            <a:xfrm>
+              <a:off x="6881091" y="1533006"/>
+              <a:ext cx="396875" cy="0"/>
+            </a:xfrm>
+            <a:prstGeom prst="line">
+              <a:avLst/>
+            </a:prstGeom>
+          </p:spPr>
+          <p:style>
+            <a:lnRef idx="1">
+              <a:schemeClr val="accent1"/>
+            </a:lnRef>
+            <a:fillRef idx="0">
+              <a:schemeClr val="accent1"/>
+            </a:fillRef>
+            <a:effectRef idx="0">
+              <a:schemeClr val="accent1"/>
+            </a:effectRef>
+            <a:fontRef idx="minor">
+              <a:schemeClr val="tx1"/>
+            </a:fontRef>
+          </p:style>
+        </p:cxnSp>
+      </p:grpSp>
+    </p:spTree>
+    <p:extLst>
+      <p:ext uri="{BB962C8B-B14F-4D97-AF65-F5344CB8AC3E}">
+        <p14:creationId xmlns:p14="http://schemas.microsoft.com/office/powerpoint/2010/main" val="2707092997"/>
+      </p:ext>
+    </p:extLst>
+  </p:cSld>
+  <p:clrMapOvr>
+    <a:masterClrMapping/>
+  </p:clrMapOvr>
+</p:sld>
+</file>
+
+<file path=ppt/slides/slide3.xml><?xml version="1.0" encoding="utf-8"?>
+<p:sld xmlns:a="http://schemas.openxmlformats.org/drawingml/2006/main" xmlns:r="http://schemas.openxmlformats.org/officeDocument/2006/relationships" xmlns:p="http://schemas.openxmlformats.org/presentationml/2006/main">
+  <p:cSld>
+    <p:spTree>
+      <p:nvGrpSpPr>
+        <p:cNvPr id="1" name=""/>
+        <p:cNvGrpSpPr/>
+        <p:nvPr/>
+      </p:nvGrpSpPr>
+      <p:grpSpPr>
+        <a:xfrm>
+          <a:off x="0" y="0"/>
+          <a:ext cx="0" cy="0"/>
+          <a:chOff x="0" y="0"/>
+          <a:chExt cx="0" cy="0"/>
+        </a:xfrm>
+      </p:grpSpPr>
+      <p:grpSp>
+        <p:nvGrpSpPr>
+          <p:cNvPr id="90" name="组合 89">
+            <a:extLst>
+              <a:ext uri="{FF2B5EF4-FFF2-40B4-BE49-F238E27FC236}">
+                <a16:creationId xmlns:a16="http://schemas.microsoft.com/office/drawing/2014/main" id="{A8D4B36C-4246-47A7-93E4-CC7C5FB75E8C}"/>
+              </a:ext>
+            </a:extLst>
+          </p:cNvPr>
+          <p:cNvGrpSpPr/>
+          <p:nvPr/>
+        </p:nvGrpSpPr>
+        <p:grpSpPr>
+          <a:xfrm>
+            <a:off x="1317625" y="1237014"/>
+            <a:ext cx="1736726" cy="1224491"/>
+            <a:chOff x="1317625" y="1152525"/>
+            <a:chExt cx="1736726" cy="1224491"/>
+          </a:xfrm>
+        </p:grpSpPr>
+        <p:sp>
+          <p:nvSpPr>
+            <p:cNvPr id="35" name="矩形 34">
+              <a:extLst>
+                <a:ext uri="{FF2B5EF4-FFF2-40B4-BE49-F238E27FC236}">
+                  <a16:creationId xmlns:a16="http://schemas.microsoft.com/office/drawing/2014/main" id="{68724D8D-A68A-4F51-BA1C-F9CD8E1C7E55}"/>
+                </a:ext>
+              </a:extLst>
+            </p:cNvPr>
+            <p:cNvSpPr/>
+            <p:nvPr/>
+          </p:nvSpPr>
+          <p:spPr>
+            <a:xfrm>
+              <a:off x="1317625" y="1152525"/>
+              <a:ext cx="1736726" cy="1224491"/>
+            </a:xfrm>
+            <a:prstGeom prst="rect">
+              <a:avLst/>
+            </a:prstGeom>
+            <a:solidFill>
+              <a:schemeClr val="bg1"/>
+            </a:solidFill>
+          </p:spPr>
+          <p:style>
+            <a:lnRef idx="2">
+              <a:schemeClr val="accent1">
+                <a:shade val="50000"/>
+              </a:schemeClr>
+            </a:lnRef>
+            <a:fillRef idx="1">
+              <a:schemeClr val="accent1"/>
+            </a:fillRef>
+            <a:effectRef idx="0">
+              <a:schemeClr val="accent1"/>
+            </a:effectRef>
+            <a:fontRef idx="minor">
+              <a:schemeClr val="lt1"/>
+            </a:fontRef>
+          </p:style>
+          <p:txBody>
+            <a:bodyPr rtlCol="0" anchor="ctr"/>
+            <a:lstStyle/>
+            <a:p>
+              <a:pPr algn="ctr"/>
+              <a:endParaRPr lang="zh-CN" altLang="en-US"/>
+            </a:p>
+          </p:txBody>
+        </p:sp>
+        <p:grpSp>
+          <p:nvGrpSpPr>
+            <p:cNvPr id="4" name="组合 3">
+              <a:extLst>
+                <a:ext uri="{FF2B5EF4-FFF2-40B4-BE49-F238E27FC236}">
+                  <a16:creationId xmlns:a16="http://schemas.microsoft.com/office/drawing/2014/main" id="{59624E96-A8E9-489E-AD0D-F0838934E561}"/>
+                </a:ext>
+              </a:extLst>
+            </p:cNvPr>
+            <p:cNvGrpSpPr/>
+            <p:nvPr/>
+          </p:nvGrpSpPr>
+          <p:grpSpPr>
+            <a:xfrm>
+              <a:off x="2436136" y="1265292"/>
+              <a:ext cx="487614" cy="663194"/>
+              <a:chOff x="1637744" y="3097403"/>
+              <a:chExt cx="487614" cy="663194"/>
+            </a:xfrm>
+          </p:grpSpPr>
+          <p:cxnSp>
+            <p:nvCxnSpPr>
+              <p:cNvPr id="37" name="直接连接符 36">
+                <a:extLst>
+                  <a:ext uri="{FF2B5EF4-FFF2-40B4-BE49-F238E27FC236}">
+                    <a16:creationId xmlns:a16="http://schemas.microsoft.com/office/drawing/2014/main" id="{9E415AAA-416D-4BE3-8A21-FBC846C7CC6C}"/>
+                  </a:ext>
+                </a:extLst>
+              </p:cNvPr>
+              <p:cNvCxnSpPr>
+                <a:cxnSpLocks/>
+                <a:stCxn id="46" idx="0"/>
+                <a:endCxn id="46" idx="2"/>
+              </p:cNvCxnSpPr>
+              <p:nvPr/>
+            </p:nvCxnSpPr>
+            <p:spPr>
+              <a:xfrm>
+                <a:off x="1881551" y="3097403"/>
+                <a:ext cx="0" cy="663194"/>
               </a:xfrm>
               <a:prstGeom prst="line">
                 <a:avLst/>
@@ -4984,10 +6210,10 @@
           </p:cxnSp>
           <p:sp>
             <p:nvSpPr>
-              <p:cNvPr id="3" name="矩形 2">
+              <p:cNvPr id="46" name="矩形 45">
                 <a:extLst>
                   <a:ext uri="{FF2B5EF4-FFF2-40B4-BE49-F238E27FC236}">
-                    <a16:creationId xmlns:a16="http://schemas.microsoft.com/office/drawing/2014/main" id="{1F1445D6-1FF4-4D65-BE91-45913AE23F7A}"/>
+                    <a16:creationId xmlns:a16="http://schemas.microsoft.com/office/drawing/2014/main" id="{37B1C31C-10DE-4595-B69E-9C0809418A76}"/>
                   </a:ext>
                 </a:extLst>
               </p:cNvPr>
@@ -4996,8 +6222,8 @@
             </p:nvSpPr>
             <p:spPr>
               <a:xfrm>
-                <a:off x="4622049" y="2333994"/>
-                <a:ext cx="509286" cy="1125638"/>
+                <a:off x="1637744" y="3097403"/>
+                <a:ext cx="487614" cy="663194"/>
               </a:xfrm>
               <a:prstGeom prst="rect">
                 <a:avLst/>
@@ -5034,10 +6260,10 @@
         </p:grpSp>
         <p:grpSp>
           <p:nvGrpSpPr>
-            <p:cNvPr id="11" name="组合 10">
+            <p:cNvPr id="5" name="组合 4">
               <a:extLst>
                 <a:ext uri="{FF2B5EF4-FFF2-40B4-BE49-F238E27FC236}">
-                  <a16:creationId xmlns:a16="http://schemas.microsoft.com/office/drawing/2014/main" id="{50EB90CB-98F0-4975-8AF1-9009F04E0D78}"/>
+                  <a16:creationId xmlns:a16="http://schemas.microsoft.com/office/drawing/2014/main" id="{76665E47-A9FE-47CC-BBC2-800ED1D6C59B}"/>
                 </a:ext>
               </a:extLst>
             </p:cNvPr>
@@ -5046,30 +6272,32 @@
           </p:nvGrpSpPr>
           <p:grpSpPr>
             <a:xfrm>
-              <a:off x="4039342" y="938423"/>
-              <a:ext cx="509286" cy="155272"/>
-              <a:chOff x="4622049" y="1953477"/>
-              <a:chExt cx="509286" cy="1886673"/>
+              <a:off x="1441120" y="1265292"/>
+              <a:ext cx="487614" cy="663194"/>
+              <a:chOff x="2714008" y="3097403"/>
+              <a:chExt cx="487614" cy="663194"/>
             </a:xfrm>
           </p:grpSpPr>
           <p:cxnSp>
             <p:nvCxnSpPr>
-              <p:cNvPr id="12" name="直接连接符 11">
+              <p:cNvPr id="47" name="直接连接符 46">
                 <a:extLst>
                   <a:ext uri="{FF2B5EF4-FFF2-40B4-BE49-F238E27FC236}">
-                    <a16:creationId xmlns:a16="http://schemas.microsoft.com/office/drawing/2014/main" id="{DDB5C2ED-F2DB-40BA-9E27-1B5E6A8201B1}"/>
+                    <a16:creationId xmlns:a16="http://schemas.microsoft.com/office/drawing/2014/main" id="{DA8F1416-31CD-4315-8A27-2828DC45E95F}"/>
                   </a:ext>
                 </a:extLst>
               </p:cNvPr>
               <p:cNvCxnSpPr>
                 <a:cxnSpLocks/>
+                <a:stCxn id="48" idx="0"/>
+                <a:endCxn id="48" idx="2"/>
               </p:cNvCxnSpPr>
               <p:nvPr/>
             </p:nvCxnSpPr>
             <p:spPr>
               <a:xfrm>
-                <a:off x="4876692" y="1953477"/>
-                <a:ext cx="0" cy="1886673"/>
+                <a:off x="2957815" y="3097403"/>
+                <a:ext cx="0" cy="663194"/>
               </a:xfrm>
               <a:prstGeom prst="line">
                 <a:avLst/>
@@ -5092,10 +6320,10 @@
           </p:cxnSp>
           <p:sp>
             <p:nvSpPr>
-              <p:cNvPr id="13" name="矩形 12">
+              <p:cNvPr id="48" name="矩形 47">
                 <a:extLst>
                   <a:ext uri="{FF2B5EF4-FFF2-40B4-BE49-F238E27FC236}">
-                    <a16:creationId xmlns:a16="http://schemas.microsoft.com/office/drawing/2014/main" id="{632EDDEC-3160-4798-AD0B-8B330179DB11}"/>
+                    <a16:creationId xmlns:a16="http://schemas.microsoft.com/office/drawing/2014/main" id="{CC14D725-92E5-49C3-B946-34C9CD694D79}"/>
                   </a:ext>
                 </a:extLst>
               </p:cNvPr>
@@ -5104,14 +6332,14 @@
             </p:nvSpPr>
             <p:spPr>
               <a:xfrm>
-                <a:off x="4622049" y="2333994"/>
-                <a:ext cx="509286" cy="1125638"/>
+                <a:off x="2714008" y="3097403"/>
+                <a:ext cx="487614" cy="663194"/>
               </a:xfrm>
               <a:prstGeom prst="rect">
                 <a:avLst/>
               </a:prstGeom>
               <a:solidFill>
-                <a:srgbClr val="FF0000"/>
+                <a:srgbClr val="00B050"/>
               </a:solidFill>
             </p:spPr>
             <p:style>
@@ -5142,10 +6370,10 @@
         </p:grpSp>
         <p:grpSp>
           <p:nvGrpSpPr>
-            <p:cNvPr id="15" name="组合 14">
+            <p:cNvPr id="9" name="组合 8">
               <a:extLst>
                 <a:ext uri="{FF2B5EF4-FFF2-40B4-BE49-F238E27FC236}">
-                  <a16:creationId xmlns:a16="http://schemas.microsoft.com/office/drawing/2014/main" id="{8742FA5A-C2E9-4B3E-8588-8B0F9CDEEE3F}"/>
+                  <a16:creationId xmlns:a16="http://schemas.microsoft.com/office/drawing/2014/main" id="{0A101034-EC8E-465A-AAAB-EEF7E75E6BE8}"/>
                 </a:ext>
               </a:extLst>
             </p:cNvPr>
@@ -5154,18 +6382,18 @@
           </p:nvGrpSpPr>
           <p:grpSpPr>
             <a:xfrm>
-              <a:off x="4039342" y="1684537"/>
-              <a:ext cx="509286" cy="592500"/>
-              <a:chOff x="4622049" y="1953477"/>
-              <a:chExt cx="509286" cy="1886673"/>
+              <a:off x="2057507" y="1696670"/>
+              <a:ext cx="281668" cy="598517"/>
+              <a:chOff x="5654782" y="3984787"/>
+              <a:chExt cx="281668" cy="598517"/>
             </a:xfrm>
           </p:grpSpPr>
           <p:cxnSp>
             <p:nvCxnSpPr>
-              <p:cNvPr id="16" name="直接连接符 15">
+              <p:cNvPr id="50" name="直接连接符 49">
                 <a:extLst>
                   <a:ext uri="{FF2B5EF4-FFF2-40B4-BE49-F238E27FC236}">
-                    <a16:creationId xmlns:a16="http://schemas.microsoft.com/office/drawing/2014/main" id="{9B71A72A-009A-43C3-B189-239480B54BE9}"/>
+                    <a16:creationId xmlns:a16="http://schemas.microsoft.com/office/drawing/2014/main" id="{6FA709E7-B3F0-4E89-9229-7E2D0296BC42}"/>
                   </a:ext>
                 </a:extLst>
               </p:cNvPr>
@@ -5176,8 +6404,257 @@
             </p:nvCxnSpPr>
             <p:spPr>
               <a:xfrm>
-                <a:off x="4876692" y="1953477"/>
-                <a:ext cx="0" cy="1886673"/>
+                <a:off x="5795616" y="3984787"/>
+                <a:ext cx="0" cy="598517"/>
+              </a:xfrm>
+              <a:prstGeom prst="line">
+                <a:avLst/>
+              </a:prstGeom>
+              <a:ln w="12700"/>
+            </p:spPr>
+            <p:style>
+              <a:lnRef idx="1">
+                <a:schemeClr val="accent1"/>
+              </a:lnRef>
+              <a:fillRef idx="0">
+                <a:schemeClr val="accent1"/>
+              </a:fillRef>
+              <a:effectRef idx="0">
+                <a:schemeClr val="accent1"/>
+              </a:effectRef>
+              <a:fontRef idx="minor">
+                <a:schemeClr val="tx1"/>
+              </a:fontRef>
+            </p:style>
+          </p:cxnSp>
+          <p:cxnSp>
+            <p:nvCxnSpPr>
+              <p:cNvPr id="52" name="直接连接符 51">
+                <a:extLst>
+                  <a:ext uri="{FF2B5EF4-FFF2-40B4-BE49-F238E27FC236}">
+                    <a16:creationId xmlns:a16="http://schemas.microsoft.com/office/drawing/2014/main" id="{06E4131A-15C3-4D22-90B7-663082D60441}"/>
+                  </a:ext>
+                </a:extLst>
+              </p:cNvPr>
+              <p:cNvCxnSpPr>
+                <a:cxnSpLocks/>
+              </p:cNvCxnSpPr>
+              <p:nvPr/>
+            </p:nvCxnSpPr>
+            <p:spPr>
+              <a:xfrm>
+                <a:off x="5654782" y="4284045"/>
+                <a:ext cx="281668" cy="0"/>
+              </a:xfrm>
+              <a:prstGeom prst="line">
+                <a:avLst/>
+              </a:prstGeom>
+              <a:ln w="12700"/>
+            </p:spPr>
+            <p:style>
+              <a:lnRef idx="1">
+                <a:schemeClr val="accent1"/>
+              </a:lnRef>
+              <a:fillRef idx="0">
+                <a:schemeClr val="accent1"/>
+              </a:fillRef>
+              <a:effectRef idx="0">
+                <a:schemeClr val="accent1"/>
+              </a:effectRef>
+              <a:fontRef idx="minor">
+                <a:schemeClr val="tx1"/>
+              </a:fontRef>
+            </p:style>
+          </p:cxnSp>
+        </p:grpSp>
+      </p:grpSp>
+      <p:sp>
+        <p:nvSpPr>
+          <p:cNvPr id="10" name="文本框 9">
+            <a:extLst>
+              <a:ext uri="{FF2B5EF4-FFF2-40B4-BE49-F238E27FC236}">
+                <a16:creationId xmlns:a16="http://schemas.microsoft.com/office/drawing/2014/main" id="{6D73D2BD-7EC8-48CB-808C-5FF9196101A3}"/>
+              </a:ext>
+            </a:extLst>
+          </p:cNvPr>
+          <p:cNvSpPr txBox="1"/>
+          <p:nvPr/>
+        </p:nvSpPr>
+        <p:spPr>
+          <a:xfrm>
+            <a:off x="1476375" y="2502618"/>
+            <a:ext cx="1450975" cy="369332"/>
+          </a:xfrm>
+          <a:prstGeom prst="rect">
+            <a:avLst/>
+          </a:prstGeom>
+          <a:noFill/>
+        </p:spPr>
+        <p:txBody>
+          <a:bodyPr wrap="square" rtlCol="0">
+            <a:spAutoFit/>
+          </a:bodyPr>
+          <a:lstStyle/>
+          <a:p>
+            <a:r>
+              <a:rPr lang="en-US" altLang="zh-CN" dirty="0"/>
+              <a:t>1</a:t>
+            </a:r>
+            <a:r>
+              <a:rPr lang="zh-CN" altLang="en-US" dirty="0"/>
+              <a:t>早晨十字星</a:t>
+            </a:r>
+          </a:p>
+        </p:txBody>
+      </p:sp>
+      <p:sp>
+        <p:nvSpPr>
+          <p:cNvPr id="72" name="文本框 71">
+            <a:extLst>
+              <a:ext uri="{FF2B5EF4-FFF2-40B4-BE49-F238E27FC236}">
+                <a16:creationId xmlns:a16="http://schemas.microsoft.com/office/drawing/2014/main" id="{CB0110CA-7771-4F3D-AE37-BA5E2B716F27}"/>
+              </a:ext>
+            </a:extLst>
+          </p:cNvPr>
+          <p:cNvSpPr txBox="1"/>
+          <p:nvPr/>
+        </p:nvSpPr>
+        <p:spPr>
+          <a:xfrm>
+            <a:off x="3635375" y="2461505"/>
+            <a:ext cx="1450975" cy="369332"/>
+          </a:xfrm>
+          <a:prstGeom prst="rect">
+            <a:avLst/>
+          </a:prstGeom>
+          <a:noFill/>
+        </p:spPr>
+        <p:txBody>
+          <a:bodyPr wrap="square" rtlCol="0">
+            <a:spAutoFit/>
+          </a:bodyPr>
+          <a:lstStyle/>
+          <a:p>
+            <a:r>
+              <a:rPr lang="en-US" altLang="zh-CN" dirty="0"/>
+              <a:t>2</a:t>
+            </a:r>
+            <a:r>
+              <a:rPr lang="zh-CN" altLang="en-US" dirty="0"/>
+              <a:t>早晨之星</a:t>
+            </a:r>
+          </a:p>
+        </p:txBody>
+      </p:sp>
+      <p:grpSp>
+        <p:nvGrpSpPr>
+          <p:cNvPr id="89" name="组合 88">
+            <a:extLst>
+              <a:ext uri="{FF2B5EF4-FFF2-40B4-BE49-F238E27FC236}">
+                <a16:creationId xmlns:a16="http://schemas.microsoft.com/office/drawing/2014/main" id="{FAD56344-CA1A-4C90-B06D-95DCD2318804}"/>
+              </a:ext>
+            </a:extLst>
+          </p:cNvPr>
+          <p:cNvGrpSpPr/>
+          <p:nvPr/>
+        </p:nvGrpSpPr>
+        <p:grpSpPr>
+          <a:xfrm>
+            <a:off x="3397640" y="1237014"/>
+            <a:ext cx="1736726" cy="1224491"/>
+            <a:chOff x="4629150" y="3429000"/>
+            <a:chExt cx="1736726" cy="1224491"/>
+          </a:xfrm>
+        </p:grpSpPr>
+        <p:sp>
+          <p:nvSpPr>
+            <p:cNvPr id="76" name="矩形 75">
+              <a:extLst>
+                <a:ext uri="{FF2B5EF4-FFF2-40B4-BE49-F238E27FC236}">
+                  <a16:creationId xmlns:a16="http://schemas.microsoft.com/office/drawing/2014/main" id="{65DCCAB1-EAC7-43B2-90A8-30BACC7B4766}"/>
+                </a:ext>
+              </a:extLst>
+            </p:cNvPr>
+            <p:cNvSpPr/>
+            <p:nvPr/>
+          </p:nvSpPr>
+          <p:spPr>
+            <a:xfrm>
+              <a:off x="4629150" y="3429000"/>
+              <a:ext cx="1736726" cy="1224491"/>
+            </a:xfrm>
+            <a:prstGeom prst="rect">
+              <a:avLst/>
+            </a:prstGeom>
+            <a:solidFill>
+              <a:schemeClr val="bg1"/>
+            </a:solidFill>
+          </p:spPr>
+          <p:style>
+            <a:lnRef idx="2">
+              <a:schemeClr val="accent1">
+                <a:shade val="50000"/>
+              </a:schemeClr>
+            </a:lnRef>
+            <a:fillRef idx="1">
+              <a:schemeClr val="accent1"/>
+            </a:fillRef>
+            <a:effectRef idx="0">
+              <a:schemeClr val="accent1"/>
+            </a:effectRef>
+            <a:fontRef idx="minor">
+              <a:schemeClr val="lt1"/>
+            </a:fontRef>
+          </p:style>
+          <p:txBody>
+            <a:bodyPr rtlCol="0" anchor="ctr"/>
+            <a:lstStyle/>
+            <a:p>
+              <a:pPr algn="ctr"/>
+              <a:endParaRPr lang="zh-CN" altLang="en-US"/>
+            </a:p>
+          </p:txBody>
+        </p:sp>
+        <p:grpSp>
+          <p:nvGrpSpPr>
+            <p:cNvPr id="77" name="组合 76">
+              <a:extLst>
+                <a:ext uri="{FF2B5EF4-FFF2-40B4-BE49-F238E27FC236}">
+                  <a16:creationId xmlns:a16="http://schemas.microsoft.com/office/drawing/2014/main" id="{DFC83936-67E0-4967-988F-15573C6A39CE}"/>
+                </a:ext>
+              </a:extLst>
+            </p:cNvPr>
+            <p:cNvGrpSpPr/>
+            <p:nvPr/>
+          </p:nvGrpSpPr>
+          <p:grpSpPr>
+            <a:xfrm>
+              <a:off x="5747661" y="3541767"/>
+              <a:ext cx="487614" cy="663194"/>
+              <a:chOff x="1637744" y="3097403"/>
+              <a:chExt cx="487614" cy="663194"/>
+            </a:xfrm>
+          </p:grpSpPr>
+          <p:cxnSp>
+            <p:nvCxnSpPr>
+              <p:cNvPr id="78" name="直接连接符 77">
+                <a:extLst>
+                  <a:ext uri="{FF2B5EF4-FFF2-40B4-BE49-F238E27FC236}">
+                    <a16:creationId xmlns:a16="http://schemas.microsoft.com/office/drawing/2014/main" id="{41C932CA-A59E-4CFC-B371-881D4FE70B6C}"/>
+                  </a:ext>
+                </a:extLst>
+              </p:cNvPr>
+              <p:cNvCxnSpPr>
+                <a:cxnSpLocks/>
+                <a:stCxn id="79" idx="0"/>
+                <a:endCxn id="79" idx="2"/>
+              </p:cNvCxnSpPr>
+              <p:nvPr/>
+            </p:nvCxnSpPr>
+            <p:spPr>
+              <a:xfrm>
+                <a:off x="1881551" y="3097403"/>
+                <a:ext cx="0" cy="663194"/>
               </a:xfrm>
               <a:prstGeom prst="line">
                 <a:avLst/>
@@ -5200,10 +6677,10 @@
           </p:cxnSp>
           <p:sp>
             <p:nvSpPr>
-              <p:cNvPr id="17" name="矩形 16">
+              <p:cNvPr id="79" name="矩形 78">
                 <a:extLst>
                   <a:ext uri="{FF2B5EF4-FFF2-40B4-BE49-F238E27FC236}">
-                    <a16:creationId xmlns:a16="http://schemas.microsoft.com/office/drawing/2014/main" id="{498F7B6A-1002-49CE-817F-849F74A21009}"/>
+                    <a16:creationId xmlns:a16="http://schemas.microsoft.com/office/drawing/2014/main" id="{F25591C9-5E22-4F91-86DB-5EE894CF9E98}"/>
                   </a:ext>
                 </a:extLst>
               </p:cNvPr>
@@ -5212,8 +6689,8 @@
             </p:nvSpPr>
             <p:spPr>
               <a:xfrm>
-                <a:off x="4622049" y="2333994"/>
-                <a:ext cx="509286" cy="1125638"/>
+                <a:off x="1637744" y="3097403"/>
+                <a:ext cx="487614" cy="663194"/>
               </a:xfrm>
               <a:prstGeom prst="rect">
                 <a:avLst/>
@@ -5250,10 +6727,10 @@
         </p:grpSp>
         <p:grpSp>
           <p:nvGrpSpPr>
-            <p:cNvPr id="18" name="组合 17">
+            <p:cNvPr id="80" name="组合 79">
               <a:extLst>
                 <a:ext uri="{FF2B5EF4-FFF2-40B4-BE49-F238E27FC236}">
-                  <a16:creationId xmlns:a16="http://schemas.microsoft.com/office/drawing/2014/main" id="{B4F5EB79-480A-49E8-8EF3-ABF804CC0AE6}"/>
+                  <a16:creationId xmlns:a16="http://schemas.microsoft.com/office/drawing/2014/main" id="{29D6A89A-D212-496C-A7E8-692E0E9536F5}"/>
                 </a:ext>
               </a:extLst>
             </p:cNvPr>
@@ -5262,30 +6739,32 @@
           </p:nvGrpSpPr>
           <p:grpSpPr>
             <a:xfrm>
-              <a:off x="4039342" y="2867879"/>
-              <a:ext cx="509286" cy="1125638"/>
-              <a:chOff x="4622049" y="1953477"/>
-              <a:chExt cx="509286" cy="1886673"/>
+              <a:off x="4752645" y="3541767"/>
+              <a:ext cx="487614" cy="663194"/>
+              <a:chOff x="2714008" y="3097403"/>
+              <a:chExt cx="487614" cy="663194"/>
             </a:xfrm>
           </p:grpSpPr>
           <p:cxnSp>
             <p:nvCxnSpPr>
-              <p:cNvPr id="19" name="直接连接符 18">
+              <p:cNvPr id="81" name="直接连接符 80">
                 <a:extLst>
                   <a:ext uri="{FF2B5EF4-FFF2-40B4-BE49-F238E27FC236}">
-                    <a16:creationId xmlns:a16="http://schemas.microsoft.com/office/drawing/2014/main" id="{D49D5224-9548-4BF4-BF9B-F19DB16C2800}"/>
+                    <a16:creationId xmlns:a16="http://schemas.microsoft.com/office/drawing/2014/main" id="{D450D408-3B4D-488A-BA2D-5AA34EFE887A}"/>
                   </a:ext>
                 </a:extLst>
               </p:cNvPr>
               <p:cNvCxnSpPr>
                 <a:cxnSpLocks/>
+                <a:stCxn id="82" idx="0"/>
+                <a:endCxn id="82" idx="2"/>
               </p:cNvCxnSpPr>
               <p:nvPr/>
             </p:nvCxnSpPr>
             <p:spPr>
               <a:xfrm>
-                <a:off x="4876692" y="1953477"/>
-                <a:ext cx="0" cy="1886673"/>
+                <a:off x="2957815" y="3097403"/>
+                <a:ext cx="0" cy="663194"/>
               </a:xfrm>
               <a:prstGeom prst="line">
                 <a:avLst/>
@@ -5308,10 +6787,10 @@
           </p:cxnSp>
           <p:sp>
             <p:nvSpPr>
-              <p:cNvPr id="20" name="矩形 19">
+              <p:cNvPr id="82" name="矩形 81">
                 <a:extLst>
                   <a:ext uri="{FF2B5EF4-FFF2-40B4-BE49-F238E27FC236}">
-                    <a16:creationId xmlns:a16="http://schemas.microsoft.com/office/drawing/2014/main" id="{145B3A05-A259-4B83-8500-C9B455988601}"/>
+                    <a16:creationId xmlns:a16="http://schemas.microsoft.com/office/drawing/2014/main" id="{3E644448-C49C-4BEE-B6E2-77CB1C3120E8}"/>
                   </a:ext>
                 </a:extLst>
               </p:cNvPr>
@@ -5320,8 +6799,157 @@
             </p:nvSpPr>
             <p:spPr>
               <a:xfrm>
-                <a:off x="4622049" y="2333994"/>
-                <a:ext cx="509286" cy="1125638"/>
+                <a:off x="2714008" y="3097403"/>
+                <a:ext cx="487614" cy="663194"/>
+              </a:xfrm>
+              <a:prstGeom prst="rect">
+                <a:avLst/>
+              </a:prstGeom>
+              <a:solidFill>
+                <a:srgbClr val="00B050"/>
+              </a:solidFill>
+            </p:spPr>
+            <p:style>
+              <a:lnRef idx="2">
+                <a:schemeClr val="accent1">
+                  <a:shade val="50000"/>
+                </a:schemeClr>
+              </a:lnRef>
+              <a:fillRef idx="1">
+                <a:schemeClr val="accent1"/>
+              </a:fillRef>
+              <a:effectRef idx="0">
+                <a:schemeClr val="accent1"/>
+              </a:effectRef>
+              <a:fontRef idx="minor">
+                <a:schemeClr val="lt1"/>
+              </a:fontRef>
+            </p:style>
+            <p:txBody>
+              <a:bodyPr rtlCol="0" anchor="ctr"/>
+              <a:lstStyle/>
+              <a:p>
+                <a:pPr algn="ctr"/>
+                <a:endParaRPr lang="zh-CN" altLang="en-US"/>
+              </a:p>
+            </p:txBody>
+          </p:sp>
+        </p:grpSp>
+        <p:cxnSp>
+          <p:nvCxnSpPr>
+            <p:cNvPr id="84" name="直接连接符 83">
+              <a:extLst>
+                <a:ext uri="{FF2B5EF4-FFF2-40B4-BE49-F238E27FC236}">
+                  <a16:creationId xmlns:a16="http://schemas.microsoft.com/office/drawing/2014/main" id="{2B277201-735A-4E9C-976C-1BE6FC9BB527}"/>
+                </a:ext>
+              </a:extLst>
+            </p:cNvPr>
+            <p:cNvCxnSpPr>
+              <a:cxnSpLocks/>
+            </p:cNvCxnSpPr>
+            <p:nvPr/>
+          </p:nvCxnSpPr>
+          <p:spPr>
+            <a:xfrm>
+              <a:off x="5496316" y="3982670"/>
+              <a:ext cx="0" cy="598517"/>
+            </a:xfrm>
+            <a:prstGeom prst="line">
+              <a:avLst/>
+            </a:prstGeom>
+            <a:ln w="12700"/>
+          </p:spPr>
+          <p:style>
+            <a:lnRef idx="1">
+              <a:schemeClr val="accent1"/>
+            </a:lnRef>
+            <a:fillRef idx="0">
+              <a:schemeClr val="accent1"/>
+            </a:fillRef>
+            <a:effectRef idx="0">
+              <a:schemeClr val="accent1"/>
+            </a:effectRef>
+            <a:fontRef idx="minor">
+              <a:schemeClr val="tx1"/>
+            </a:fontRef>
+          </p:style>
+        </p:cxnSp>
+        <p:grpSp>
+          <p:nvGrpSpPr>
+            <p:cNvPr id="86" name="组合 85">
+              <a:extLst>
+                <a:ext uri="{FF2B5EF4-FFF2-40B4-BE49-F238E27FC236}">
+                  <a16:creationId xmlns:a16="http://schemas.microsoft.com/office/drawing/2014/main" id="{03D46A89-907C-464B-8E20-24EC0BBCF7D2}"/>
+                </a:ext>
+              </a:extLst>
+            </p:cNvPr>
+            <p:cNvGrpSpPr/>
+            <p:nvPr/>
+          </p:nvGrpSpPr>
+          <p:grpSpPr>
+            <a:xfrm>
+              <a:off x="5252509" y="4256998"/>
+              <a:ext cx="487614" cy="49860"/>
+              <a:chOff x="1637744" y="3097403"/>
+              <a:chExt cx="487614" cy="663194"/>
+            </a:xfrm>
+          </p:grpSpPr>
+          <p:cxnSp>
+            <p:nvCxnSpPr>
+              <p:cNvPr id="87" name="直接连接符 86">
+                <a:extLst>
+                  <a:ext uri="{FF2B5EF4-FFF2-40B4-BE49-F238E27FC236}">
+                    <a16:creationId xmlns:a16="http://schemas.microsoft.com/office/drawing/2014/main" id="{BDF2BDED-1F03-4868-B483-835FF548E721}"/>
+                  </a:ext>
+                </a:extLst>
+              </p:cNvPr>
+              <p:cNvCxnSpPr>
+                <a:cxnSpLocks/>
+                <a:stCxn id="88" idx="0"/>
+                <a:endCxn id="88" idx="2"/>
+              </p:cNvCxnSpPr>
+              <p:nvPr/>
+            </p:nvCxnSpPr>
+            <p:spPr>
+              <a:xfrm>
+                <a:off x="1881551" y="3097403"/>
+                <a:ext cx="0" cy="663194"/>
+              </a:xfrm>
+              <a:prstGeom prst="line">
+                <a:avLst/>
+              </a:prstGeom>
+            </p:spPr>
+            <p:style>
+              <a:lnRef idx="1">
+                <a:schemeClr val="accent1"/>
+              </a:lnRef>
+              <a:fillRef idx="0">
+                <a:schemeClr val="accent1"/>
+              </a:fillRef>
+              <a:effectRef idx="0">
+                <a:schemeClr val="accent1"/>
+              </a:effectRef>
+              <a:fontRef idx="minor">
+                <a:schemeClr val="tx1"/>
+              </a:fontRef>
+            </p:style>
+          </p:cxnSp>
+          <p:sp>
+            <p:nvSpPr>
+              <p:cNvPr id="88" name="矩形 87">
+                <a:extLst>
+                  <a:ext uri="{FF2B5EF4-FFF2-40B4-BE49-F238E27FC236}">
+                    <a16:creationId xmlns:a16="http://schemas.microsoft.com/office/drawing/2014/main" id="{BC467CD4-AAA2-4D90-83DF-47CB13A7FE88}"/>
+                  </a:ext>
+                </a:extLst>
+              </p:cNvPr>
+              <p:cNvSpPr/>
+              <p:nvPr/>
+            </p:nvSpPr>
+            <p:spPr>
+              <a:xfrm>
+                <a:off x="1637744" y="3097403"/>
+                <a:ext cx="487614" cy="663194"/>
               </a:xfrm>
               <a:prstGeom prst="rect">
                 <a:avLst/>
@@ -5359,10 +6987,10 @@
       </p:grpSp>
       <p:grpSp>
         <p:nvGrpSpPr>
-          <p:cNvPr id="34" name="组合 33">
+          <p:cNvPr id="91" name="组合 90">
             <a:extLst>
               <a:ext uri="{FF2B5EF4-FFF2-40B4-BE49-F238E27FC236}">
-                <a16:creationId xmlns:a16="http://schemas.microsoft.com/office/drawing/2014/main" id="{A497D8CA-8FF1-4967-A249-795B5B14044D}"/>
+                <a16:creationId xmlns:a16="http://schemas.microsoft.com/office/drawing/2014/main" id="{110741C9-45E1-4CFE-B189-4CACEE417DC5}"/>
               </a:ext>
             </a:extLst>
           </p:cNvPr>
@@ -5371,18 +6999,67 @@
         </p:nvGrpSpPr>
         <p:grpSpPr>
           <a:xfrm>
-            <a:off x="6835722" y="1492165"/>
-            <a:ext cx="487614" cy="3259657"/>
-            <a:chOff x="7134088" y="938423"/>
-            <a:chExt cx="509286" cy="5532608"/>
+            <a:off x="5533392" y="938005"/>
+            <a:ext cx="1450975" cy="1523500"/>
+            <a:chOff x="4629150" y="3429000"/>
+            <a:chExt cx="1450975" cy="1523500"/>
           </a:xfrm>
         </p:grpSpPr>
+        <p:sp>
+          <p:nvSpPr>
+            <p:cNvPr id="92" name="矩形 91">
+              <a:extLst>
+                <a:ext uri="{FF2B5EF4-FFF2-40B4-BE49-F238E27FC236}">
+                  <a16:creationId xmlns:a16="http://schemas.microsoft.com/office/drawing/2014/main" id="{664266E9-5C81-45BD-8933-88093EC648E4}"/>
+                </a:ext>
+              </a:extLst>
+            </p:cNvPr>
+            <p:cNvSpPr/>
+            <p:nvPr/>
+          </p:nvSpPr>
+          <p:spPr>
+            <a:xfrm>
+              <a:off x="4629150" y="3429000"/>
+              <a:ext cx="1450975" cy="1523500"/>
+            </a:xfrm>
+            <a:prstGeom prst="rect">
+              <a:avLst/>
+            </a:prstGeom>
+            <a:solidFill>
+              <a:schemeClr val="bg1"/>
+            </a:solidFill>
+          </p:spPr>
+          <p:style>
+            <a:lnRef idx="2">
+              <a:schemeClr val="accent1">
+                <a:shade val="50000"/>
+              </a:schemeClr>
+            </a:lnRef>
+            <a:fillRef idx="1">
+              <a:schemeClr val="accent1"/>
+            </a:fillRef>
+            <a:effectRef idx="0">
+              <a:schemeClr val="accent1"/>
+            </a:effectRef>
+            <a:fontRef idx="minor">
+              <a:schemeClr val="lt1"/>
+            </a:fontRef>
+          </p:style>
+          <p:txBody>
+            <a:bodyPr rtlCol="0" anchor="ctr"/>
+            <a:lstStyle/>
+            <a:p>
+              <a:pPr algn="ctr"/>
+              <a:endParaRPr lang="zh-CN" altLang="en-US"/>
+            </a:p>
+          </p:txBody>
+        </p:sp>
         <p:grpSp>
           <p:nvGrpSpPr>
-            <p:cNvPr id="21" name="组合 20">
+            <p:cNvPr id="93" name="组合 92">
               <a:extLst>
                 <a:ext uri="{FF2B5EF4-FFF2-40B4-BE49-F238E27FC236}">
-                  <a16:creationId xmlns:a16="http://schemas.microsoft.com/office/drawing/2014/main" id="{12D74826-8024-4E68-9040-F03F5E07E30A}"/>
+                  <a16:creationId xmlns:a16="http://schemas.microsoft.com/office/drawing/2014/main" id="{AA95F1BB-B5CA-4925-8A20-3CC7E6880A0E}"/>
                 </a:ext>
               </a:extLst>
             </p:cNvPr>
@@ -5391,30 +7068,32 @@
           </p:nvGrpSpPr>
           <p:grpSpPr>
             <a:xfrm>
-              <a:off x="7134088" y="4584358"/>
-              <a:ext cx="509286" cy="1886673"/>
-              <a:chOff x="4622049" y="1953477"/>
-              <a:chExt cx="509286" cy="1886673"/>
+              <a:off x="5421269" y="4204961"/>
+              <a:ext cx="487614" cy="663194"/>
+              <a:chOff x="1311352" y="3760597"/>
+              <a:chExt cx="487614" cy="663194"/>
             </a:xfrm>
           </p:grpSpPr>
           <p:cxnSp>
             <p:nvCxnSpPr>
-              <p:cNvPr id="22" name="直接连接符 21">
+              <p:cNvPr id="101" name="直接连接符 100">
                 <a:extLst>
                   <a:ext uri="{FF2B5EF4-FFF2-40B4-BE49-F238E27FC236}">
-                    <a16:creationId xmlns:a16="http://schemas.microsoft.com/office/drawing/2014/main" id="{C10F203F-03C9-435A-BF06-CC69882640E7}"/>
+                    <a16:creationId xmlns:a16="http://schemas.microsoft.com/office/drawing/2014/main" id="{2020E7DA-51A7-4BD0-AB2C-5D5702F6059F}"/>
                   </a:ext>
                 </a:extLst>
               </p:cNvPr>
               <p:cNvCxnSpPr>
                 <a:cxnSpLocks/>
+                <a:stCxn id="102" idx="0"/>
+                <a:endCxn id="102" idx="2"/>
               </p:cNvCxnSpPr>
               <p:nvPr/>
             </p:nvCxnSpPr>
             <p:spPr>
               <a:xfrm>
-                <a:off x="4876692" y="1953477"/>
-                <a:ext cx="0" cy="1886673"/>
+                <a:off x="1555159" y="3760597"/>
+                <a:ext cx="0" cy="663194"/>
               </a:xfrm>
               <a:prstGeom prst="line">
                 <a:avLst/>
@@ -5437,10 +7116,10 @@
           </p:cxnSp>
           <p:sp>
             <p:nvSpPr>
-              <p:cNvPr id="23" name="矩形 22">
+              <p:cNvPr id="102" name="矩形 101">
                 <a:extLst>
                   <a:ext uri="{FF2B5EF4-FFF2-40B4-BE49-F238E27FC236}">
-                    <a16:creationId xmlns:a16="http://schemas.microsoft.com/office/drawing/2014/main" id="{57D54968-2972-4256-8D37-D345F7FFB85C}"/>
+                    <a16:creationId xmlns:a16="http://schemas.microsoft.com/office/drawing/2014/main" id="{2DBD166E-EB9E-4C49-B94E-8341DA69D4A3}"/>
                   </a:ext>
                 </a:extLst>
               </p:cNvPr>
@@ -5449,14 +7128,14 @@
             </p:nvSpPr>
             <p:spPr>
               <a:xfrm>
-                <a:off x="4622049" y="2333994"/>
-                <a:ext cx="509286" cy="1125638"/>
+                <a:off x="1311352" y="3760597"/>
+                <a:ext cx="487614" cy="663194"/>
               </a:xfrm>
               <a:prstGeom prst="rect">
                 <a:avLst/>
               </a:prstGeom>
               <a:solidFill>
-                <a:srgbClr val="00B050"/>
+                <a:srgbClr val="FF0000"/>
               </a:solidFill>
             </p:spPr>
             <p:style>
@@ -5487,10 +7166,10 @@
         </p:grpSp>
         <p:grpSp>
           <p:nvGrpSpPr>
-            <p:cNvPr id="24" name="组合 23">
+            <p:cNvPr id="94" name="组合 93">
               <a:extLst>
                 <a:ext uri="{FF2B5EF4-FFF2-40B4-BE49-F238E27FC236}">
-                  <a16:creationId xmlns:a16="http://schemas.microsoft.com/office/drawing/2014/main" id="{0081BE41-6E8F-4B19-BD28-8E14D11ACAFB}"/>
+                  <a16:creationId xmlns:a16="http://schemas.microsoft.com/office/drawing/2014/main" id="{8F9198E9-600B-4084-BF35-CE228AAC62E4}"/>
                 </a:ext>
               </a:extLst>
             </p:cNvPr>
@@ -5499,30 +7178,32 @@
           </p:nvGrpSpPr>
           <p:grpSpPr>
             <a:xfrm>
-              <a:off x="7134088" y="938423"/>
-              <a:ext cx="509286" cy="155272"/>
-              <a:chOff x="4622049" y="1953477"/>
-              <a:chExt cx="509286" cy="1886673"/>
+              <a:off x="4752645" y="3541767"/>
+              <a:ext cx="487614" cy="663194"/>
+              <a:chOff x="2714008" y="3097403"/>
+              <a:chExt cx="487614" cy="663194"/>
             </a:xfrm>
           </p:grpSpPr>
           <p:cxnSp>
             <p:nvCxnSpPr>
-              <p:cNvPr id="25" name="直接连接符 24">
+              <p:cNvPr id="99" name="直接连接符 98">
                 <a:extLst>
                   <a:ext uri="{FF2B5EF4-FFF2-40B4-BE49-F238E27FC236}">
-                    <a16:creationId xmlns:a16="http://schemas.microsoft.com/office/drawing/2014/main" id="{0AA46BEE-6734-4EDD-8772-ECE310CA5FE8}"/>
+                    <a16:creationId xmlns:a16="http://schemas.microsoft.com/office/drawing/2014/main" id="{79780460-660F-428D-B812-84A209DC0520}"/>
                   </a:ext>
                 </a:extLst>
               </p:cNvPr>
               <p:cNvCxnSpPr>
                 <a:cxnSpLocks/>
+                <a:stCxn id="100" idx="0"/>
+                <a:endCxn id="100" idx="2"/>
               </p:cNvCxnSpPr>
               <p:nvPr/>
             </p:nvCxnSpPr>
             <p:spPr>
               <a:xfrm>
-                <a:off x="4876692" y="1953477"/>
-                <a:ext cx="0" cy="1886673"/>
+                <a:off x="2957815" y="3097403"/>
+                <a:ext cx="0" cy="663194"/>
               </a:xfrm>
               <a:prstGeom prst="line">
                 <a:avLst/>
@@ -5545,10 +7226,10 @@
           </p:cxnSp>
           <p:sp>
             <p:nvSpPr>
-              <p:cNvPr id="26" name="矩形 25">
+              <p:cNvPr id="100" name="矩形 99">
                 <a:extLst>
                   <a:ext uri="{FF2B5EF4-FFF2-40B4-BE49-F238E27FC236}">
-                    <a16:creationId xmlns:a16="http://schemas.microsoft.com/office/drawing/2014/main" id="{3B4ECB7E-790E-450A-8475-6EEB527DB940}"/>
+                    <a16:creationId xmlns:a16="http://schemas.microsoft.com/office/drawing/2014/main" id="{A636BD06-6167-418F-8700-6EE4E0D22146}"/>
                   </a:ext>
                 </a:extLst>
               </p:cNvPr>
@@ -5557,224 +7238,8 @@
             </p:nvSpPr>
             <p:spPr>
               <a:xfrm>
-                <a:off x="4622049" y="2333994"/>
-                <a:ext cx="509286" cy="1125638"/>
-              </a:xfrm>
-              <a:prstGeom prst="rect">
-                <a:avLst/>
-              </a:prstGeom>
-              <a:solidFill>
-                <a:srgbClr val="00B050"/>
-              </a:solidFill>
-            </p:spPr>
-            <p:style>
-              <a:lnRef idx="2">
-                <a:schemeClr val="accent1">
-                  <a:shade val="50000"/>
-                </a:schemeClr>
-              </a:lnRef>
-              <a:fillRef idx="1">
-                <a:schemeClr val="accent1"/>
-              </a:fillRef>
-              <a:effectRef idx="0">
-                <a:schemeClr val="accent1"/>
-              </a:effectRef>
-              <a:fontRef idx="minor">
-                <a:schemeClr val="lt1"/>
-              </a:fontRef>
-            </p:style>
-            <p:txBody>
-              <a:bodyPr rtlCol="0" anchor="ctr"/>
-              <a:lstStyle/>
-              <a:p>
-                <a:pPr algn="ctr"/>
-                <a:endParaRPr lang="zh-CN" altLang="en-US"/>
-              </a:p>
-            </p:txBody>
-          </p:sp>
-        </p:grpSp>
-        <p:grpSp>
-          <p:nvGrpSpPr>
-            <p:cNvPr id="27" name="组合 26">
-              <a:extLst>
-                <a:ext uri="{FF2B5EF4-FFF2-40B4-BE49-F238E27FC236}">
-                  <a16:creationId xmlns:a16="http://schemas.microsoft.com/office/drawing/2014/main" id="{B5535469-2748-4365-AF67-61B5C3270FB9}"/>
-                </a:ext>
-              </a:extLst>
-            </p:cNvPr>
-            <p:cNvGrpSpPr/>
-            <p:nvPr/>
-          </p:nvGrpSpPr>
-          <p:grpSpPr>
-            <a:xfrm>
-              <a:off x="7134088" y="1684537"/>
-              <a:ext cx="509286" cy="592500"/>
-              <a:chOff x="4622049" y="1953477"/>
-              <a:chExt cx="509286" cy="1886673"/>
-            </a:xfrm>
-          </p:grpSpPr>
-          <p:cxnSp>
-            <p:nvCxnSpPr>
-              <p:cNvPr id="28" name="直接连接符 27">
-                <a:extLst>
-                  <a:ext uri="{FF2B5EF4-FFF2-40B4-BE49-F238E27FC236}">
-                    <a16:creationId xmlns:a16="http://schemas.microsoft.com/office/drawing/2014/main" id="{CC4AD273-1735-4C48-B53F-DA79D2F82AD9}"/>
-                  </a:ext>
-                </a:extLst>
-              </p:cNvPr>
-              <p:cNvCxnSpPr>
-                <a:cxnSpLocks/>
-              </p:cNvCxnSpPr>
-              <p:nvPr/>
-            </p:nvCxnSpPr>
-            <p:spPr>
-              <a:xfrm>
-                <a:off x="4876692" y="1953477"/>
-                <a:ext cx="0" cy="1886673"/>
-              </a:xfrm>
-              <a:prstGeom prst="line">
-                <a:avLst/>
-              </a:prstGeom>
-            </p:spPr>
-            <p:style>
-              <a:lnRef idx="1">
-                <a:schemeClr val="accent1"/>
-              </a:lnRef>
-              <a:fillRef idx="0">
-                <a:schemeClr val="accent1"/>
-              </a:fillRef>
-              <a:effectRef idx="0">
-                <a:schemeClr val="accent1"/>
-              </a:effectRef>
-              <a:fontRef idx="minor">
-                <a:schemeClr val="tx1"/>
-              </a:fontRef>
-            </p:style>
-          </p:cxnSp>
-          <p:sp>
-            <p:nvSpPr>
-              <p:cNvPr id="29" name="矩形 28">
-                <a:extLst>
-                  <a:ext uri="{FF2B5EF4-FFF2-40B4-BE49-F238E27FC236}">
-                    <a16:creationId xmlns:a16="http://schemas.microsoft.com/office/drawing/2014/main" id="{6C45E5FA-7BD7-4EC7-A7BA-F89EF6FC4F04}"/>
-                  </a:ext>
-                </a:extLst>
-              </p:cNvPr>
-              <p:cNvSpPr/>
-              <p:nvPr/>
-            </p:nvSpPr>
-            <p:spPr>
-              <a:xfrm>
-                <a:off x="4622049" y="2333994"/>
-                <a:ext cx="509286" cy="1125638"/>
-              </a:xfrm>
-              <a:prstGeom prst="rect">
-                <a:avLst/>
-              </a:prstGeom>
-              <a:solidFill>
-                <a:srgbClr val="00B050"/>
-              </a:solidFill>
-            </p:spPr>
-            <p:style>
-              <a:lnRef idx="2">
-                <a:schemeClr val="accent1">
-                  <a:shade val="50000"/>
-                </a:schemeClr>
-              </a:lnRef>
-              <a:fillRef idx="1">
-                <a:schemeClr val="accent1"/>
-              </a:fillRef>
-              <a:effectRef idx="0">
-                <a:schemeClr val="accent1"/>
-              </a:effectRef>
-              <a:fontRef idx="minor">
-                <a:schemeClr val="lt1"/>
-              </a:fontRef>
-            </p:style>
-            <p:txBody>
-              <a:bodyPr rtlCol="0" anchor="ctr"/>
-              <a:lstStyle/>
-              <a:p>
-                <a:pPr algn="ctr"/>
-                <a:endParaRPr lang="zh-CN" altLang="en-US"/>
-              </a:p>
-            </p:txBody>
-          </p:sp>
-        </p:grpSp>
-        <p:grpSp>
-          <p:nvGrpSpPr>
-            <p:cNvPr id="30" name="组合 29">
-              <a:extLst>
-                <a:ext uri="{FF2B5EF4-FFF2-40B4-BE49-F238E27FC236}">
-                  <a16:creationId xmlns:a16="http://schemas.microsoft.com/office/drawing/2014/main" id="{6C17A922-428B-453C-9223-A25B45156FFD}"/>
-                </a:ext>
-              </a:extLst>
-            </p:cNvPr>
-            <p:cNvGrpSpPr/>
-            <p:nvPr/>
-          </p:nvGrpSpPr>
-          <p:grpSpPr>
-            <a:xfrm>
-              <a:off x="7134088" y="2867879"/>
-              <a:ext cx="509286" cy="1125638"/>
-              <a:chOff x="4622049" y="1953477"/>
-              <a:chExt cx="509286" cy="1886673"/>
-            </a:xfrm>
-          </p:grpSpPr>
-          <p:cxnSp>
-            <p:nvCxnSpPr>
-              <p:cNvPr id="31" name="直接连接符 30">
-                <a:extLst>
-                  <a:ext uri="{FF2B5EF4-FFF2-40B4-BE49-F238E27FC236}">
-                    <a16:creationId xmlns:a16="http://schemas.microsoft.com/office/drawing/2014/main" id="{0FE4B685-B195-4AA7-89C3-C3D0D05B4385}"/>
-                  </a:ext>
-                </a:extLst>
-              </p:cNvPr>
-              <p:cNvCxnSpPr>
-                <a:cxnSpLocks/>
-              </p:cNvCxnSpPr>
-              <p:nvPr/>
-            </p:nvCxnSpPr>
-            <p:spPr>
-              <a:xfrm>
-                <a:off x="4876692" y="1953477"/>
-                <a:ext cx="0" cy="1886673"/>
-              </a:xfrm>
-              <a:prstGeom prst="line">
-                <a:avLst/>
-              </a:prstGeom>
-            </p:spPr>
-            <p:style>
-              <a:lnRef idx="1">
-                <a:schemeClr val="accent1"/>
-              </a:lnRef>
-              <a:fillRef idx="0">
-                <a:schemeClr val="accent1"/>
-              </a:fillRef>
-              <a:effectRef idx="0">
-                <a:schemeClr val="accent1"/>
-              </a:effectRef>
-              <a:fontRef idx="minor">
-                <a:schemeClr val="tx1"/>
-              </a:fontRef>
-            </p:style>
-          </p:cxnSp>
-          <p:sp>
-            <p:nvSpPr>
-              <p:cNvPr id="32" name="矩形 31">
-                <a:extLst>
-                  <a:ext uri="{FF2B5EF4-FFF2-40B4-BE49-F238E27FC236}">
-                    <a16:creationId xmlns:a16="http://schemas.microsoft.com/office/drawing/2014/main" id="{ACFAA437-D25D-4FF7-AF16-CB806EFC1652}"/>
-                  </a:ext>
-                </a:extLst>
-              </p:cNvPr>
-              <p:cNvSpPr/>
-              <p:nvPr/>
-            </p:nvSpPr>
-            <p:spPr>
-              <a:xfrm>
-                <a:off x="4622049" y="2333994"/>
-                <a:ext cx="509286" cy="1125638"/>
+                <a:off x="2714008" y="3097403"/>
+                <a:ext cx="487614" cy="663194"/>
               </a:xfrm>
               <a:prstGeom prst="rect">
                 <a:avLst/>
@@ -5812,10 +7277,10 @@
       </p:grpSp>
       <p:sp>
         <p:nvSpPr>
-          <p:cNvPr id="38" name="文本框 37">
+          <p:cNvPr id="105" name="文本框 104">
             <a:extLst>
               <a:ext uri="{FF2B5EF4-FFF2-40B4-BE49-F238E27FC236}">
-                <a16:creationId xmlns:a16="http://schemas.microsoft.com/office/drawing/2014/main" id="{D79FB5E1-DEF3-44E4-992E-77FFB21660C9}"/>
+                <a16:creationId xmlns:a16="http://schemas.microsoft.com/office/drawing/2014/main" id="{C12350BE-1143-49E9-851A-18DE0F29A41F}"/>
               </a:ext>
             </a:extLst>
           </p:cNvPr>
@@ -5824,8 +7289,8 @@
         </p:nvSpPr>
         <p:spPr>
           <a:xfrm>
-            <a:off x="3599850" y="2824961"/>
-            <a:ext cx="815489" cy="338554"/>
+            <a:off x="5556250" y="2502618"/>
+            <a:ext cx="1450975" cy="369332"/>
           </a:xfrm>
           <a:prstGeom prst="rect">
             <a:avLst/>
@@ -5839,18 +7304,312 @@
           <a:lstStyle/>
           <a:p>
             <a:r>
-              <a:rPr lang="zh-CN" altLang="en-US" sz="1600" dirty="0"/>
-              <a:t>中阳线</a:t>
+              <a:rPr lang="en-US" altLang="zh-CN" dirty="0"/>
+              <a:t>3</a:t>
+            </a:r>
+            <a:r>
+              <a:rPr lang="zh-CN" altLang="en-US" dirty="0"/>
+              <a:t>好友反攻</a:t>
             </a:r>
           </a:p>
         </p:txBody>
       </p:sp>
+      <p:grpSp>
+        <p:nvGrpSpPr>
+          <p:cNvPr id="107" name="组合 106">
+            <a:extLst>
+              <a:ext uri="{FF2B5EF4-FFF2-40B4-BE49-F238E27FC236}">
+                <a16:creationId xmlns:a16="http://schemas.microsoft.com/office/drawing/2014/main" id="{902589E9-6A1B-4769-BADD-27FCB74D0B68}"/>
+              </a:ext>
+            </a:extLst>
+          </p:cNvPr>
+          <p:cNvGrpSpPr/>
+          <p:nvPr/>
+        </p:nvGrpSpPr>
+        <p:grpSpPr>
+          <a:xfrm>
+            <a:off x="7482806" y="919628"/>
+            <a:ext cx="1450975" cy="1523500"/>
+            <a:chOff x="4629150" y="3429000"/>
+            <a:chExt cx="1450975" cy="1523500"/>
+          </a:xfrm>
+        </p:grpSpPr>
+        <p:sp>
+          <p:nvSpPr>
+            <p:cNvPr id="108" name="矩形 107">
+              <a:extLst>
+                <a:ext uri="{FF2B5EF4-FFF2-40B4-BE49-F238E27FC236}">
+                  <a16:creationId xmlns:a16="http://schemas.microsoft.com/office/drawing/2014/main" id="{7C9BECFE-D6D2-4256-89DC-D8C7103415C9}"/>
+                </a:ext>
+              </a:extLst>
+            </p:cNvPr>
+            <p:cNvSpPr/>
+            <p:nvPr/>
+          </p:nvSpPr>
+          <p:spPr>
+            <a:xfrm>
+              <a:off x="4629150" y="3429000"/>
+              <a:ext cx="1450975" cy="1523500"/>
+            </a:xfrm>
+            <a:prstGeom prst="rect">
+              <a:avLst/>
+            </a:prstGeom>
+            <a:solidFill>
+              <a:schemeClr val="bg1"/>
+            </a:solidFill>
+          </p:spPr>
+          <p:style>
+            <a:lnRef idx="2">
+              <a:schemeClr val="accent1">
+                <a:shade val="50000"/>
+              </a:schemeClr>
+            </a:lnRef>
+            <a:fillRef idx="1">
+              <a:schemeClr val="accent1"/>
+            </a:fillRef>
+            <a:effectRef idx="0">
+              <a:schemeClr val="accent1"/>
+            </a:effectRef>
+            <a:fontRef idx="minor">
+              <a:schemeClr val="lt1"/>
+            </a:fontRef>
+          </p:style>
+          <p:txBody>
+            <a:bodyPr rtlCol="0" anchor="ctr"/>
+            <a:lstStyle/>
+            <a:p>
+              <a:pPr algn="ctr"/>
+              <a:endParaRPr lang="zh-CN" altLang="en-US"/>
+            </a:p>
+          </p:txBody>
+        </p:sp>
+        <p:grpSp>
+          <p:nvGrpSpPr>
+            <p:cNvPr id="109" name="组合 108">
+              <a:extLst>
+                <a:ext uri="{FF2B5EF4-FFF2-40B4-BE49-F238E27FC236}">
+                  <a16:creationId xmlns:a16="http://schemas.microsoft.com/office/drawing/2014/main" id="{FDBC8683-7856-42C9-AFA0-B624F0718F3B}"/>
+                </a:ext>
+              </a:extLst>
+            </p:cNvPr>
+            <p:cNvGrpSpPr/>
+            <p:nvPr/>
+          </p:nvGrpSpPr>
+          <p:grpSpPr>
+            <a:xfrm>
+              <a:off x="5421269" y="3859153"/>
+              <a:ext cx="487614" cy="1009002"/>
+              <a:chOff x="1311352" y="3414789"/>
+              <a:chExt cx="487614" cy="1009002"/>
+            </a:xfrm>
+          </p:grpSpPr>
+          <p:cxnSp>
+            <p:nvCxnSpPr>
+              <p:cNvPr id="113" name="直接连接符 112">
+                <a:extLst>
+                  <a:ext uri="{FF2B5EF4-FFF2-40B4-BE49-F238E27FC236}">
+                    <a16:creationId xmlns:a16="http://schemas.microsoft.com/office/drawing/2014/main" id="{6BA8D107-E073-452B-9739-11D77A7A1545}"/>
+                  </a:ext>
+                </a:extLst>
+              </p:cNvPr>
+              <p:cNvCxnSpPr>
+                <a:cxnSpLocks/>
+                <a:stCxn id="114" idx="0"/>
+                <a:endCxn id="114" idx="2"/>
+              </p:cNvCxnSpPr>
+              <p:nvPr/>
+            </p:nvCxnSpPr>
+            <p:spPr>
+              <a:xfrm>
+                <a:off x="1555159" y="3414789"/>
+                <a:ext cx="0" cy="1009002"/>
+              </a:xfrm>
+              <a:prstGeom prst="line">
+                <a:avLst/>
+              </a:prstGeom>
+            </p:spPr>
+            <p:style>
+              <a:lnRef idx="1">
+                <a:schemeClr val="accent1"/>
+              </a:lnRef>
+              <a:fillRef idx="0">
+                <a:schemeClr val="accent1"/>
+              </a:fillRef>
+              <a:effectRef idx="0">
+                <a:schemeClr val="accent1"/>
+              </a:effectRef>
+              <a:fontRef idx="minor">
+                <a:schemeClr val="tx1"/>
+              </a:fontRef>
+            </p:style>
+          </p:cxnSp>
+          <p:sp>
+            <p:nvSpPr>
+              <p:cNvPr id="114" name="矩形 113">
+                <a:extLst>
+                  <a:ext uri="{FF2B5EF4-FFF2-40B4-BE49-F238E27FC236}">
+                    <a16:creationId xmlns:a16="http://schemas.microsoft.com/office/drawing/2014/main" id="{D20D2A79-62E3-4047-9B22-FA89386C8ED1}"/>
+                  </a:ext>
+                </a:extLst>
+              </p:cNvPr>
+              <p:cNvSpPr/>
+              <p:nvPr/>
+            </p:nvSpPr>
+            <p:spPr>
+              <a:xfrm>
+                <a:off x="1311352" y="3414789"/>
+                <a:ext cx="487614" cy="1009002"/>
+              </a:xfrm>
+              <a:prstGeom prst="rect">
+                <a:avLst/>
+              </a:prstGeom>
+              <a:solidFill>
+                <a:srgbClr val="FF0000"/>
+              </a:solidFill>
+            </p:spPr>
+            <p:style>
+              <a:lnRef idx="2">
+                <a:schemeClr val="accent1">
+                  <a:shade val="50000"/>
+                </a:schemeClr>
+              </a:lnRef>
+              <a:fillRef idx="1">
+                <a:schemeClr val="accent1"/>
+              </a:fillRef>
+              <a:effectRef idx="0">
+                <a:schemeClr val="accent1"/>
+              </a:effectRef>
+              <a:fontRef idx="minor">
+                <a:schemeClr val="lt1"/>
+              </a:fontRef>
+            </p:style>
+            <p:txBody>
+              <a:bodyPr rtlCol="0" anchor="ctr"/>
+              <a:lstStyle/>
+              <a:p>
+                <a:pPr algn="ctr"/>
+                <a:endParaRPr lang="zh-CN" altLang="en-US"/>
+              </a:p>
+            </p:txBody>
+          </p:sp>
+        </p:grpSp>
+        <p:grpSp>
+          <p:nvGrpSpPr>
+            <p:cNvPr id="110" name="组合 109">
+              <a:extLst>
+                <a:ext uri="{FF2B5EF4-FFF2-40B4-BE49-F238E27FC236}">
+                  <a16:creationId xmlns:a16="http://schemas.microsoft.com/office/drawing/2014/main" id="{1CC76FB1-0492-4981-BD86-FF81F8F65F6A}"/>
+                </a:ext>
+              </a:extLst>
+            </p:cNvPr>
+            <p:cNvGrpSpPr/>
+            <p:nvPr/>
+          </p:nvGrpSpPr>
+          <p:grpSpPr>
+            <a:xfrm>
+              <a:off x="4752645" y="3541767"/>
+              <a:ext cx="487614" cy="888480"/>
+              <a:chOff x="2714008" y="3097403"/>
+              <a:chExt cx="487614" cy="888480"/>
+            </a:xfrm>
+          </p:grpSpPr>
+          <p:cxnSp>
+            <p:nvCxnSpPr>
+              <p:cNvPr id="111" name="直接连接符 110">
+                <a:extLst>
+                  <a:ext uri="{FF2B5EF4-FFF2-40B4-BE49-F238E27FC236}">
+                    <a16:creationId xmlns:a16="http://schemas.microsoft.com/office/drawing/2014/main" id="{1F6B82EF-F891-4364-8752-8EE445CC51AC}"/>
+                  </a:ext>
+                </a:extLst>
+              </p:cNvPr>
+              <p:cNvCxnSpPr>
+                <a:cxnSpLocks/>
+                <a:stCxn id="112" idx="0"/>
+                <a:endCxn id="112" idx="2"/>
+              </p:cNvCxnSpPr>
+              <p:nvPr/>
+            </p:nvCxnSpPr>
+            <p:spPr>
+              <a:xfrm>
+                <a:off x="2957815" y="3097403"/>
+                <a:ext cx="0" cy="888480"/>
+              </a:xfrm>
+              <a:prstGeom prst="line">
+                <a:avLst/>
+              </a:prstGeom>
+            </p:spPr>
+            <p:style>
+              <a:lnRef idx="1">
+                <a:schemeClr val="accent1"/>
+              </a:lnRef>
+              <a:fillRef idx="0">
+                <a:schemeClr val="accent1"/>
+              </a:fillRef>
+              <a:effectRef idx="0">
+                <a:schemeClr val="accent1"/>
+              </a:effectRef>
+              <a:fontRef idx="minor">
+                <a:schemeClr val="tx1"/>
+              </a:fontRef>
+            </p:style>
+          </p:cxnSp>
+          <p:sp>
+            <p:nvSpPr>
+              <p:cNvPr id="112" name="矩形 111">
+                <a:extLst>
+                  <a:ext uri="{FF2B5EF4-FFF2-40B4-BE49-F238E27FC236}">
+                    <a16:creationId xmlns:a16="http://schemas.microsoft.com/office/drawing/2014/main" id="{37DCBB5C-E6C0-4C7A-A6C0-4E60B753BC5D}"/>
+                  </a:ext>
+                </a:extLst>
+              </p:cNvPr>
+              <p:cNvSpPr/>
+              <p:nvPr/>
+            </p:nvSpPr>
+            <p:spPr>
+              <a:xfrm>
+                <a:off x="2714008" y="3097403"/>
+                <a:ext cx="487614" cy="888480"/>
+              </a:xfrm>
+              <a:prstGeom prst="rect">
+                <a:avLst/>
+              </a:prstGeom>
+              <a:solidFill>
+                <a:srgbClr val="00B050"/>
+              </a:solidFill>
+            </p:spPr>
+            <p:style>
+              <a:lnRef idx="2">
+                <a:schemeClr val="accent1">
+                  <a:shade val="50000"/>
+                </a:schemeClr>
+              </a:lnRef>
+              <a:fillRef idx="1">
+                <a:schemeClr val="accent1"/>
+              </a:fillRef>
+              <a:effectRef idx="0">
+                <a:schemeClr val="accent1"/>
+              </a:effectRef>
+              <a:fontRef idx="minor">
+                <a:schemeClr val="lt1"/>
+              </a:fontRef>
+            </p:style>
+            <p:txBody>
+              <a:bodyPr rtlCol="0" anchor="ctr"/>
+              <a:lstStyle/>
+              <a:p>
+                <a:pPr algn="ctr"/>
+                <a:endParaRPr lang="zh-CN" altLang="en-US"/>
+              </a:p>
+            </p:txBody>
+          </p:sp>
+        </p:grpSp>
+      </p:grpSp>
       <p:sp>
         <p:nvSpPr>
-          <p:cNvPr id="39" name="文本框 38">
+          <p:cNvPr id="117" name="文本框 116">
             <a:extLst>
               <a:ext uri="{FF2B5EF4-FFF2-40B4-BE49-F238E27FC236}">
-                <a16:creationId xmlns:a16="http://schemas.microsoft.com/office/drawing/2014/main" id="{EDD55733-BFAB-4F4D-8E57-E4376BDD146D}"/>
+                <a16:creationId xmlns:a16="http://schemas.microsoft.com/office/drawing/2014/main" id="{2D33401A-F047-4461-9C74-F7ACAC7E6DBA}"/>
               </a:ext>
             </a:extLst>
           </p:cNvPr>
@@ -5859,8 +7618,8 @@
         </p:nvSpPr>
         <p:spPr>
           <a:xfrm>
-            <a:off x="3599850" y="1408050"/>
-            <a:ext cx="815489" cy="338554"/>
+            <a:off x="7482806" y="2555895"/>
+            <a:ext cx="1450975" cy="369332"/>
           </a:xfrm>
           <a:prstGeom prst="rect">
             <a:avLst/>
@@ -5874,18 +7633,312 @@
           <a:lstStyle/>
           <a:p>
             <a:r>
-              <a:rPr lang="zh-CN" altLang="en-US" sz="1600" dirty="0"/>
-              <a:t>十字星</a:t>
+              <a:rPr lang="en-US" altLang="zh-CN" dirty="0"/>
+              <a:t>4</a:t>
+            </a:r>
+            <a:r>
+              <a:rPr lang="zh-CN" altLang="en-US" dirty="0"/>
+              <a:t>曙光初现</a:t>
             </a:r>
           </a:p>
         </p:txBody>
       </p:sp>
+      <p:grpSp>
+        <p:nvGrpSpPr>
+          <p:cNvPr id="119" name="组合 118">
+            <a:extLst>
+              <a:ext uri="{FF2B5EF4-FFF2-40B4-BE49-F238E27FC236}">
+                <a16:creationId xmlns:a16="http://schemas.microsoft.com/office/drawing/2014/main" id="{7C71F1C1-5603-455F-954E-23CA8D316ED8}"/>
+              </a:ext>
+            </a:extLst>
+          </p:cNvPr>
+          <p:cNvGrpSpPr/>
+          <p:nvPr/>
+        </p:nvGrpSpPr>
+        <p:grpSpPr>
+          <a:xfrm>
+            <a:off x="9293237" y="969082"/>
+            <a:ext cx="1400844" cy="1408078"/>
+            <a:chOff x="4629151" y="3544422"/>
+            <a:chExt cx="1400844" cy="1408078"/>
+          </a:xfrm>
+        </p:grpSpPr>
+        <p:sp>
+          <p:nvSpPr>
+            <p:cNvPr id="120" name="矩形 119">
+              <a:extLst>
+                <a:ext uri="{FF2B5EF4-FFF2-40B4-BE49-F238E27FC236}">
+                  <a16:creationId xmlns:a16="http://schemas.microsoft.com/office/drawing/2014/main" id="{7442239F-03E0-4219-9EA6-36185EF02D87}"/>
+                </a:ext>
+              </a:extLst>
+            </p:cNvPr>
+            <p:cNvSpPr/>
+            <p:nvPr/>
+          </p:nvSpPr>
+          <p:spPr>
+            <a:xfrm>
+              <a:off x="4629151" y="3544422"/>
+              <a:ext cx="1400844" cy="1408078"/>
+            </a:xfrm>
+            <a:prstGeom prst="rect">
+              <a:avLst/>
+            </a:prstGeom>
+            <a:solidFill>
+              <a:schemeClr val="bg1"/>
+            </a:solidFill>
+          </p:spPr>
+          <p:style>
+            <a:lnRef idx="2">
+              <a:schemeClr val="accent1">
+                <a:shade val="50000"/>
+              </a:schemeClr>
+            </a:lnRef>
+            <a:fillRef idx="1">
+              <a:schemeClr val="accent1"/>
+            </a:fillRef>
+            <a:effectRef idx="0">
+              <a:schemeClr val="accent1"/>
+            </a:effectRef>
+            <a:fontRef idx="minor">
+              <a:schemeClr val="lt1"/>
+            </a:fontRef>
+          </p:style>
+          <p:txBody>
+            <a:bodyPr rtlCol="0" anchor="ctr"/>
+            <a:lstStyle/>
+            <a:p>
+              <a:pPr algn="ctr"/>
+              <a:endParaRPr lang="zh-CN" altLang="en-US"/>
+            </a:p>
+          </p:txBody>
+        </p:sp>
+        <p:grpSp>
+          <p:nvGrpSpPr>
+            <p:cNvPr id="121" name="组合 120">
+              <a:extLst>
+                <a:ext uri="{FF2B5EF4-FFF2-40B4-BE49-F238E27FC236}">
+                  <a16:creationId xmlns:a16="http://schemas.microsoft.com/office/drawing/2014/main" id="{30A21211-D65F-4885-A7E9-66D9C1186D41}"/>
+                </a:ext>
+              </a:extLst>
+            </p:cNvPr>
+            <p:cNvGrpSpPr/>
+            <p:nvPr/>
+          </p:nvGrpSpPr>
+          <p:grpSpPr>
+            <a:xfrm>
+              <a:off x="5399896" y="3672275"/>
+              <a:ext cx="487614" cy="829278"/>
+              <a:chOff x="1289979" y="3227911"/>
+              <a:chExt cx="487614" cy="829278"/>
+            </a:xfrm>
+          </p:grpSpPr>
+          <p:cxnSp>
+            <p:nvCxnSpPr>
+              <p:cNvPr id="125" name="直接连接符 124">
+                <a:extLst>
+                  <a:ext uri="{FF2B5EF4-FFF2-40B4-BE49-F238E27FC236}">
+                    <a16:creationId xmlns:a16="http://schemas.microsoft.com/office/drawing/2014/main" id="{F1865814-7593-4D7B-9AE3-71680C614A73}"/>
+                  </a:ext>
+                </a:extLst>
+              </p:cNvPr>
+              <p:cNvCxnSpPr>
+                <a:cxnSpLocks/>
+                <a:stCxn id="126" idx="0"/>
+                <a:endCxn id="126" idx="2"/>
+              </p:cNvCxnSpPr>
+              <p:nvPr/>
+            </p:nvCxnSpPr>
+            <p:spPr>
+              <a:xfrm>
+                <a:off x="1533786" y="3227911"/>
+                <a:ext cx="0" cy="829278"/>
+              </a:xfrm>
+              <a:prstGeom prst="line">
+                <a:avLst/>
+              </a:prstGeom>
+            </p:spPr>
+            <p:style>
+              <a:lnRef idx="1">
+                <a:schemeClr val="accent1"/>
+              </a:lnRef>
+              <a:fillRef idx="0">
+                <a:schemeClr val="accent1"/>
+              </a:fillRef>
+              <a:effectRef idx="0">
+                <a:schemeClr val="accent1"/>
+              </a:effectRef>
+              <a:fontRef idx="minor">
+                <a:schemeClr val="tx1"/>
+              </a:fontRef>
+            </p:style>
+          </p:cxnSp>
+          <p:sp>
+            <p:nvSpPr>
+              <p:cNvPr id="126" name="矩形 125">
+                <a:extLst>
+                  <a:ext uri="{FF2B5EF4-FFF2-40B4-BE49-F238E27FC236}">
+                    <a16:creationId xmlns:a16="http://schemas.microsoft.com/office/drawing/2014/main" id="{848EF582-FE50-46BA-ADC5-43BE9162C2C8}"/>
+                  </a:ext>
+                </a:extLst>
+              </p:cNvPr>
+              <p:cNvSpPr/>
+              <p:nvPr/>
+            </p:nvSpPr>
+            <p:spPr>
+              <a:xfrm>
+                <a:off x="1289979" y="3227911"/>
+                <a:ext cx="487614" cy="829278"/>
+              </a:xfrm>
+              <a:prstGeom prst="rect">
+                <a:avLst/>
+              </a:prstGeom>
+              <a:solidFill>
+                <a:srgbClr val="FF0000"/>
+              </a:solidFill>
+            </p:spPr>
+            <p:style>
+              <a:lnRef idx="2">
+                <a:schemeClr val="accent1">
+                  <a:shade val="50000"/>
+                </a:schemeClr>
+              </a:lnRef>
+              <a:fillRef idx="1">
+                <a:schemeClr val="accent1"/>
+              </a:fillRef>
+              <a:effectRef idx="0">
+                <a:schemeClr val="accent1"/>
+              </a:effectRef>
+              <a:fontRef idx="minor">
+                <a:schemeClr val="lt1"/>
+              </a:fontRef>
+            </p:style>
+            <p:txBody>
+              <a:bodyPr rtlCol="0" anchor="ctr"/>
+              <a:lstStyle/>
+              <a:p>
+                <a:pPr algn="ctr"/>
+                <a:endParaRPr lang="zh-CN" altLang="en-US"/>
+              </a:p>
+            </p:txBody>
+          </p:sp>
+        </p:grpSp>
+        <p:grpSp>
+          <p:nvGrpSpPr>
+            <p:cNvPr id="122" name="组合 121">
+              <a:extLst>
+                <a:ext uri="{FF2B5EF4-FFF2-40B4-BE49-F238E27FC236}">
+                  <a16:creationId xmlns:a16="http://schemas.microsoft.com/office/drawing/2014/main" id="{9032EAF4-383C-4F8C-9B8E-9F58B3CC9164}"/>
+                </a:ext>
+              </a:extLst>
+            </p:cNvPr>
+            <p:cNvGrpSpPr/>
+            <p:nvPr/>
+          </p:nvGrpSpPr>
+          <p:grpSpPr>
+            <a:xfrm>
+              <a:off x="4746799" y="4128621"/>
+              <a:ext cx="487614" cy="745865"/>
+              <a:chOff x="2708162" y="3684257"/>
+              <a:chExt cx="487614" cy="745865"/>
+            </a:xfrm>
+          </p:grpSpPr>
+          <p:cxnSp>
+            <p:nvCxnSpPr>
+              <p:cNvPr id="123" name="直接连接符 122">
+                <a:extLst>
+                  <a:ext uri="{FF2B5EF4-FFF2-40B4-BE49-F238E27FC236}">
+                    <a16:creationId xmlns:a16="http://schemas.microsoft.com/office/drawing/2014/main" id="{3F6F47D9-D32A-494D-9787-0892A68166F9}"/>
+                  </a:ext>
+                </a:extLst>
+              </p:cNvPr>
+              <p:cNvCxnSpPr>
+                <a:cxnSpLocks/>
+                <a:stCxn id="124" idx="0"/>
+                <a:endCxn id="124" idx="2"/>
+              </p:cNvCxnSpPr>
+              <p:nvPr/>
+            </p:nvCxnSpPr>
+            <p:spPr>
+              <a:xfrm>
+                <a:off x="2951969" y="3684257"/>
+                <a:ext cx="0" cy="745865"/>
+              </a:xfrm>
+              <a:prstGeom prst="line">
+                <a:avLst/>
+              </a:prstGeom>
+            </p:spPr>
+            <p:style>
+              <a:lnRef idx="1">
+                <a:schemeClr val="accent1"/>
+              </a:lnRef>
+              <a:fillRef idx="0">
+                <a:schemeClr val="accent1"/>
+              </a:fillRef>
+              <a:effectRef idx="0">
+                <a:schemeClr val="accent1"/>
+              </a:effectRef>
+              <a:fontRef idx="minor">
+                <a:schemeClr val="tx1"/>
+              </a:fontRef>
+            </p:style>
+          </p:cxnSp>
+          <p:sp>
+            <p:nvSpPr>
+              <p:cNvPr id="124" name="矩形 123">
+                <a:extLst>
+                  <a:ext uri="{FF2B5EF4-FFF2-40B4-BE49-F238E27FC236}">
+                    <a16:creationId xmlns:a16="http://schemas.microsoft.com/office/drawing/2014/main" id="{2F75ED21-7A0E-4108-894E-BB0563091185}"/>
+                  </a:ext>
+                </a:extLst>
+              </p:cNvPr>
+              <p:cNvSpPr/>
+              <p:nvPr/>
+            </p:nvSpPr>
+            <p:spPr>
+              <a:xfrm>
+                <a:off x="2708162" y="3684257"/>
+                <a:ext cx="487614" cy="745865"/>
+              </a:xfrm>
+              <a:prstGeom prst="rect">
+                <a:avLst/>
+              </a:prstGeom>
+              <a:solidFill>
+                <a:srgbClr val="00B050"/>
+              </a:solidFill>
+            </p:spPr>
+            <p:style>
+              <a:lnRef idx="2">
+                <a:schemeClr val="accent1">
+                  <a:shade val="50000"/>
+                </a:schemeClr>
+              </a:lnRef>
+              <a:fillRef idx="1">
+                <a:schemeClr val="accent1"/>
+              </a:fillRef>
+              <a:effectRef idx="0">
+                <a:schemeClr val="accent1"/>
+              </a:effectRef>
+              <a:fontRef idx="minor">
+                <a:schemeClr val="lt1"/>
+              </a:fontRef>
+            </p:style>
+            <p:txBody>
+              <a:bodyPr rtlCol="0" anchor="ctr"/>
+              <a:lstStyle/>
+              <a:p>
+                <a:pPr algn="ctr"/>
+                <a:endParaRPr lang="zh-CN" altLang="en-US"/>
+              </a:p>
+            </p:txBody>
+          </p:sp>
+        </p:grpSp>
+      </p:grpSp>
       <p:sp>
         <p:nvSpPr>
-          <p:cNvPr id="40" name="文本框 39">
+          <p:cNvPr id="131" name="文本框 130">
             <a:extLst>
               <a:ext uri="{FF2B5EF4-FFF2-40B4-BE49-F238E27FC236}">
-                <a16:creationId xmlns:a16="http://schemas.microsoft.com/office/drawing/2014/main" id="{21CDD0D3-9B35-4422-8AF8-A3531609C587}"/>
+                <a16:creationId xmlns:a16="http://schemas.microsoft.com/office/drawing/2014/main" id="{EBF60790-D1E9-41A0-9065-35D7345A08B9}"/>
               </a:ext>
             </a:extLst>
           </p:cNvPr>
@@ -5894,8 +7947,8 @@
         </p:nvSpPr>
         <p:spPr>
           <a:xfrm>
-            <a:off x="3599850" y="1993205"/>
-            <a:ext cx="815489" cy="338554"/>
+            <a:off x="9338494" y="2502618"/>
+            <a:ext cx="1450975" cy="369332"/>
           </a:xfrm>
           <a:prstGeom prst="rect">
             <a:avLst/>
@@ -5909,18 +7962,370 @@
           <a:lstStyle/>
           <a:p>
             <a:r>
-              <a:rPr lang="zh-CN" altLang="en-US" sz="1600" dirty="0"/>
-              <a:t>小阳线</a:t>
+              <a:rPr lang="en-US" altLang="zh-CN" dirty="0"/>
+              <a:t>5</a:t>
+            </a:r>
+            <a:r>
+              <a:rPr lang="zh-CN" altLang="en-US" dirty="0"/>
+              <a:t>旭日东升</a:t>
             </a:r>
           </a:p>
         </p:txBody>
       </p:sp>
+      <p:grpSp>
+        <p:nvGrpSpPr>
+          <p:cNvPr id="155" name="组合 154">
+            <a:extLst>
+              <a:ext uri="{FF2B5EF4-FFF2-40B4-BE49-F238E27FC236}">
+                <a16:creationId xmlns:a16="http://schemas.microsoft.com/office/drawing/2014/main" id="{2B220549-EB25-4CB0-B1A4-5B1592770439}"/>
+              </a:ext>
+            </a:extLst>
+          </p:cNvPr>
+          <p:cNvGrpSpPr/>
+          <p:nvPr/>
+        </p:nvGrpSpPr>
+        <p:grpSpPr>
+          <a:xfrm>
+            <a:off x="1329978" y="3429000"/>
+            <a:ext cx="1736726" cy="1032755"/>
+            <a:chOff x="1329978" y="3530600"/>
+            <a:chExt cx="1736726" cy="1032755"/>
+          </a:xfrm>
+        </p:grpSpPr>
+        <p:grpSp>
+          <p:nvGrpSpPr>
+            <p:cNvPr id="132" name="组合 131">
+              <a:extLst>
+                <a:ext uri="{FF2B5EF4-FFF2-40B4-BE49-F238E27FC236}">
+                  <a16:creationId xmlns:a16="http://schemas.microsoft.com/office/drawing/2014/main" id="{C3C88279-3D20-41C1-9C3B-4F8E615A8FC1}"/>
+                </a:ext>
+              </a:extLst>
+            </p:cNvPr>
+            <p:cNvGrpSpPr/>
+            <p:nvPr/>
+          </p:nvGrpSpPr>
+          <p:grpSpPr>
+            <a:xfrm>
+              <a:off x="1329978" y="3530600"/>
+              <a:ext cx="1736726" cy="1032755"/>
+              <a:chOff x="1317625" y="1344261"/>
+              <a:chExt cx="1736726" cy="1032755"/>
+            </a:xfrm>
+          </p:grpSpPr>
+          <p:sp>
+            <p:nvSpPr>
+              <p:cNvPr id="133" name="矩形 132">
+                <a:extLst>
+                  <a:ext uri="{FF2B5EF4-FFF2-40B4-BE49-F238E27FC236}">
+                    <a16:creationId xmlns:a16="http://schemas.microsoft.com/office/drawing/2014/main" id="{C0558F79-2013-46B1-8D1A-3C82884F4EA5}"/>
+                  </a:ext>
+                </a:extLst>
+              </p:cNvPr>
+              <p:cNvSpPr/>
+              <p:nvPr/>
+            </p:nvSpPr>
+            <p:spPr>
+              <a:xfrm>
+                <a:off x="1317625" y="1344261"/>
+                <a:ext cx="1736726" cy="1032755"/>
+              </a:xfrm>
+              <a:prstGeom prst="rect">
+                <a:avLst/>
+              </a:prstGeom>
+              <a:solidFill>
+                <a:schemeClr val="bg1"/>
+              </a:solidFill>
+            </p:spPr>
+            <p:style>
+              <a:lnRef idx="2">
+                <a:schemeClr val="accent1">
+                  <a:shade val="50000"/>
+                </a:schemeClr>
+              </a:lnRef>
+              <a:fillRef idx="1">
+                <a:schemeClr val="accent1"/>
+              </a:fillRef>
+              <a:effectRef idx="0">
+                <a:schemeClr val="accent1"/>
+              </a:effectRef>
+              <a:fontRef idx="minor">
+                <a:schemeClr val="lt1"/>
+              </a:fontRef>
+            </p:style>
+            <p:txBody>
+              <a:bodyPr rtlCol="0" anchor="ctr"/>
+              <a:lstStyle/>
+              <a:p>
+                <a:pPr algn="ctr"/>
+                <a:endParaRPr lang="zh-CN" altLang="en-US"/>
+              </a:p>
+            </p:txBody>
+          </p:sp>
+          <p:grpSp>
+            <p:nvGrpSpPr>
+              <p:cNvPr id="134" name="组合 133">
+                <a:extLst>
+                  <a:ext uri="{FF2B5EF4-FFF2-40B4-BE49-F238E27FC236}">
+                    <a16:creationId xmlns:a16="http://schemas.microsoft.com/office/drawing/2014/main" id="{96B6C54F-D2DA-40BE-9169-05811D203187}"/>
+                  </a:ext>
+                </a:extLst>
+              </p:cNvPr>
+              <p:cNvGrpSpPr/>
+              <p:nvPr/>
+            </p:nvGrpSpPr>
+            <p:grpSpPr>
+              <a:xfrm>
+                <a:off x="2423783" y="1610961"/>
+                <a:ext cx="487614" cy="650899"/>
+                <a:chOff x="1625391" y="3443072"/>
+                <a:chExt cx="487614" cy="650899"/>
+              </a:xfrm>
+            </p:grpSpPr>
+            <p:cxnSp>
+              <p:nvCxnSpPr>
+                <p:cNvPr id="141" name="直接连接符 140">
+                  <a:extLst>
+                    <a:ext uri="{FF2B5EF4-FFF2-40B4-BE49-F238E27FC236}">
+                      <a16:creationId xmlns:a16="http://schemas.microsoft.com/office/drawing/2014/main" id="{AFE141F7-6974-42B3-93A8-9FA0821C0B6E}"/>
+                    </a:ext>
+                  </a:extLst>
+                </p:cNvPr>
+                <p:cNvCxnSpPr>
+                  <a:cxnSpLocks/>
+                  <a:endCxn id="142" idx="2"/>
+                </p:cNvCxnSpPr>
+                <p:nvPr/>
+              </p:nvCxnSpPr>
+              <p:spPr>
+                <a:xfrm>
+                  <a:off x="1869198" y="3443072"/>
+                  <a:ext cx="0" cy="650899"/>
+                </a:xfrm>
+                <a:prstGeom prst="line">
+                  <a:avLst/>
+                </a:prstGeom>
+              </p:spPr>
+              <p:style>
+                <a:lnRef idx="1">
+                  <a:schemeClr val="accent1"/>
+                </a:lnRef>
+                <a:fillRef idx="0">
+                  <a:schemeClr val="accent1"/>
+                </a:fillRef>
+                <a:effectRef idx="0">
+                  <a:schemeClr val="accent1"/>
+                </a:effectRef>
+                <a:fontRef idx="minor">
+                  <a:schemeClr val="tx1"/>
+                </a:fontRef>
+              </p:style>
+            </p:cxnSp>
+            <p:sp>
+              <p:nvSpPr>
+                <p:cNvPr id="142" name="矩形 141">
+                  <a:extLst>
+                    <a:ext uri="{FF2B5EF4-FFF2-40B4-BE49-F238E27FC236}">
+                      <a16:creationId xmlns:a16="http://schemas.microsoft.com/office/drawing/2014/main" id="{E9DAED24-BCE6-4904-9821-806D18F49880}"/>
+                    </a:ext>
+                  </a:extLst>
+                </p:cNvPr>
+                <p:cNvSpPr/>
+                <p:nvPr/>
+              </p:nvSpPr>
+              <p:spPr>
+                <a:xfrm>
+                  <a:off x="1625391" y="3858996"/>
+                  <a:ext cx="487614" cy="234975"/>
+                </a:xfrm>
+                <a:prstGeom prst="rect">
+                  <a:avLst/>
+                </a:prstGeom>
+                <a:solidFill>
+                  <a:srgbClr val="FF0000"/>
+                </a:solidFill>
+              </p:spPr>
+              <p:style>
+                <a:lnRef idx="2">
+                  <a:schemeClr val="accent1">
+                    <a:shade val="50000"/>
+                  </a:schemeClr>
+                </a:lnRef>
+                <a:fillRef idx="1">
+                  <a:schemeClr val="accent1"/>
+                </a:fillRef>
+                <a:effectRef idx="0">
+                  <a:schemeClr val="accent1"/>
+                </a:effectRef>
+                <a:fontRef idx="minor">
+                  <a:schemeClr val="lt1"/>
+                </a:fontRef>
+              </p:style>
+              <p:txBody>
+                <a:bodyPr rtlCol="0" anchor="ctr"/>
+                <a:lstStyle/>
+                <a:p>
+                  <a:pPr algn="ctr"/>
+                  <a:endParaRPr lang="zh-CN" altLang="en-US"/>
+                </a:p>
+              </p:txBody>
+            </p:sp>
+          </p:grpSp>
+          <p:grpSp>
+            <p:nvGrpSpPr>
+              <p:cNvPr id="135" name="组合 134">
+                <a:extLst>
+                  <a:ext uri="{FF2B5EF4-FFF2-40B4-BE49-F238E27FC236}">
+                    <a16:creationId xmlns:a16="http://schemas.microsoft.com/office/drawing/2014/main" id="{8A18B1C9-8B86-45DB-9997-CF490192B23C}"/>
+                  </a:ext>
+                </a:extLst>
+              </p:cNvPr>
+              <p:cNvGrpSpPr/>
+              <p:nvPr/>
+            </p:nvGrpSpPr>
+            <p:grpSpPr>
+              <a:xfrm>
+                <a:off x="1428767" y="1610961"/>
+                <a:ext cx="487614" cy="650900"/>
+                <a:chOff x="2701655" y="3443072"/>
+                <a:chExt cx="487614" cy="650900"/>
+              </a:xfrm>
+            </p:grpSpPr>
+            <p:cxnSp>
+              <p:nvCxnSpPr>
+                <p:cNvPr id="139" name="直接连接符 138">
+                  <a:extLst>
+                    <a:ext uri="{FF2B5EF4-FFF2-40B4-BE49-F238E27FC236}">
+                      <a16:creationId xmlns:a16="http://schemas.microsoft.com/office/drawing/2014/main" id="{ABED5DB4-D89D-465F-9AC2-B49BD35F32E0}"/>
+                    </a:ext>
+                  </a:extLst>
+                </p:cNvPr>
+                <p:cNvCxnSpPr>
+                  <a:cxnSpLocks/>
+                  <a:endCxn id="140" idx="2"/>
+                </p:cNvCxnSpPr>
+                <p:nvPr/>
+              </p:nvCxnSpPr>
+              <p:spPr>
+                <a:xfrm>
+                  <a:off x="2945462" y="3443072"/>
+                  <a:ext cx="0" cy="650900"/>
+                </a:xfrm>
+                <a:prstGeom prst="line">
+                  <a:avLst/>
+                </a:prstGeom>
+              </p:spPr>
+              <p:style>
+                <a:lnRef idx="1">
+                  <a:schemeClr val="accent1"/>
+                </a:lnRef>
+                <a:fillRef idx="0">
+                  <a:schemeClr val="accent1"/>
+                </a:fillRef>
+                <a:effectRef idx="0">
+                  <a:schemeClr val="accent1"/>
+                </a:effectRef>
+                <a:fontRef idx="minor">
+                  <a:schemeClr val="tx1"/>
+                </a:fontRef>
+              </p:style>
+            </p:cxnSp>
+            <p:sp>
+              <p:nvSpPr>
+                <p:cNvPr id="140" name="矩形 139">
+                  <a:extLst>
+                    <a:ext uri="{FF2B5EF4-FFF2-40B4-BE49-F238E27FC236}">
+                      <a16:creationId xmlns:a16="http://schemas.microsoft.com/office/drawing/2014/main" id="{570F2270-22C0-4EC8-B083-60F917FB5516}"/>
+                    </a:ext>
+                  </a:extLst>
+                </p:cNvPr>
+                <p:cNvSpPr/>
+                <p:nvPr/>
+              </p:nvSpPr>
+              <p:spPr>
+                <a:xfrm>
+                  <a:off x="2701655" y="3858996"/>
+                  <a:ext cx="487614" cy="234976"/>
+                </a:xfrm>
+                <a:prstGeom prst="rect">
+                  <a:avLst/>
+                </a:prstGeom>
+                <a:solidFill>
+                  <a:srgbClr val="00B050"/>
+                </a:solidFill>
+              </p:spPr>
+              <p:style>
+                <a:lnRef idx="2">
+                  <a:schemeClr val="accent1">
+                    <a:shade val="50000"/>
+                  </a:schemeClr>
+                </a:lnRef>
+                <a:fillRef idx="1">
+                  <a:schemeClr val="accent1"/>
+                </a:fillRef>
+                <a:effectRef idx="0">
+                  <a:schemeClr val="accent1"/>
+                </a:effectRef>
+                <a:fontRef idx="minor">
+                  <a:schemeClr val="lt1"/>
+                </a:fontRef>
+              </p:style>
+              <p:txBody>
+                <a:bodyPr rtlCol="0" anchor="ctr"/>
+                <a:lstStyle/>
+                <a:p>
+                  <a:pPr algn="ctr"/>
+                  <a:endParaRPr lang="zh-CN" altLang="en-US"/>
+                </a:p>
+              </p:txBody>
+            </p:sp>
+          </p:grpSp>
+        </p:grpSp>
+        <p:cxnSp>
+          <p:nvCxnSpPr>
+            <p:cNvPr id="154" name="直接连接符 153">
+              <a:extLst>
+                <a:ext uri="{FF2B5EF4-FFF2-40B4-BE49-F238E27FC236}">
+                  <a16:creationId xmlns:a16="http://schemas.microsoft.com/office/drawing/2014/main" id="{BED2B2D9-A2B8-47A5-88B2-D96BE184C4CA}"/>
+                </a:ext>
+              </a:extLst>
+            </p:cNvPr>
+            <p:cNvCxnSpPr/>
+            <p:nvPr/>
+          </p:nvCxnSpPr>
+          <p:spPr>
+            <a:xfrm>
+              <a:off x="2171700" y="3657600"/>
+              <a:ext cx="0" cy="790599"/>
+            </a:xfrm>
+            <a:prstGeom prst="line">
+              <a:avLst/>
+            </a:prstGeom>
+            <a:ln>
+              <a:prstDash val="sysDash"/>
+            </a:ln>
+          </p:spPr>
+          <p:style>
+            <a:lnRef idx="1">
+              <a:schemeClr val="accent1"/>
+            </a:lnRef>
+            <a:fillRef idx="0">
+              <a:schemeClr val="accent1"/>
+            </a:fillRef>
+            <a:effectRef idx="0">
+              <a:schemeClr val="accent1"/>
+            </a:effectRef>
+            <a:fontRef idx="minor">
+              <a:schemeClr val="tx1"/>
+            </a:fontRef>
+          </p:style>
+        </p:cxnSp>
+      </p:grpSp>
       <p:sp>
         <p:nvSpPr>
-          <p:cNvPr id="41" name="文本框 40">
+          <p:cNvPr id="157" name="文本框 156">
             <a:extLst>
               <a:ext uri="{FF2B5EF4-FFF2-40B4-BE49-F238E27FC236}">
-                <a16:creationId xmlns:a16="http://schemas.microsoft.com/office/drawing/2014/main" id="{AB7C1B64-3AFA-412E-BFE6-90AF3C8BD1A5}"/>
+                <a16:creationId xmlns:a16="http://schemas.microsoft.com/office/drawing/2014/main" id="{854321AA-C26B-4D0D-8B8A-A3702F535226}"/>
               </a:ext>
             </a:extLst>
           </p:cNvPr>
@@ -5929,8 +8334,8 @@
         </p:nvSpPr>
         <p:spPr>
           <a:xfrm>
-            <a:off x="3599850" y="3966340"/>
-            <a:ext cx="815489" cy="338554"/>
+            <a:off x="1416050" y="4543789"/>
+            <a:ext cx="1450975" cy="369332"/>
           </a:xfrm>
           <a:prstGeom prst="rect">
             <a:avLst/>
@@ -5944,148 +8349,12 @@
           <a:lstStyle/>
           <a:p>
             <a:r>
-              <a:rPr lang="zh-CN" altLang="en-US" sz="1600" dirty="0"/>
-              <a:t>大阳线</a:t>
+              <a:rPr lang="en-US" altLang="zh-CN" dirty="0"/>
+              <a:t>6</a:t>
             </a:r>
-          </a:p>
-        </p:txBody>
-      </p:sp>
-      <p:sp>
-        <p:nvSpPr>
-          <p:cNvPr id="42" name="文本框 41">
-            <a:extLst>
-              <a:ext uri="{FF2B5EF4-FFF2-40B4-BE49-F238E27FC236}">
-                <a16:creationId xmlns:a16="http://schemas.microsoft.com/office/drawing/2014/main" id="{565F8AE6-658C-4E78-8470-E09043B50427}"/>
-              </a:ext>
-            </a:extLst>
-          </p:cNvPr>
-          <p:cNvSpPr txBox="1"/>
-          <p:nvPr/>
-        </p:nvSpPr>
-        <p:spPr>
-          <a:xfrm>
-            <a:off x="7525333" y="2789656"/>
-            <a:ext cx="815489" cy="338554"/>
-          </a:xfrm>
-          <a:prstGeom prst="rect">
-            <a:avLst/>
-          </a:prstGeom>
-          <a:noFill/>
-        </p:spPr>
-        <p:txBody>
-          <a:bodyPr wrap="square" rtlCol="0">
-            <a:spAutoFit/>
-          </a:bodyPr>
-          <a:lstStyle/>
-          <a:p>
             <a:r>
-              <a:rPr lang="zh-CN" altLang="en-US" sz="1600" dirty="0"/>
-              <a:t>中阴线</a:t>
-            </a:r>
-          </a:p>
-        </p:txBody>
-      </p:sp>
-      <p:sp>
-        <p:nvSpPr>
-          <p:cNvPr id="43" name="文本框 42">
-            <a:extLst>
-              <a:ext uri="{FF2B5EF4-FFF2-40B4-BE49-F238E27FC236}">
-                <a16:creationId xmlns:a16="http://schemas.microsoft.com/office/drawing/2014/main" id="{0F5EDFDD-B881-4381-9A16-F55EAC8A3BA3}"/>
-              </a:ext>
-            </a:extLst>
-          </p:cNvPr>
-          <p:cNvSpPr txBox="1"/>
-          <p:nvPr/>
-        </p:nvSpPr>
-        <p:spPr>
-          <a:xfrm>
-            <a:off x="7525333" y="1366430"/>
-            <a:ext cx="815489" cy="338554"/>
-          </a:xfrm>
-          <a:prstGeom prst="rect">
-            <a:avLst/>
-          </a:prstGeom>
-          <a:noFill/>
-        </p:spPr>
-        <p:txBody>
-          <a:bodyPr wrap="square" rtlCol="0">
-            <a:spAutoFit/>
-          </a:bodyPr>
-          <a:lstStyle/>
-          <a:p>
-            <a:r>
-              <a:rPr lang="zh-CN" altLang="en-US" sz="1600" dirty="0"/>
-              <a:t>十字星</a:t>
-            </a:r>
-          </a:p>
-        </p:txBody>
-      </p:sp>
-      <p:sp>
-        <p:nvSpPr>
-          <p:cNvPr id="44" name="文本框 43">
-            <a:extLst>
-              <a:ext uri="{FF2B5EF4-FFF2-40B4-BE49-F238E27FC236}">
-                <a16:creationId xmlns:a16="http://schemas.microsoft.com/office/drawing/2014/main" id="{1BF8AB90-9727-4344-995D-0C72BF4A7773}"/>
-              </a:ext>
-            </a:extLst>
-          </p:cNvPr>
-          <p:cNvSpPr txBox="1"/>
-          <p:nvPr/>
-        </p:nvSpPr>
-        <p:spPr>
-          <a:xfrm>
-            <a:off x="7525333" y="1942284"/>
-            <a:ext cx="815489" cy="338554"/>
-          </a:xfrm>
-          <a:prstGeom prst="rect">
-            <a:avLst/>
-          </a:prstGeom>
-          <a:noFill/>
-        </p:spPr>
-        <p:txBody>
-          <a:bodyPr wrap="square" rtlCol="0">
-            <a:spAutoFit/>
-          </a:bodyPr>
-          <a:lstStyle/>
-          <a:p>
-            <a:r>
-              <a:rPr lang="zh-CN" altLang="en-US" sz="1600" dirty="0"/>
-              <a:t>小阴线</a:t>
-            </a:r>
-          </a:p>
-        </p:txBody>
-      </p:sp>
-      <p:sp>
-        <p:nvSpPr>
-          <p:cNvPr id="45" name="文本框 44">
-            <a:extLst>
-              <a:ext uri="{FF2B5EF4-FFF2-40B4-BE49-F238E27FC236}">
-                <a16:creationId xmlns:a16="http://schemas.microsoft.com/office/drawing/2014/main" id="{3BCC0F85-24EF-48DA-A2BC-9BBE9ED0E4F8}"/>
-              </a:ext>
-            </a:extLst>
-          </p:cNvPr>
-          <p:cNvSpPr txBox="1"/>
-          <p:nvPr/>
-        </p:nvSpPr>
-        <p:spPr>
-          <a:xfrm>
-            <a:off x="7525333" y="4032881"/>
-            <a:ext cx="815489" cy="338554"/>
-          </a:xfrm>
-          <a:prstGeom prst="rect">
-            <a:avLst/>
-          </a:prstGeom>
-          <a:noFill/>
-        </p:spPr>
-        <p:txBody>
-          <a:bodyPr wrap="square" rtlCol="0">
-            <a:spAutoFit/>
-          </a:bodyPr>
-          <a:lstStyle/>
-          <a:p>
-            <a:r>
-              <a:rPr lang="zh-CN" altLang="en-US" sz="1600" dirty="0"/>
-              <a:t>大阴线</a:t>
+              <a:rPr lang="zh-CN" altLang="en-US" dirty="0"/>
+              <a:t>倒锤头线</a:t>
             </a:r>
           </a:p>
         </p:txBody>
@@ -6093,7 +8362,7 @@
     </p:spTree>
     <p:extLst>
       <p:ext uri="{BB962C8B-B14F-4D97-AF65-F5344CB8AC3E}">
-        <p14:creationId xmlns:p14="http://schemas.microsoft.com/office/powerpoint/2010/main" val="2707092997"/>
+        <p14:creationId xmlns:p14="http://schemas.microsoft.com/office/powerpoint/2010/main" val="2166397681"/>
       </p:ext>
     </p:extLst>
   </p:cSld>

--- a/file/stock/K线图.pptx
+++ b/file/stock/K线图.pptx
@@ -8,6 +8,7 @@
     <p:sldId id="256" r:id="rId2"/>
     <p:sldId id="257" r:id="rId3"/>
     <p:sldId id="258" r:id="rId4"/>
+    <p:sldId id="259" r:id="rId5"/>
   </p:sldIdLst>
   <p:sldSz cx="12192000" cy="6858000"/>
   <p:notesSz cx="6858000" cy="9144000"/>
@@ -261,7 +262,7 @@
           <a:p>
             <a:fld id="{B0E57C0B-0122-40D3-BBAC-3E87EF215052}" type="datetimeFigureOut">
               <a:rPr lang="zh-CN" altLang="en-US" smtClean="0"/>
-              <a:t>2022/4/7</a:t>
+              <a:t>2022/4/9</a:t>
             </a:fld>
             <a:endParaRPr lang="zh-CN" altLang="en-US"/>
           </a:p>
@@ -459,7 +460,7 @@
           <a:p>
             <a:fld id="{B0E57C0B-0122-40D3-BBAC-3E87EF215052}" type="datetimeFigureOut">
               <a:rPr lang="zh-CN" altLang="en-US" smtClean="0"/>
-              <a:t>2022/4/7</a:t>
+              <a:t>2022/4/9</a:t>
             </a:fld>
             <a:endParaRPr lang="zh-CN" altLang="en-US"/>
           </a:p>
@@ -667,7 +668,7 @@
           <a:p>
             <a:fld id="{B0E57C0B-0122-40D3-BBAC-3E87EF215052}" type="datetimeFigureOut">
               <a:rPr lang="zh-CN" altLang="en-US" smtClean="0"/>
-              <a:t>2022/4/7</a:t>
+              <a:t>2022/4/9</a:t>
             </a:fld>
             <a:endParaRPr lang="zh-CN" altLang="en-US"/>
           </a:p>
@@ -865,7 +866,7 @@
           <a:p>
             <a:fld id="{B0E57C0B-0122-40D3-BBAC-3E87EF215052}" type="datetimeFigureOut">
               <a:rPr lang="zh-CN" altLang="en-US" smtClean="0"/>
-              <a:t>2022/4/7</a:t>
+              <a:t>2022/4/9</a:t>
             </a:fld>
             <a:endParaRPr lang="zh-CN" altLang="en-US"/>
           </a:p>
@@ -1140,7 +1141,7 @@
           <a:p>
             <a:fld id="{B0E57C0B-0122-40D3-BBAC-3E87EF215052}" type="datetimeFigureOut">
               <a:rPr lang="zh-CN" altLang="en-US" smtClean="0"/>
-              <a:t>2022/4/7</a:t>
+              <a:t>2022/4/9</a:t>
             </a:fld>
             <a:endParaRPr lang="zh-CN" altLang="en-US"/>
           </a:p>
@@ -1405,7 +1406,7 @@
           <a:p>
             <a:fld id="{B0E57C0B-0122-40D3-BBAC-3E87EF215052}" type="datetimeFigureOut">
               <a:rPr lang="zh-CN" altLang="en-US" smtClean="0"/>
-              <a:t>2022/4/7</a:t>
+              <a:t>2022/4/9</a:t>
             </a:fld>
             <a:endParaRPr lang="zh-CN" altLang="en-US"/>
           </a:p>
@@ -1817,7 +1818,7 @@
           <a:p>
             <a:fld id="{B0E57C0B-0122-40D3-BBAC-3E87EF215052}" type="datetimeFigureOut">
               <a:rPr lang="zh-CN" altLang="en-US" smtClean="0"/>
-              <a:t>2022/4/7</a:t>
+              <a:t>2022/4/9</a:t>
             </a:fld>
             <a:endParaRPr lang="zh-CN" altLang="en-US"/>
           </a:p>
@@ -1958,7 +1959,7 @@
           <a:p>
             <a:fld id="{B0E57C0B-0122-40D3-BBAC-3E87EF215052}" type="datetimeFigureOut">
               <a:rPr lang="zh-CN" altLang="en-US" smtClean="0"/>
-              <a:t>2022/4/7</a:t>
+              <a:t>2022/4/9</a:t>
             </a:fld>
             <a:endParaRPr lang="zh-CN" altLang="en-US"/>
           </a:p>
@@ -2071,7 +2072,7 @@
           <a:p>
             <a:fld id="{B0E57C0B-0122-40D3-BBAC-3E87EF215052}" type="datetimeFigureOut">
               <a:rPr lang="zh-CN" altLang="en-US" smtClean="0"/>
-              <a:t>2022/4/7</a:t>
+              <a:t>2022/4/9</a:t>
             </a:fld>
             <a:endParaRPr lang="zh-CN" altLang="en-US"/>
           </a:p>
@@ -2382,7 +2383,7 @@
           <a:p>
             <a:fld id="{B0E57C0B-0122-40D3-BBAC-3E87EF215052}" type="datetimeFigureOut">
               <a:rPr lang="zh-CN" altLang="en-US" smtClean="0"/>
-              <a:t>2022/4/7</a:t>
+              <a:t>2022/4/9</a:t>
             </a:fld>
             <a:endParaRPr lang="zh-CN" altLang="en-US"/>
           </a:p>
@@ -2670,7 +2671,7 @@
           <a:p>
             <a:fld id="{B0E57C0B-0122-40D3-BBAC-3E87EF215052}" type="datetimeFigureOut">
               <a:rPr lang="zh-CN" altLang="en-US" smtClean="0"/>
-              <a:t>2022/4/7</a:t>
+              <a:t>2022/4/9</a:t>
             </a:fld>
             <a:endParaRPr lang="zh-CN" altLang="en-US"/>
           </a:p>
@@ -2911,7 +2912,7 @@
           <a:p>
             <a:fld id="{B0E57C0B-0122-40D3-BBAC-3E87EF215052}" type="datetimeFigureOut">
               <a:rPr lang="zh-CN" altLang="en-US" smtClean="0"/>
-              <a:t>2022/4/7</a:t>
+              <a:t>2022/4/9</a:t>
             </a:fld>
             <a:endParaRPr lang="zh-CN" altLang="en-US"/>
           </a:p>
@@ -8359,10 +8360,1717 @@
           </a:p>
         </p:txBody>
       </p:sp>
+      <p:grpSp>
+        <p:nvGrpSpPr>
+          <p:cNvPr id="65" name="组合 64">
+            <a:extLst>
+              <a:ext uri="{FF2B5EF4-FFF2-40B4-BE49-F238E27FC236}">
+                <a16:creationId xmlns:a16="http://schemas.microsoft.com/office/drawing/2014/main" id="{5C30DA68-C759-4493-86F4-6BDF22926F6C}"/>
+              </a:ext>
+            </a:extLst>
+          </p:cNvPr>
+          <p:cNvGrpSpPr/>
+          <p:nvPr/>
+        </p:nvGrpSpPr>
+        <p:grpSpPr>
+          <a:xfrm>
+            <a:off x="3329114" y="3428999"/>
+            <a:ext cx="1736726" cy="1032755"/>
+            <a:chOff x="1329978" y="3530600"/>
+            <a:chExt cx="1736726" cy="1032755"/>
+          </a:xfrm>
+        </p:grpSpPr>
+        <p:grpSp>
+          <p:nvGrpSpPr>
+            <p:cNvPr id="66" name="组合 65">
+              <a:extLst>
+                <a:ext uri="{FF2B5EF4-FFF2-40B4-BE49-F238E27FC236}">
+                  <a16:creationId xmlns:a16="http://schemas.microsoft.com/office/drawing/2014/main" id="{94DEC107-E359-4D69-906D-2E79CFA6F847}"/>
+                </a:ext>
+              </a:extLst>
+            </p:cNvPr>
+            <p:cNvGrpSpPr/>
+            <p:nvPr/>
+          </p:nvGrpSpPr>
+          <p:grpSpPr>
+            <a:xfrm>
+              <a:off x="1329978" y="3530600"/>
+              <a:ext cx="1736726" cy="1032755"/>
+              <a:chOff x="1317625" y="1344261"/>
+              <a:chExt cx="1736726" cy="1032755"/>
+            </a:xfrm>
+          </p:grpSpPr>
+          <p:sp>
+            <p:nvSpPr>
+              <p:cNvPr id="68" name="矩形 67">
+                <a:extLst>
+                  <a:ext uri="{FF2B5EF4-FFF2-40B4-BE49-F238E27FC236}">
+                    <a16:creationId xmlns:a16="http://schemas.microsoft.com/office/drawing/2014/main" id="{42282FF1-4592-4112-838C-1D4BCD323A14}"/>
+                  </a:ext>
+                </a:extLst>
+              </p:cNvPr>
+              <p:cNvSpPr/>
+              <p:nvPr/>
+            </p:nvSpPr>
+            <p:spPr>
+              <a:xfrm>
+                <a:off x="1317625" y="1344261"/>
+                <a:ext cx="1736726" cy="1032755"/>
+              </a:xfrm>
+              <a:prstGeom prst="rect">
+                <a:avLst/>
+              </a:prstGeom>
+              <a:solidFill>
+                <a:schemeClr val="bg1"/>
+              </a:solidFill>
+            </p:spPr>
+            <p:style>
+              <a:lnRef idx="2">
+                <a:schemeClr val="accent1">
+                  <a:shade val="50000"/>
+                </a:schemeClr>
+              </a:lnRef>
+              <a:fillRef idx="1">
+                <a:schemeClr val="accent1"/>
+              </a:fillRef>
+              <a:effectRef idx="0">
+                <a:schemeClr val="accent1"/>
+              </a:effectRef>
+              <a:fontRef idx="minor">
+                <a:schemeClr val="lt1"/>
+              </a:fontRef>
+            </p:style>
+            <p:txBody>
+              <a:bodyPr rtlCol="0" anchor="ctr"/>
+              <a:lstStyle/>
+              <a:p>
+                <a:pPr algn="ctr"/>
+                <a:endParaRPr lang="zh-CN" altLang="en-US"/>
+              </a:p>
+            </p:txBody>
+          </p:sp>
+          <p:grpSp>
+            <p:nvGrpSpPr>
+              <p:cNvPr id="69" name="组合 68">
+                <a:extLst>
+                  <a:ext uri="{FF2B5EF4-FFF2-40B4-BE49-F238E27FC236}">
+                    <a16:creationId xmlns:a16="http://schemas.microsoft.com/office/drawing/2014/main" id="{4D282D5C-9067-4210-8319-72F1AAA9F771}"/>
+                  </a:ext>
+                </a:extLst>
+              </p:cNvPr>
+              <p:cNvGrpSpPr/>
+              <p:nvPr/>
+            </p:nvGrpSpPr>
+            <p:grpSpPr>
+              <a:xfrm>
+                <a:off x="2403153" y="1537027"/>
+                <a:ext cx="487614" cy="664961"/>
+                <a:chOff x="1604761" y="3369138"/>
+                <a:chExt cx="487614" cy="664961"/>
+              </a:xfrm>
+            </p:grpSpPr>
+            <p:cxnSp>
+              <p:nvCxnSpPr>
+                <p:cNvPr id="74" name="直接连接符 73">
+                  <a:extLst>
+                    <a:ext uri="{FF2B5EF4-FFF2-40B4-BE49-F238E27FC236}">
+                      <a16:creationId xmlns:a16="http://schemas.microsoft.com/office/drawing/2014/main" id="{52EE7F4D-B24C-40AB-9A75-BC2E3F8A5E1B}"/>
+                    </a:ext>
+                  </a:extLst>
+                </p:cNvPr>
+                <p:cNvCxnSpPr>
+                  <a:cxnSpLocks/>
+                </p:cNvCxnSpPr>
+                <p:nvPr/>
+              </p:nvCxnSpPr>
+              <p:spPr>
+                <a:xfrm>
+                  <a:off x="1848568" y="3383200"/>
+                  <a:ext cx="0" cy="650899"/>
+                </a:xfrm>
+                <a:prstGeom prst="line">
+                  <a:avLst/>
+                </a:prstGeom>
+              </p:spPr>
+              <p:style>
+                <a:lnRef idx="1">
+                  <a:schemeClr val="accent1"/>
+                </a:lnRef>
+                <a:fillRef idx="0">
+                  <a:schemeClr val="accent1"/>
+                </a:fillRef>
+                <a:effectRef idx="0">
+                  <a:schemeClr val="accent1"/>
+                </a:effectRef>
+                <a:fontRef idx="minor">
+                  <a:schemeClr val="tx1"/>
+                </a:fontRef>
+              </p:style>
+            </p:cxnSp>
+            <p:sp>
+              <p:nvSpPr>
+                <p:cNvPr id="75" name="矩形 74">
+                  <a:extLst>
+                    <a:ext uri="{FF2B5EF4-FFF2-40B4-BE49-F238E27FC236}">
+                      <a16:creationId xmlns:a16="http://schemas.microsoft.com/office/drawing/2014/main" id="{3C44AD4D-4BC0-4C77-B6F0-DB20F1260AE4}"/>
+                    </a:ext>
+                  </a:extLst>
+                </p:cNvPr>
+                <p:cNvSpPr/>
+                <p:nvPr/>
+              </p:nvSpPr>
+              <p:spPr>
+                <a:xfrm>
+                  <a:off x="1604761" y="3369138"/>
+                  <a:ext cx="487614" cy="234975"/>
+                </a:xfrm>
+                <a:prstGeom prst="rect">
+                  <a:avLst/>
+                </a:prstGeom>
+                <a:solidFill>
+                  <a:srgbClr val="FF0000"/>
+                </a:solidFill>
+              </p:spPr>
+              <p:style>
+                <a:lnRef idx="2">
+                  <a:schemeClr val="accent1">
+                    <a:shade val="50000"/>
+                  </a:schemeClr>
+                </a:lnRef>
+                <a:fillRef idx="1">
+                  <a:schemeClr val="accent1"/>
+                </a:fillRef>
+                <a:effectRef idx="0">
+                  <a:schemeClr val="accent1"/>
+                </a:effectRef>
+                <a:fontRef idx="minor">
+                  <a:schemeClr val="lt1"/>
+                </a:fontRef>
+              </p:style>
+              <p:txBody>
+                <a:bodyPr rtlCol="0" anchor="ctr"/>
+                <a:lstStyle/>
+                <a:p>
+                  <a:pPr algn="ctr"/>
+                  <a:endParaRPr lang="zh-CN" altLang="en-US"/>
+                </a:p>
+              </p:txBody>
+            </p:sp>
+          </p:grpSp>
+          <p:grpSp>
+            <p:nvGrpSpPr>
+              <p:cNvPr id="70" name="组合 69">
+                <a:extLst>
+                  <a:ext uri="{FF2B5EF4-FFF2-40B4-BE49-F238E27FC236}">
+                    <a16:creationId xmlns:a16="http://schemas.microsoft.com/office/drawing/2014/main" id="{92229F21-2D52-4C20-9083-4F06EEDC8160}"/>
+                  </a:ext>
+                </a:extLst>
+              </p:cNvPr>
+              <p:cNvGrpSpPr/>
+              <p:nvPr/>
+            </p:nvGrpSpPr>
+            <p:grpSpPr>
+              <a:xfrm>
+                <a:off x="1482277" y="1537027"/>
+                <a:ext cx="487614" cy="650900"/>
+                <a:chOff x="2755165" y="3369138"/>
+                <a:chExt cx="487614" cy="650900"/>
+              </a:xfrm>
+            </p:grpSpPr>
+            <p:cxnSp>
+              <p:nvCxnSpPr>
+                <p:cNvPr id="71" name="直接连接符 70">
+                  <a:extLst>
+                    <a:ext uri="{FF2B5EF4-FFF2-40B4-BE49-F238E27FC236}">
+                      <a16:creationId xmlns:a16="http://schemas.microsoft.com/office/drawing/2014/main" id="{13535BE7-F6B5-491E-A0AD-95CE9277C7C1}"/>
+                    </a:ext>
+                  </a:extLst>
+                </p:cNvPr>
+                <p:cNvCxnSpPr>
+                  <a:cxnSpLocks/>
+                </p:cNvCxnSpPr>
+                <p:nvPr/>
+              </p:nvCxnSpPr>
+              <p:spPr>
+                <a:xfrm>
+                  <a:off x="2998972" y="3369138"/>
+                  <a:ext cx="0" cy="650900"/>
+                </a:xfrm>
+                <a:prstGeom prst="line">
+                  <a:avLst/>
+                </a:prstGeom>
+              </p:spPr>
+              <p:style>
+                <a:lnRef idx="1">
+                  <a:schemeClr val="accent1"/>
+                </a:lnRef>
+                <a:fillRef idx="0">
+                  <a:schemeClr val="accent1"/>
+                </a:fillRef>
+                <a:effectRef idx="0">
+                  <a:schemeClr val="accent1"/>
+                </a:effectRef>
+                <a:fontRef idx="minor">
+                  <a:schemeClr val="tx1"/>
+                </a:fontRef>
+              </p:style>
+            </p:cxnSp>
+            <p:sp>
+              <p:nvSpPr>
+                <p:cNvPr id="73" name="矩形 72">
+                  <a:extLst>
+                    <a:ext uri="{FF2B5EF4-FFF2-40B4-BE49-F238E27FC236}">
+                      <a16:creationId xmlns:a16="http://schemas.microsoft.com/office/drawing/2014/main" id="{158420E8-F7BC-49D6-A2B3-2476AA33B0D0}"/>
+                    </a:ext>
+                  </a:extLst>
+                </p:cNvPr>
+                <p:cNvSpPr/>
+                <p:nvPr/>
+              </p:nvSpPr>
+              <p:spPr>
+                <a:xfrm>
+                  <a:off x="2755165" y="3369138"/>
+                  <a:ext cx="487614" cy="234976"/>
+                </a:xfrm>
+                <a:prstGeom prst="rect">
+                  <a:avLst/>
+                </a:prstGeom>
+                <a:solidFill>
+                  <a:srgbClr val="00B050"/>
+                </a:solidFill>
+              </p:spPr>
+              <p:style>
+                <a:lnRef idx="2">
+                  <a:schemeClr val="accent1">
+                    <a:shade val="50000"/>
+                  </a:schemeClr>
+                </a:lnRef>
+                <a:fillRef idx="1">
+                  <a:schemeClr val="accent1"/>
+                </a:fillRef>
+                <a:effectRef idx="0">
+                  <a:schemeClr val="accent1"/>
+                </a:effectRef>
+                <a:fontRef idx="minor">
+                  <a:schemeClr val="lt1"/>
+                </a:fontRef>
+              </p:style>
+              <p:txBody>
+                <a:bodyPr rtlCol="0" anchor="ctr"/>
+                <a:lstStyle/>
+                <a:p>
+                  <a:pPr algn="ctr"/>
+                  <a:endParaRPr lang="zh-CN" altLang="en-US"/>
+                </a:p>
+              </p:txBody>
+            </p:sp>
+          </p:grpSp>
+        </p:grpSp>
+        <p:cxnSp>
+          <p:nvCxnSpPr>
+            <p:cNvPr id="67" name="直接连接符 66">
+              <a:extLst>
+                <a:ext uri="{FF2B5EF4-FFF2-40B4-BE49-F238E27FC236}">
+                  <a16:creationId xmlns:a16="http://schemas.microsoft.com/office/drawing/2014/main" id="{15731BF8-4EC7-4268-AF98-C9960BF36FC5}"/>
+                </a:ext>
+              </a:extLst>
+            </p:cNvPr>
+            <p:cNvCxnSpPr/>
+            <p:nvPr/>
+          </p:nvCxnSpPr>
+          <p:spPr>
+            <a:xfrm>
+              <a:off x="2171700" y="3657600"/>
+              <a:ext cx="0" cy="790599"/>
+            </a:xfrm>
+            <a:prstGeom prst="line">
+              <a:avLst/>
+            </a:prstGeom>
+            <a:ln>
+              <a:prstDash val="sysDash"/>
+            </a:ln>
+          </p:spPr>
+          <p:style>
+            <a:lnRef idx="1">
+              <a:schemeClr val="accent1"/>
+            </a:lnRef>
+            <a:fillRef idx="0">
+              <a:schemeClr val="accent1"/>
+            </a:fillRef>
+            <a:effectRef idx="0">
+              <a:schemeClr val="accent1"/>
+            </a:effectRef>
+            <a:fontRef idx="minor">
+              <a:schemeClr val="tx1"/>
+            </a:fontRef>
+          </p:style>
+        </p:cxnSp>
+      </p:grpSp>
+      <p:sp>
+        <p:nvSpPr>
+          <p:cNvPr id="83" name="文本框 82">
+            <a:extLst>
+              <a:ext uri="{FF2B5EF4-FFF2-40B4-BE49-F238E27FC236}">
+                <a16:creationId xmlns:a16="http://schemas.microsoft.com/office/drawing/2014/main" id="{80B012A9-49CE-4A1B-8D84-8380D3EA53DA}"/>
+              </a:ext>
+            </a:extLst>
+          </p:cNvPr>
+          <p:cNvSpPr txBox="1"/>
+          <p:nvPr/>
+        </p:nvSpPr>
+        <p:spPr>
+          <a:xfrm>
+            <a:off x="3493766" y="4590088"/>
+            <a:ext cx="1450975" cy="369332"/>
+          </a:xfrm>
+          <a:prstGeom prst="rect">
+            <a:avLst/>
+          </a:prstGeom>
+          <a:noFill/>
+        </p:spPr>
+        <p:txBody>
+          <a:bodyPr wrap="square" rtlCol="0">
+            <a:spAutoFit/>
+          </a:bodyPr>
+          <a:lstStyle/>
+          <a:p>
+            <a:r>
+              <a:rPr lang="en-US" altLang="zh-CN" dirty="0"/>
+              <a:t>7</a:t>
+            </a:r>
+            <a:r>
+              <a:rPr lang="zh-CN" altLang="en-US" dirty="0"/>
+              <a:t>锤头线</a:t>
+            </a:r>
+          </a:p>
+        </p:txBody>
+      </p:sp>
+      <p:grpSp>
+        <p:nvGrpSpPr>
+          <p:cNvPr id="13" name="组合 12">
+            <a:extLst>
+              <a:ext uri="{FF2B5EF4-FFF2-40B4-BE49-F238E27FC236}">
+                <a16:creationId xmlns:a16="http://schemas.microsoft.com/office/drawing/2014/main" id="{BDD8EECC-4A5D-4AA6-80B1-2C7C09727457}"/>
+              </a:ext>
+            </a:extLst>
+          </p:cNvPr>
+          <p:cNvGrpSpPr/>
+          <p:nvPr/>
+        </p:nvGrpSpPr>
+        <p:grpSpPr>
+          <a:xfrm>
+            <a:off x="5389436" y="3428998"/>
+            <a:ext cx="1736726" cy="1032755"/>
+            <a:chOff x="5389436" y="3428998"/>
+            <a:chExt cx="1736726" cy="1032755"/>
+          </a:xfrm>
+        </p:grpSpPr>
+        <p:grpSp>
+          <p:nvGrpSpPr>
+            <p:cNvPr id="95" name="组合 94">
+              <a:extLst>
+                <a:ext uri="{FF2B5EF4-FFF2-40B4-BE49-F238E27FC236}">
+                  <a16:creationId xmlns:a16="http://schemas.microsoft.com/office/drawing/2014/main" id="{06B118FC-8C97-4F19-8855-C40E8397E82A}"/>
+                </a:ext>
+              </a:extLst>
+            </p:cNvPr>
+            <p:cNvGrpSpPr/>
+            <p:nvPr/>
+          </p:nvGrpSpPr>
+          <p:grpSpPr>
+            <a:xfrm>
+              <a:off x="5389436" y="3428998"/>
+              <a:ext cx="1736726" cy="1032755"/>
+              <a:chOff x="1317625" y="1344261"/>
+              <a:chExt cx="1736726" cy="1032755"/>
+            </a:xfrm>
+          </p:grpSpPr>
+          <p:sp>
+            <p:nvSpPr>
+              <p:cNvPr id="97" name="矩形 96">
+                <a:extLst>
+                  <a:ext uri="{FF2B5EF4-FFF2-40B4-BE49-F238E27FC236}">
+                    <a16:creationId xmlns:a16="http://schemas.microsoft.com/office/drawing/2014/main" id="{8A316160-4739-477D-B7CD-46E3756A0DC9}"/>
+                  </a:ext>
+                </a:extLst>
+              </p:cNvPr>
+              <p:cNvSpPr/>
+              <p:nvPr/>
+            </p:nvSpPr>
+            <p:spPr>
+              <a:xfrm>
+                <a:off x="1317625" y="1344261"/>
+                <a:ext cx="1736726" cy="1032755"/>
+              </a:xfrm>
+              <a:prstGeom prst="rect">
+                <a:avLst/>
+              </a:prstGeom>
+              <a:solidFill>
+                <a:schemeClr val="bg1"/>
+              </a:solidFill>
+            </p:spPr>
+            <p:style>
+              <a:lnRef idx="2">
+                <a:schemeClr val="accent1">
+                  <a:shade val="50000"/>
+                </a:schemeClr>
+              </a:lnRef>
+              <a:fillRef idx="1">
+                <a:schemeClr val="accent1"/>
+              </a:fillRef>
+              <a:effectRef idx="0">
+                <a:schemeClr val="accent1"/>
+              </a:effectRef>
+              <a:fontRef idx="minor">
+                <a:schemeClr val="lt1"/>
+              </a:fontRef>
+            </p:style>
+            <p:txBody>
+              <a:bodyPr rtlCol="0" anchor="ctr"/>
+              <a:lstStyle/>
+              <a:p>
+                <a:pPr algn="ctr"/>
+                <a:endParaRPr lang="zh-CN" altLang="en-US"/>
+              </a:p>
+            </p:txBody>
+          </p:sp>
+          <p:grpSp>
+            <p:nvGrpSpPr>
+              <p:cNvPr id="98" name="组合 97">
+                <a:extLst>
+                  <a:ext uri="{FF2B5EF4-FFF2-40B4-BE49-F238E27FC236}">
+                    <a16:creationId xmlns:a16="http://schemas.microsoft.com/office/drawing/2014/main" id="{EE55E09F-6131-4D65-89F1-719720B72846}"/>
+                  </a:ext>
+                </a:extLst>
+              </p:cNvPr>
+              <p:cNvGrpSpPr/>
+              <p:nvPr/>
+            </p:nvGrpSpPr>
+            <p:grpSpPr>
+              <a:xfrm>
+                <a:off x="2119235" y="1734304"/>
+                <a:ext cx="487614" cy="467685"/>
+                <a:chOff x="1320843" y="3566415"/>
+                <a:chExt cx="487614" cy="467685"/>
+              </a:xfrm>
+            </p:grpSpPr>
+            <p:cxnSp>
+              <p:nvCxnSpPr>
+                <p:cNvPr id="115" name="直接连接符 114">
+                  <a:extLst>
+                    <a:ext uri="{FF2B5EF4-FFF2-40B4-BE49-F238E27FC236}">
+                      <a16:creationId xmlns:a16="http://schemas.microsoft.com/office/drawing/2014/main" id="{530C3D5E-AF8B-4A19-AF30-CFB009D9103B}"/>
+                    </a:ext>
+                  </a:extLst>
+                </p:cNvPr>
+                <p:cNvCxnSpPr>
+                  <a:cxnSpLocks/>
+                </p:cNvCxnSpPr>
+                <p:nvPr/>
+              </p:nvCxnSpPr>
+              <p:spPr>
+                <a:xfrm>
+                  <a:off x="1564650" y="3566415"/>
+                  <a:ext cx="0" cy="467685"/>
+                </a:xfrm>
+                <a:prstGeom prst="line">
+                  <a:avLst/>
+                </a:prstGeom>
+              </p:spPr>
+              <p:style>
+                <a:lnRef idx="1">
+                  <a:schemeClr val="accent1"/>
+                </a:lnRef>
+                <a:fillRef idx="0">
+                  <a:schemeClr val="accent1"/>
+                </a:fillRef>
+                <a:effectRef idx="0">
+                  <a:schemeClr val="accent1"/>
+                </a:effectRef>
+                <a:fontRef idx="minor">
+                  <a:schemeClr val="tx1"/>
+                </a:fontRef>
+              </p:style>
+            </p:cxnSp>
+            <p:sp>
+              <p:nvSpPr>
+                <p:cNvPr id="116" name="矩形 115">
+                  <a:extLst>
+                    <a:ext uri="{FF2B5EF4-FFF2-40B4-BE49-F238E27FC236}">
+                      <a16:creationId xmlns:a16="http://schemas.microsoft.com/office/drawing/2014/main" id="{36452BC5-42C0-43D7-9BA7-1C72801C0E24}"/>
+                    </a:ext>
+                  </a:extLst>
+                </p:cNvPr>
+                <p:cNvSpPr/>
+                <p:nvPr/>
+              </p:nvSpPr>
+              <p:spPr>
+                <a:xfrm>
+                  <a:off x="1320843" y="3566415"/>
+                  <a:ext cx="487614" cy="234975"/>
+                </a:xfrm>
+                <a:prstGeom prst="rect">
+                  <a:avLst/>
+                </a:prstGeom>
+                <a:solidFill>
+                  <a:srgbClr val="FF0000"/>
+                </a:solidFill>
+              </p:spPr>
+              <p:style>
+                <a:lnRef idx="2">
+                  <a:schemeClr val="accent1">
+                    <a:shade val="50000"/>
+                  </a:schemeClr>
+                </a:lnRef>
+                <a:fillRef idx="1">
+                  <a:schemeClr val="accent1"/>
+                </a:fillRef>
+                <a:effectRef idx="0">
+                  <a:schemeClr val="accent1"/>
+                </a:effectRef>
+                <a:fontRef idx="minor">
+                  <a:schemeClr val="lt1"/>
+                </a:fontRef>
+              </p:style>
+              <p:txBody>
+                <a:bodyPr rtlCol="0" anchor="ctr"/>
+                <a:lstStyle/>
+                <a:p>
+                  <a:pPr algn="ctr"/>
+                  <a:endParaRPr lang="zh-CN" altLang="en-US"/>
+                </a:p>
+              </p:txBody>
+            </p:sp>
+          </p:grpSp>
+          <p:grpSp>
+            <p:nvGrpSpPr>
+              <p:cNvPr id="103" name="组合 102">
+                <a:extLst>
+                  <a:ext uri="{FF2B5EF4-FFF2-40B4-BE49-F238E27FC236}">
+                    <a16:creationId xmlns:a16="http://schemas.microsoft.com/office/drawing/2014/main" id="{777B7E1C-3E95-40B6-B9BD-740F093BAABA}"/>
+                  </a:ext>
+                </a:extLst>
+              </p:cNvPr>
+              <p:cNvGrpSpPr/>
+              <p:nvPr/>
+            </p:nvGrpSpPr>
+            <p:grpSpPr>
+              <a:xfrm>
+                <a:off x="1482277" y="1537027"/>
+                <a:ext cx="487614" cy="664962"/>
+                <a:chOff x="2755165" y="3369138"/>
+                <a:chExt cx="487614" cy="664962"/>
+              </a:xfrm>
+            </p:grpSpPr>
+            <p:cxnSp>
+              <p:nvCxnSpPr>
+                <p:cNvPr id="104" name="直接连接符 103">
+                  <a:extLst>
+                    <a:ext uri="{FF2B5EF4-FFF2-40B4-BE49-F238E27FC236}">
+                      <a16:creationId xmlns:a16="http://schemas.microsoft.com/office/drawing/2014/main" id="{C2153378-5494-47D0-A1B3-18AD96DBEB23}"/>
+                    </a:ext>
+                  </a:extLst>
+                </p:cNvPr>
+                <p:cNvCxnSpPr>
+                  <a:cxnSpLocks/>
+                </p:cNvCxnSpPr>
+                <p:nvPr/>
+              </p:nvCxnSpPr>
+              <p:spPr>
+                <a:xfrm>
+                  <a:off x="2998972" y="3369138"/>
+                  <a:ext cx="0" cy="664962"/>
+                </a:xfrm>
+                <a:prstGeom prst="line">
+                  <a:avLst/>
+                </a:prstGeom>
+              </p:spPr>
+              <p:style>
+                <a:lnRef idx="1">
+                  <a:schemeClr val="accent1"/>
+                </a:lnRef>
+                <a:fillRef idx="0">
+                  <a:schemeClr val="accent1"/>
+                </a:fillRef>
+                <a:effectRef idx="0">
+                  <a:schemeClr val="accent1"/>
+                </a:effectRef>
+                <a:fontRef idx="minor">
+                  <a:schemeClr val="tx1"/>
+                </a:fontRef>
+              </p:style>
+            </p:cxnSp>
+            <p:sp>
+              <p:nvSpPr>
+                <p:cNvPr id="106" name="矩形 105">
+                  <a:extLst>
+                    <a:ext uri="{FF2B5EF4-FFF2-40B4-BE49-F238E27FC236}">
+                      <a16:creationId xmlns:a16="http://schemas.microsoft.com/office/drawing/2014/main" id="{1111FF34-31BB-4DDC-826E-B1EE90D65D94}"/>
+                    </a:ext>
+                  </a:extLst>
+                </p:cNvPr>
+                <p:cNvSpPr/>
+                <p:nvPr/>
+              </p:nvSpPr>
+              <p:spPr>
+                <a:xfrm>
+                  <a:off x="2755165" y="3369138"/>
+                  <a:ext cx="487614" cy="234976"/>
+                </a:xfrm>
+                <a:prstGeom prst="rect">
+                  <a:avLst/>
+                </a:prstGeom>
+                <a:solidFill>
+                  <a:srgbClr val="00B050"/>
+                </a:solidFill>
+              </p:spPr>
+              <p:style>
+                <a:lnRef idx="2">
+                  <a:schemeClr val="accent1">
+                    <a:shade val="50000"/>
+                  </a:schemeClr>
+                </a:lnRef>
+                <a:fillRef idx="1">
+                  <a:schemeClr val="accent1"/>
+                </a:fillRef>
+                <a:effectRef idx="0">
+                  <a:schemeClr val="accent1"/>
+                </a:effectRef>
+                <a:fontRef idx="minor">
+                  <a:schemeClr val="lt1"/>
+                </a:fontRef>
+              </p:style>
+              <p:txBody>
+                <a:bodyPr rtlCol="0" anchor="ctr"/>
+                <a:lstStyle/>
+                <a:p>
+                  <a:pPr algn="ctr"/>
+                  <a:endParaRPr lang="zh-CN" altLang="en-US"/>
+                </a:p>
+              </p:txBody>
+            </p:sp>
+          </p:grpSp>
+        </p:grpSp>
+        <p:cxnSp>
+          <p:nvCxnSpPr>
+            <p:cNvPr id="11" name="直接连接符 10">
+              <a:extLst>
+                <a:ext uri="{FF2B5EF4-FFF2-40B4-BE49-F238E27FC236}">
+                  <a16:creationId xmlns:a16="http://schemas.microsoft.com/office/drawing/2014/main" id="{50DCAB19-CEEA-4AA8-8ECA-C8EC110045B6}"/>
+                </a:ext>
+              </a:extLst>
+            </p:cNvPr>
+            <p:cNvCxnSpPr/>
+            <p:nvPr/>
+          </p:nvCxnSpPr>
+          <p:spPr>
+            <a:xfrm>
+              <a:off x="5554088" y="4286726"/>
+              <a:ext cx="1259037" cy="0"/>
+            </a:xfrm>
+            <a:prstGeom prst="line">
+              <a:avLst/>
+            </a:prstGeom>
+          </p:spPr>
+          <p:style>
+            <a:lnRef idx="1">
+              <a:schemeClr val="accent1"/>
+            </a:lnRef>
+            <a:fillRef idx="0">
+              <a:schemeClr val="accent1"/>
+            </a:fillRef>
+            <a:effectRef idx="0">
+              <a:schemeClr val="accent1"/>
+            </a:effectRef>
+            <a:fontRef idx="minor">
+              <a:schemeClr val="tx1"/>
+            </a:fontRef>
+          </p:style>
+        </p:cxnSp>
+      </p:grpSp>
+      <p:sp>
+        <p:nvSpPr>
+          <p:cNvPr id="118" name="文本框 117">
+            <a:extLst>
+              <a:ext uri="{FF2B5EF4-FFF2-40B4-BE49-F238E27FC236}">
+                <a16:creationId xmlns:a16="http://schemas.microsoft.com/office/drawing/2014/main" id="{23F36B4E-C750-4997-89E1-7DBD8AA7716A}"/>
+              </a:ext>
+            </a:extLst>
+          </p:cNvPr>
+          <p:cNvSpPr txBox="1"/>
+          <p:nvPr/>
+        </p:nvSpPr>
+        <p:spPr>
+          <a:xfrm>
+            <a:off x="5573845" y="4600981"/>
+            <a:ext cx="1450975" cy="369332"/>
+          </a:xfrm>
+          <a:prstGeom prst="rect">
+            <a:avLst/>
+          </a:prstGeom>
+          <a:noFill/>
+        </p:spPr>
+        <p:txBody>
+          <a:bodyPr wrap="square" rtlCol="0">
+            <a:spAutoFit/>
+          </a:bodyPr>
+          <a:lstStyle/>
+          <a:p>
+            <a:r>
+              <a:rPr lang="en-US" altLang="zh-CN" dirty="0"/>
+              <a:t>8</a:t>
+            </a:r>
+            <a:r>
+              <a:rPr lang="zh-CN" altLang="en-US" dirty="0"/>
+              <a:t>平底</a:t>
+            </a:r>
+          </a:p>
+        </p:txBody>
+      </p:sp>
+      <p:grpSp>
+        <p:nvGrpSpPr>
+          <p:cNvPr id="14" name="组合 13">
+            <a:extLst>
+              <a:ext uri="{FF2B5EF4-FFF2-40B4-BE49-F238E27FC236}">
+                <a16:creationId xmlns:a16="http://schemas.microsoft.com/office/drawing/2014/main" id="{C371DA91-7DC2-4660-A9E1-4E45A3FB0228}"/>
+              </a:ext>
+            </a:extLst>
+          </p:cNvPr>
+          <p:cNvGrpSpPr/>
+          <p:nvPr/>
+        </p:nvGrpSpPr>
+        <p:grpSpPr>
+          <a:xfrm>
+            <a:off x="7456581" y="3048909"/>
+            <a:ext cx="3817301" cy="1588195"/>
+            <a:chOff x="7483323" y="3382118"/>
+            <a:chExt cx="3817301" cy="1588195"/>
+          </a:xfrm>
+        </p:grpSpPr>
+        <p:sp>
+          <p:nvSpPr>
+            <p:cNvPr id="130" name="矩形 129">
+              <a:extLst>
+                <a:ext uri="{FF2B5EF4-FFF2-40B4-BE49-F238E27FC236}">
+                  <a16:creationId xmlns:a16="http://schemas.microsoft.com/office/drawing/2014/main" id="{AE55B9D9-E564-42AB-8CDD-FB81417E68E9}"/>
+                </a:ext>
+              </a:extLst>
+            </p:cNvPr>
+            <p:cNvSpPr/>
+            <p:nvPr/>
+          </p:nvSpPr>
+          <p:spPr>
+            <a:xfrm>
+              <a:off x="7483323" y="3382118"/>
+              <a:ext cx="3817301" cy="1588195"/>
+            </a:xfrm>
+            <a:prstGeom prst="rect">
+              <a:avLst/>
+            </a:prstGeom>
+            <a:solidFill>
+              <a:schemeClr val="bg1"/>
+            </a:solidFill>
+          </p:spPr>
+          <p:style>
+            <a:lnRef idx="2">
+              <a:schemeClr val="accent1">
+                <a:shade val="50000"/>
+              </a:schemeClr>
+            </a:lnRef>
+            <a:fillRef idx="1">
+              <a:schemeClr val="accent1"/>
+            </a:fillRef>
+            <a:effectRef idx="0">
+              <a:schemeClr val="accent1"/>
+            </a:effectRef>
+            <a:fontRef idx="minor">
+              <a:schemeClr val="lt1"/>
+            </a:fontRef>
+          </p:style>
+          <p:txBody>
+            <a:bodyPr rtlCol="0" anchor="ctr"/>
+            <a:lstStyle/>
+            <a:p>
+              <a:pPr algn="ctr"/>
+              <a:endParaRPr lang="zh-CN" altLang="en-US"/>
+            </a:p>
+          </p:txBody>
+        </p:sp>
+        <p:sp>
+          <p:nvSpPr>
+            <p:cNvPr id="146" name="矩形 145">
+              <a:extLst>
+                <a:ext uri="{FF2B5EF4-FFF2-40B4-BE49-F238E27FC236}">
+                  <a16:creationId xmlns:a16="http://schemas.microsoft.com/office/drawing/2014/main" id="{477B77F6-8F4F-4252-A805-32EA35813E0E}"/>
+                </a:ext>
+              </a:extLst>
+            </p:cNvPr>
+            <p:cNvSpPr/>
+            <p:nvPr/>
+          </p:nvSpPr>
+          <p:spPr>
+            <a:xfrm>
+              <a:off x="7763119" y="3739252"/>
+              <a:ext cx="487614" cy="663194"/>
+            </a:xfrm>
+            <a:prstGeom prst="rect">
+              <a:avLst/>
+            </a:prstGeom>
+            <a:solidFill>
+              <a:srgbClr val="00B050"/>
+            </a:solidFill>
+          </p:spPr>
+          <p:style>
+            <a:lnRef idx="2">
+              <a:schemeClr val="accent1">
+                <a:shade val="50000"/>
+              </a:schemeClr>
+            </a:lnRef>
+            <a:fillRef idx="1">
+              <a:schemeClr val="accent1"/>
+            </a:fillRef>
+            <a:effectRef idx="0">
+              <a:schemeClr val="accent1"/>
+            </a:effectRef>
+            <a:fontRef idx="minor">
+              <a:schemeClr val="lt1"/>
+            </a:fontRef>
+          </p:style>
+          <p:txBody>
+            <a:bodyPr rtlCol="0" anchor="ctr"/>
+            <a:lstStyle/>
+            <a:p>
+              <a:pPr algn="ctr"/>
+              <a:endParaRPr lang="zh-CN" altLang="en-US"/>
+            </a:p>
+          </p:txBody>
+        </p:sp>
+        <p:sp>
+          <p:nvSpPr>
+            <p:cNvPr id="147" name="矩形 146">
+              <a:extLst>
+                <a:ext uri="{FF2B5EF4-FFF2-40B4-BE49-F238E27FC236}">
+                  <a16:creationId xmlns:a16="http://schemas.microsoft.com/office/drawing/2014/main" id="{250E6E54-661A-4D2E-B333-BBB172524BCC}"/>
+                </a:ext>
+              </a:extLst>
+            </p:cNvPr>
+            <p:cNvSpPr/>
+            <p:nvPr/>
+          </p:nvSpPr>
+          <p:spPr>
+            <a:xfrm>
+              <a:off x="10584904" y="3780027"/>
+              <a:ext cx="487614" cy="663194"/>
+            </a:xfrm>
+            <a:prstGeom prst="rect">
+              <a:avLst/>
+            </a:prstGeom>
+            <a:solidFill>
+              <a:srgbClr val="FF0000"/>
+            </a:solidFill>
+          </p:spPr>
+          <p:style>
+            <a:lnRef idx="2">
+              <a:schemeClr val="accent1">
+                <a:shade val="50000"/>
+              </a:schemeClr>
+            </a:lnRef>
+            <a:fillRef idx="1">
+              <a:schemeClr val="accent1"/>
+            </a:fillRef>
+            <a:effectRef idx="0">
+              <a:schemeClr val="accent1"/>
+            </a:effectRef>
+            <a:fontRef idx="minor">
+              <a:schemeClr val="lt1"/>
+            </a:fontRef>
+          </p:style>
+          <p:txBody>
+            <a:bodyPr rtlCol="0" anchor="ctr"/>
+            <a:lstStyle/>
+            <a:p>
+              <a:pPr algn="ctr"/>
+              <a:endParaRPr lang="zh-CN" altLang="en-US"/>
+            </a:p>
+          </p:txBody>
+        </p:sp>
+        <p:sp>
+          <p:nvSpPr>
+            <p:cNvPr id="148" name="矩形 147">
+              <a:extLst>
+                <a:ext uri="{FF2B5EF4-FFF2-40B4-BE49-F238E27FC236}">
+                  <a16:creationId xmlns:a16="http://schemas.microsoft.com/office/drawing/2014/main" id="{91A8423C-ABA7-45C0-978B-2C310B1E38A2}"/>
+                </a:ext>
+              </a:extLst>
+            </p:cNvPr>
+            <p:cNvSpPr/>
+            <p:nvPr/>
+          </p:nvSpPr>
+          <p:spPr>
+            <a:xfrm>
+              <a:off x="8891833" y="4286726"/>
+              <a:ext cx="487614" cy="131121"/>
+            </a:xfrm>
+            <a:prstGeom prst="rect">
+              <a:avLst/>
+            </a:prstGeom>
+            <a:solidFill>
+              <a:srgbClr val="FF0000"/>
+            </a:solidFill>
+          </p:spPr>
+          <p:style>
+            <a:lnRef idx="2">
+              <a:schemeClr val="accent1">
+                <a:shade val="50000"/>
+              </a:schemeClr>
+            </a:lnRef>
+            <a:fillRef idx="1">
+              <a:schemeClr val="accent1"/>
+            </a:fillRef>
+            <a:effectRef idx="0">
+              <a:schemeClr val="accent1"/>
+            </a:effectRef>
+            <a:fontRef idx="minor">
+              <a:schemeClr val="lt1"/>
+            </a:fontRef>
+          </p:style>
+          <p:txBody>
+            <a:bodyPr rtlCol="0" anchor="ctr"/>
+            <a:lstStyle/>
+            <a:p>
+              <a:pPr algn="ctr"/>
+              <a:endParaRPr lang="zh-CN" altLang="en-US"/>
+            </a:p>
+          </p:txBody>
+        </p:sp>
+        <p:sp>
+          <p:nvSpPr>
+            <p:cNvPr id="149" name="矩形 148">
+              <a:extLst>
+                <a:ext uri="{FF2B5EF4-FFF2-40B4-BE49-F238E27FC236}">
+                  <a16:creationId xmlns:a16="http://schemas.microsoft.com/office/drawing/2014/main" id="{75F23628-DA1C-4EB1-A4EE-77C64EC6ED89}"/>
+                </a:ext>
+              </a:extLst>
+            </p:cNvPr>
+            <p:cNvSpPr/>
+            <p:nvPr/>
+          </p:nvSpPr>
+          <p:spPr>
+            <a:xfrm>
+              <a:off x="8327476" y="4369086"/>
+              <a:ext cx="487614" cy="93093"/>
+            </a:xfrm>
+            <a:prstGeom prst="rect">
+              <a:avLst/>
+            </a:prstGeom>
+            <a:solidFill>
+              <a:srgbClr val="00B050"/>
+            </a:solidFill>
+          </p:spPr>
+          <p:style>
+            <a:lnRef idx="2">
+              <a:schemeClr val="accent1">
+                <a:shade val="50000"/>
+              </a:schemeClr>
+            </a:lnRef>
+            <a:fillRef idx="1">
+              <a:schemeClr val="accent1"/>
+            </a:fillRef>
+            <a:effectRef idx="0">
+              <a:schemeClr val="accent1"/>
+            </a:effectRef>
+            <a:fontRef idx="minor">
+              <a:schemeClr val="lt1"/>
+            </a:fontRef>
+          </p:style>
+          <p:txBody>
+            <a:bodyPr rtlCol="0" anchor="ctr"/>
+            <a:lstStyle/>
+            <a:p>
+              <a:pPr algn="ctr"/>
+              <a:endParaRPr lang="zh-CN" altLang="en-US"/>
+            </a:p>
+          </p:txBody>
+        </p:sp>
+        <p:sp>
+          <p:nvSpPr>
+            <p:cNvPr id="150" name="矩形 149">
+              <a:extLst>
+                <a:ext uri="{FF2B5EF4-FFF2-40B4-BE49-F238E27FC236}">
+                  <a16:creationId xmlns:a16="http://schemas.microsoft.com/office/drawing/2014/main" id="{751AC57B-73F0-478F-B76D-E9FD0D6672B6}"/>
+                </a:ext>
+              </a:extLst>
+            </p:cNvPr>
+            <p:cNvSpPr/>
+            <p:nvPr/>
+          </p:nvSpPr>
+          <p:spPr>
+            <a:xfrm>
+              <a:off x="9456190" y="4200570"/>
+              <a:ext cx="487614" cy="261183"/>
+            </a:xfrm>
+            <a:prstGeom prst="rect">
+              <a:avLst/>
+            </a:prstGeom>
+            <a:solidFill>
+              <a:srgbClr val="00B050"/>
+            </a:solidFill>
+          </p:spPr>
+          <p:style>
+            <a:lnRef idx="2">
+              <a:schemeClr val="accent1">
+                <a:shade val="50000"/>
+              </a:schemeClr>
+            </a:lnRef>
+            <a:fillRef idx="1">
+              <a:schemeClr val="accent1"/>
+            </a:fillRef>
+            <a:effectRef idx="0">
+              <a:schemeClr val="accent1"/>
+            </a:effectRef>
+            <a:fontRef idx="minor">
+              <a:schemeClr val="lt1"/>
+            </a:fontRef>
+          </p:style>
+          <p:txBody>
+            <a:bodyPr rtlCol="0" anchor="ctr"/>
+            <a:lstStyle/>
+            <a:p>
+              <a:pPr algn="ctr"/>
+              <a:endParaRPr lang="zh-CN" altLang="en-US"/>
+            </a:p>
+          </p:txBody>
+        </p:sp>
+        <p:sp>
+          <p:nvSpPr>
+            <p:cNvPr id="151" name="矩形 150">
+              <a:extLst>
+                <a:ext uri="{FF2B5EF4-FFF2-40B4-BE49-F238E27FC236}">
+                  <a16:creationId xmlns:a16="http://schemas.microsoft.com/office/drawing/2014/main" id="{A5A42803-2633-49F9-BA8F-6F11E48EDC83}"/>
+                </a:ext>
+              </a:extLst>
+            </p:cNvPr>
+            <p:cNvSpPr/>
+            <p:nvPr/>
+          </p:nvSpPr>
+          <p:spPr>
+            <a:xfrm>
+              <a:off x="10020547" y="4200571"/>
+              <a:ext cx="487614" cy="201876"/>
+            </a:xfrm>
+            <a:prstGeom prst="rect">
+              <a:avLst/>
+            </a:prstGeom>
+            <a:solidFill>
+              <a:srgbClr val="FF0000"/>
+            </a:solidFill>
+          </p:spPr>
+          <p:style>
+            <a:lnRef idx="2">
+              <a:schemeClr val="accent1">
+                <a:shade val="50000"/>
+              </a:schemeClr>
+            </a:lnRef>
+            <a:fillRef idx="1">
+              <a:schemeClr val="accent1"/>
+            </a:fillRef>
+            <a:effectRef idx="0">
+              <a:schemeClr val="accent1"/>
+            </a:effectRef>
+            <a:fontRef idx="minor">
+              <a:schemeClr val="lt1"/>
+            </a:fontRef>
+          </p:style>
+          <p:txBody>
+            <a:bodyPr rtlCol="0" anchor="ctr"/>
+            <a:lstStyle/>
+            <a:p>
+              <a:pPr algn="ctr"/>
+              <a:endParaRPr lang="zh-CN" altLang="en-US"/>
+            </a:p>
+          </p:txBody>
+        </p:sp>
+      </p:grpSp>
+      <p:sp>
+        <p:nvSpPr>
+          <p:cNvPr id="152" name="文本框 151">
+            <a:extLst>
+              <a:ext uri="{FF2B5EF4-FFF2-40B4-BE49-F238E27FC236}">
+                <a16:creationId xmlns:a16="http://schemas.microsoft.com/office/drawing/2014/main" id="{7A2471EE-9DBF-4C12-8DEE-A34E71F27969}"/>
+              </a:ext>
+            </a:extLst>
+          </p:cNvPr>
+          <p:cNvSpPr txBox="1"/>
+          <p:nvPr/>
+        </p:nvSpPr>
+        <p:spPr>
+          <a:xfrm>
+            <a:off x="8788348" y="4774754"/>
+            <a:ext cx="1450975" cy="369332"/>
+          </a:xfrm>
+          <a:prstGeom prst="rect">
+            <a:avLst/>
+          </a:prstGeom>
+          <a:noFill/>
+        </p:spPr>
+        <p:txBody>
+          <a:bodyPr wrap="square" rtlCol="0">
+            <a:spAutoFit/>
+          </a:bodyPr>
+          <a:lstStyle/>
+          <a:p>
+            <a:r>
+              <a:rPr lang="en-US" altLang="zh-CN" dirty="0"/>
+              <a:t>9</a:t>
+            </a:r>
+            <a:r>
+              <a:rPr lang="zh-CN" altLang="en-US" dirty="0"/>
+              <a:t>塔形底</a:t>
+            </a:r>
+          </a:p>
+        </p:txBody>
+      </p:sp>
     </p:spTree>
     <p:extLst>
       <p:ext uri="{BB962C8B-B14F-4D97-AF65-F5344CB8AC3E}">
         <p14:creationId xmlns:p14="http://schemas.microsoft.com/office/powerpoint/2010/main" val="2166397681"/>
+      </p:ext>
+    </p:extLst>
+  </p:cSld>
+  <p:clrMapOvr>
+    <a:masterClrMapping/>
+  </p:clrMapOvr>
+</p:sld>
+</file>
+
+<file path=ppt/slides/slide4.xml><?xml version="1.0" encoding="utf-8"?>
+<p:sld xmlns:a="http://schemas.openxmlformats.org/drawingml/2006/main" xmlns:r="http://schemas.openxmlformats.org/officeDocument/2006/relationships" xmlns:p="http://schemas.openxmlformats.org/presentationml/2006/main">
+  <p:cSld>
+    <p:spTree>
+      <p:nvGrpSpPr>
+        <p:cNvPr id="1" name=""/>
+        <p:cNvGrpSpPr/>
+        <p:nvPr/>
+      </p:nvGrpSpPr>
+      <p:grpSpPr>
+        <a:xfrm>
+          <a:off x="0" y="0"/>
+          <a:ext cx="0" cy="0"/>
+          <a:chOff x="0" y="0"/>
+          <a:chExt cx="0" cy="0"/>
+        </a:xfrm>
+      </p:grpSpPr>
+      <p:sp>
+        <p:nvSpPr>
+          <p:cNvPr id="12" name="文本框 11">
+            <a:extLst>
+              <a:ext uri="{FF2B5EF4-FFF2-40B4-BE49-F238E27FC236}">
+                <a16:creationId xmlns:a16="http://schemas.microsoft.com/office/drawing/2014/main" id="{D88BCD8E-2165-4FF9-B6EB-E186F4B84237}"/>
+              </a:ext>
+            </a:extLst>
+          </p:cNvPr>
+          <p:cNvSpPr txBox="1"/>
+          <p:nvPr/>
+        </p:nvSpPr>
+        <p:spPr>
+          <a:xfrm>
+            <a:off x="1841138" y="1970222"/>
+            <a:ext cx="1450975" cy="369332"/>
+          </a:xfrm>
+          <a:prstGeom prst="rect">
+            <a:avLst/>
+          </a:prstGeom>
+          <a:noFill/>
+        </p:spPr>
+        <p:txBody>
+          <a:bodyPr wrap="square" rtlCol="0">
+            <a:spAutoFit/>
+          </a:bodyPr>
+          <a:lstStyle/>
+          <a:p>
+            <a:r>
+              <a:rPr lang="en-US" altLang="zh-CN" dirty="0"/>
+              <a:t>10</a:t>
+            </a:r>
+            <a:r>
+              <a:rPr lang="zh-CN" altLang="en-US" dirty="0"/>
+              <a:t>圆形底</a:t>
+            </a:r>
+          </a:p>
+        </p:txBody>
+      </p:sp>
+      <p:grpSp>
+        <p:nvGrpSpPr>
+          <p:cNvPr id="22" name="组合 21">
+            <a:extLst>
+              <a:ext uri="{FF2B5EF4-FFF2-40B4-BE49-F238E27FC236}">
+                <a16:creationId xmlns:a16="http://schemas.microsoft.com/office/drawing/2014/main" id="{647E32B5-A7DA-4D2A-BBDD-8D44B0414FDC}"/>
+              </a:ext>
+            </a:extLst>
+          </p:cNvPr>
+          <p:cNvGrpSpPr/>
+          <p:nvPr/>
+        </p:nvGrpSpPr>
+        <p:grpSpPr>
+          <a:xfrm>
+            <a:off x="509371" y="244377"/>
+            <a:ext cx="3817301" cy="1588195"/>
+            <a:chOff x="509371" y="244377"/>
+            <a:chExt cx="3817301" cy="1588195"/>
+          </a:xfrm>
+        </p:grpSpPr>
+        <p:grpSp>
+          <p:nvGrpSpPr>
+            <p:cNvPr id="4" name="组合 3">
+              <a:extLst>
+                <a:ext uri="{FF2B5EF4-FFF2-40B4-BE49-F238E27FC236}">
+                  <a16:creationId xmlns:a16="http://schemas.microsoft.com/office/drawing/2014/main" id="{ADCF17CE-A0EA-4011-BAA5-C486C6188E8E}"/>
+                </a:ext>
+              </a:extLst>
+            </p:cNvPr>
+            <p:cNvGrpSpPr/>
+            <p:nvPr/>
+          </p:nvGrpSpPr>
+          <p:grpSpPr>
+            <a:xfrm>
+              <a:off x="509371" y="244377"/>
+              <a:ext cx="3817301" cy="1588195"/>
+              <a:chOff x="7483323" y="3382118"/>
+              <a:chExt cx="3817301" cy="1588195"/>
+            </a:xfrm>
+          </p:grpSpPr>
+          <p:sp>
+            <p:nvSpPr>
+              <p:cNvPr id="5" name="矩形 4">
+                <a:extLst>
+                  <a:ext uri="{FF2B5EF4-FFF2-40B4-BE49-F238E27FC236}">
+                    <a16:creationId xmlns:a16="http://schemas.microsoft.com/office/drawing/2014/main" id="{978EB123-FE8D-45E6-B959-48206A8335FF}"/>
+                  </a:ext>
+                </a:extLst>
+              </p:cNvPr>
+              <p:cNvSpPr/>
+              <p:nvPr/>
+            </p:nvSpPr>
+            <p:spPr>
+              <a:xfrm>
+                <a:off x="7483323" y="3382118"/>
+                <a:ext cx="3817301" cy="1588195"/>
+              </a:xfrm>
+              <a:prstGeom prst="rect">
+                <a:avLst/>
+              </a:prstGeom>
+              <a:solidFill>
+                <a:schemeClr val="bg1"/>
+              </a:solidFill>
+            </p:spPr>
+            <p:style>
+              <a:lnRef idx="2">
+                <a:schemeClr val="accent1">
+                  <a:shade val="50000"/>
+                </a:schemeClr>
+              </a:lnRef>
+              <a:fillRef idx="1">
+                <a:schemeClr val="accent1"/>
+              </a:fillRef>
+              <a:effectRef idx="0">
+                <a:schemeClr val="accent1"/>
+              </a:effectRef>
+              <a:fontRef idx="minor">
+                <a:schemeClr val="lt1"/>
+              </a:fontRef>
+            </p:style>
+            <p:txBody>
+              <a:bodyPr rtlCol="0" anchor="ctr"/>
+              <a:lstStyle/>
+              <a:p>
+                <a:pPr algn="ctr"/>
+                <a:endParaRPr lang="zh-CN" altLang="en-US"/>
+              </a:p>
+            </p:txBody>
+          </p:sp>
+          <p:sp>
+            <p:nvSpPr>
+              <p:cNvPr id="6" name="矩形 5">
+                <a:extLst>
+                  <a:ext uri="{FF2B5EF4-FFF2-40B4-BE49-F238E27FC236}">
+                    <a16:creationId xmlns:a16="http://schemas.microsoft.com/office/drawing/2014/main" id="{6B7E362E-80FA-4272-83FA-9696FF1C9741}"/>
+                  </a:ext>
+                </a:extLst>
+              </p:cNvPr>
+              <p:cNvSpPr/>
+              <p:nvPr/>
+            </p:nvSpPr>
+            <p:spPr>
+              <a:xfrm>
+                <a:off x="7763119" y="3739252"/>
+                <a:ext cx="487614" cy="663194"/>
+              </a:xfrm>
+              <a:prstGeom prst="rect">
+                <a:avLst/>
+              </a:prstGeom>
+              <a:solidFill>
+                <a:srgbClr val="00B050"/>
+              </a:solidFill>
+            </p:spPr>
+            <p:style>
+              <a:lnRef idx="2">
+                <a:schemeClr val="accent1">
+                  <a:shade val="50000"/>
+                </a:schemeClr>
+              </a:lnRef>
+              <a:fillRef idx="1">
+                <a:schemeClr val="accent1"/>
+              </a:fillRef>
+              <a:effectRef idx="0">
+                <a:schemeClr val="accent1"/>
+              </a:effectRef>
+              <a:fontRef idx="minor">
+                <a:schemeClr val="lt1"/>
+              </a:fontRef>
+            </p:style>
+            <p:txBody>
+              <a:bodyPr rtlCol="0" anchor="ctr"/>
+              <a:lstStyle/>
+              <a:p>
+                <a:pPr algn="ctr"/>
+                <a:endParaRPr lang="zh-CN" altLang="en-US"/>
+              </a:p>
+            </p:txBody>
+          </p:sp>
+          <p:sp>
+            <p:nvSpPr>
+              <p:cNvPr id="7" name="矩形 6">
+                <a:extLst>
+                  <a:ext uri="{FF2B5EF4-FFF2-40B4-BE49-F238E27FC236}">
+                    <a16:creationId xmlns:a16="http://schemas.microsoft.com/office/drawing/2014/main" id="{AFE711AE-6317-42BF-83F6-17804F3DBB0F}"/>
+                  </a:ext>
+                </a:extLst>
+              </p:cNvPr>
+              <p:cNvSpPr/>
+              <p:nvPr/>
+            </p:nvSpPr>
+            <p:spPr>
+              <a:xfrm>
+                <a:off x="10607575" y="3513021"/>
+                <a:ext cx="487614" cy="663194"/>
+              </a:xfrm>
+              <a:prstGeom prst="rect">
+                <a:avLst/>
+              </a:prstGeom>
+              <a:solidFill>
+                <a:srgbClr val="FF0000"/>
+              </a:solidFill>
+            </p:spPr>
+            <p:style>
+              <a:lnRef idx="2">
+                <a:schemeClr val="accent1">
+                  <a:shade val="50000"/>
+                </a:schemeClr>
+              </a:lnRef>
+              <a:fillRef idx="1">
+                <a:schemeClr val="accent1"/>
+              </a:fillRef>
+              <a:effectRef idx="0">
+                <a:schemeClr val="accent1"/>
+              </a:effectRef>
+              <a:fontRef idx="minor">
+                <a:schemeClr val="lt1"/>
+              </a:fontRef>
+            </p:style>
+            <p:txBody>
+              <a:bodyPr rtlCol="0" anchor="ctr"/>
+              <a:lstStyle/>
+              <a:p>
+                <a:pPr algn="ctr"/>
+                <a:endParaRPr lang="zh-CN" altLang="en-US"/>
+              </a:p>
+            </p:txBody>
+          </p:sp>
+          <p:sp>
+            <p:nvSpPr>
+              <p:cNvPr id="8" name="矩形 7">
+                <a:extLst>
+                  <a:ext uri="{FF2B5EF4-FFF2-40B4-BE49-F238E27FC236}">
+                    <a16:creationId xmlns:a16="http://schemas.microsoft.com/office/drawing/2014/main" id="{5483A88B-3986-481C-A701-2D4F130DDA7E}"/>
+                  </a:ext>
+                </a:extLst>
+              </p:cNvPr>
+              <p:cNvSpPr/>
+              <p:nvPr/>
+            </p:nvSpPr>
+            <p:spPr>
+              <a:xfrm>
+                <a:off x="8900901" y="4580514"/>
+                <a:ext cx="487614" cy="198437"/>
+              </a:xfrm>
+              <a:prstGeom prst="rect">
+                <a:avLst/>
+              </a:prstGeom>
+              <a:solidFill>
+                <a:srgbClr val="FF0000"/>
+              </a:solidFill>
+            </p:spPr>
+            <p:style>
+              <a:lnRef idx="2">
+                <a:schemeClr val="accent1">
+                  <a:shade val="50000"/>
+                </a:schemeClr>
+              </a:lnRef>
+              <a:fillRef idx="1">
+                <a:schemeClr val="accent1"/>
+              </a:fillRef>
+              <a:effectRef idx="0">
+                <a:schemeClr val="accent1"/>
+              </a:effectRef>
+              <a:fontRef idx="minor">
+                <a:schemeClr val="lt1"/>
+              </a:fontRef>
+            </p:style>
+            <p:txBody>
+              <a:bodyPr rtlCol="0" anchor="ctr"/>
+              <a:lstStyle/>
+              <a:p>
+                <a:pPr algn="ctr"/>
+                <a:endParaRPr lang="zh-CN" altLang="en-US"/>
+              </a:p>
+            </p:txBody>
+          </p:sp>
+          <p:sp>
+            <p:nvSpPr>
+              <p:cNvPr id="9" name="矩形 8">
+                <a:extLst>
+                  <a:ext uri="{FF2B5EF4-FFF2-40B4-BE49-F238E27FC236}">
+                    <a16:creationId xmlns:a16="http://schemas.microsoft.com/office/drawing/2014/main" id="{EE5E949B-D823-49CA-9278-F3BDFB2E16AF}"/>
+                  </a:ext>
+                </a:extLst>
+              </p:cNvPr>
+              <p:cNvSpPr/>
+              <p:nvPr/>
+            </p:nvSpPr>
+            <p:spPr>
+              <a:xfrm>
+                <a:off x="8332010" y="4280742"/>
+                <a:ext cx="487614" cy="262054"/>
+              </a:xfrm>
+              <a:prstGeom prst="rect">
+                <a:avLst/>
+              </a:prstGeom>
+              <a:solidFill>
+                <a:srgbClr val="00B050"/>
+              </a:solidFill>
+            </p:spPr>
+            <p:style>
+              <a:lnRef idx="2">
+                <a:schemeClr val="accent1">
+                  <a:shade val="50000"/>
+                </a:schemeClr>
+              </a:lnRef>
+              <a:fillRef idx="1">
+                <a:schemeClr val="accent1"/>
+              </a:fillRef>
+              <a:effectRef idx="0">
+                <a:schemeClr val="accent1"/>
+              </a:effectRef>
+              <a:fontRef idx="minor">
+                <a:schemeClr val="lt1"/>
+              </a:fontRef>
+            </p:style>
+            <p:txBody>
+              <a:bodyPr rtlCol="0" anchor="ctr"/>
+              <a:lstStyle/>
+              <a:p>
+                <a:pPr algn="ctr"/>
+                <a:endParaRPr lang="zh-CN" altLang="en-US"/>
+              </a:p>
+            </p:txBody>
+          </p:sp>
+          <p:sp>
+            <p:nvSpPr>
+              <p:cNvPr id="10" name="矩形 9">
+                <a:extLst>
+                  <a:ext uri="{FF2B5EF4-FFF2-40B4-BE49-F238E27FC236}">
+                    <a16:creationId xmlns:a16="http://schemas.microsoft.com/office/drawing/2014/main" id="{4BE17844-3D64-4100-B4BE-CBE57E161BD4}"/>
+                  </a:ext>
+                </a:extLst>
+              </p:cNvPr>
+              <p:cNvSpPr/>
+              <p:nvPr/>
+            </p:nvSpPr>
+            <p:spPr>
+              <a:xfrm>
+                <a:off x="9469792" y="4506023"/>
+                <a:ext cx="487614" cy="173709"/>
+              </a:xfrm>
+              <a:prstGeom prst="rect">
+                <a:avLst/>
+              </a:prstGeom>
+              <a:solidFill>
+                <a:srgbClr val="00B050"/>
+              </a:solidFill>
+            </p:spPr>
+            <p:style>
+              <a:lnRef idx="2">
+                <a:schemeClr val="accent1">
+                  <a:shade val="50000"/>
+                </a:schemeClr>
+              </a:lnRef>
+              <a:fillRef idx="1">
+                <a:schemeClr val="accent1"/>
+              </a:fillRef>
+              <a:effectRef idx="0">
+                <a:schemeClr val="accent1"/>
+              </a:effectRef>
+              <a:fontRef idx="minor">
+                <a:schemeClr val="lt1"/>
+              </a:fontRef>
+            </p:style>
+            <p:txBody>
+              <a:bodyPr rtlCol="0" anchor="ctr"/>
+              <a:lstStyle/>
+              <a:p>
+                <a:pPr algn="ctr"/>
+                <a:endParaRPr lang="zh-CN" altLang="en-US"/>
+              </a:p>
+            </p:txBody>
+          </p:sp>
+          <p:sp>
+            <p:nvSpPr>
+              <p:cNvPr id="11" name="矩形 10">
+                <a:extLst>
+                  <a:ext uri="{FF2B5EF4-FFF2-40B4-BE49-F238E27FC236}">
+                    <a16:creationId xmlns:a16="http://schemas.microsoft.com/office/drawing/2014/main" id="{49FCE237-7514-4548-ADF1-86338B6009A4}"/>
+                  </a:ext>
+                </a:extLst>
+              </p:cNvPr>
+              <p:cNvSpPr/>
+              <p:nvPr/>
+            </p:nvSpPr>
+            <p:spPr>
+              <a:xfrm>
+                <a:off x="10038683" y="4375851"/>
+                <a:ext cx="487614" cy="201876"/>
+              </a:xfrm>
+              <a:prstGeom prst="rect">
+                <a:avLst/>
+              </a:prstGeom>
+              <a:solidFill>
+                <a:srgbClr val="FF0000"/>
+              </a:solidFill>
+            </p:spPr>
+            <p:style>
+              <a:lnRef idx="2">
+                <a:schemeClr val="accent1">
+                  <a:shade val="50000"/>
+                </a:schemeClr>
+              </a:lnRef>
+              <a:fillRef idx="1">
+                <a:schemeClr val="accent1"/>
+              </a:fillRef>
+              <a:effectRef idx="0">
+                <a:schemeClr val="accent1"/>
+              </a:effectRef>
+              <a:fontRef idx="minor">
+                <a:schemeClr val="lt1"/>
+              </a:fontRef>
+            </p:style>
+            <p:txBody>
+              <a:bodyPr rtlCol="0" anchor="ctr"/>
+              <a:lstStyle/>
+              <a:p>
+                <a:pPr algn="ctr"/>
+                <a:endParaRPr lang="zh-CN" altLang="en-US"/>
+              </a:p>
+            </p:txBody>
+          </p:sp>
+        </p:grpSp>
+        <p:cxnSp>
+          <p:nvCxnSpPr>
+            <p:cNvPr id="14" name="直接连接符 13">
+              <a:extLst>
+                <a:ext uri="{FF2B5EF4-FFF2-40B4-BE49-F238E27FC236}">
+                  <a16:creationId xmlns:a16="http://schemas.microsoft.com/office/drawing/2014/main" id="{18EAF1FB-43C8-41A3-B5CC-7EA889CBD8BA}"/>
+                </a:ext>
+              </a:extLst>
+            </p:cNvPr>
+            <p:cNvCxnSpPr>
+              <a:cxnSpLocks/>
+              <a:endCxn id="5" idx="3"/>
+            </p:cNvCxnSpPr>
+            <p:nvPr/>
+          </p:nvCxnSpPr>
+          <p:spPr>
+            <a:xfrm>
+              <a:off x="2739646" y="1038474"/>
+              <a:ext cx="1587026" cy="1"/>
+            </a:xfrm>
+            <a:prstGeom prst="line">
+              <a:avLst/>
+            </a:prstGeom>
+            <a:ln w="12700">
+              <a:prstDash val="sysDash"/>
+            </a:ln>
+          </p:spPr>
+          <p:style>
+            <a:lnRef idx="1">
+              <a:schemeClr val="accent1"/>
+            </a:lnRef>
+            <a:fillRef idx="0">
+              <a:schemeClr val="accent1"/>
+            </a:fillRef>
+            <a:effectRef idx="0">
+              <a:schemeClr val="accent1"/>
+            </a:effectRef>
+            <a:fontRef idx="minor">
+              <a:schemeClr val="tx1"/>
+            </a:fontRef>
+          </p:style>
+        </p:cxnSp>
+        <p:cxnSp>
+          <p:nvCxnSpPr>
+            <p:cNvPr id="17" name="直接连接符 16">
+              <a:extLst>
+                <a:ext uri="{FF2B5EF4-FFF2-40B4-BE49-F238E27FC236}">
+                  <a16:creationId xmlns:a16="http://schemas.microsoft.com/office/drawing/2014/main" id="{04D6B22F-01E2-47C7-8E38-2E5AC81EF645}"/>
+                </a:ext>
+              </a:extLst>
+            </p:cNvPr>
+            <p:cNvCxnSpPr>
+              <a:cxnSpLocks/>
+            </p:cNvCxnSpPr>
+            <p:nvPr/>
+          </p:nvCxnSpPr>
+          <p:spPr>
+            <a:xfrm>
+              <a:off x="2739646" y="1238110"/>
+              <a:ext cx="1587026" cy="0"/>
+            </a:xfrm>
+            <a:prstGeom prst="line">
+              <a:avLst/>
+            </a:prstGeom>
+            <a:ln w="12700">
+              <a:prstDash val="sysDash"/>
+            </a:ln>
+          </p:spPr>
+          <p:style>
+            <a:lnRef idx="1">
+              <a:schemeClr val="accent1"/>
+            </a:lnRef>
+            <a:fillRef idx="0">
+              <a:schemeClr val="accent1"/>
+            </a:fillRef>
+            <a:effectRef idx="0">
+              <a:schemeClr val="accent1"/>
+            </a:effectRef>
+            <a:fontRef idx="minor">
+              <a:schemeClr val="tx1"/>
+            </a:fontRef>
+          </p:style>
+        </p:cxnSp>
+      </p:grpSp>
+    </p:spTree>
+    <p:extLst>
+      <p:ext uri="{BB962C8B-B14F-4D97-AF65-F5344CB8AC3E}">
+        <p14:creationId xmlns:p14="http://schemas.microsoft.com/office/powerpoint/2010/main" val="2822078660"/>
       </p:ext>
     </p:extLst>
   </p:cSld>

--- a/file/stock/K线图.pptx
+++ b/file/stock/K线图.pptx
@@ -262,7 +262,7 @@
           <a:p>
             <a:fld id="{B0E57C0B-0122-40D3-BBAC-3E87EF215052}" type="datetimeFigureOut">
               <a:rPr lang="zh-CN" altLang="en-US" smtClean="0"/>
-              <a:t>2022/4/9</a:t>
+              <a:t>2022/4/10</a:t>
             </a:fld>
             <a:endParaRPr lang="zh-CN" altLang="en-US"/>
           </a:p>
@@ -460,7 +460,7 @@
           <a:p>
             <a:fld id="{B0E57C0B-0122-40D3-BBAC-3E87EF215052}" type="datetimeFigureOut">
               <a:rPr lang="zh-CN" altLang="en-US" smtClean="0"/>
-              <a:t>2022/4/9</a:t>
+              <a:t>2022/4/10</a:t>
             </a:fld>
             <a:endParaRPr lang="zh-CN" altLang="en-US"/>
           </a:p>
@@ -668,7 +668,7 @@
           <a:p>
             <a:fld id="{B0E57C0B-0122-40D3-BBAC-3E87EF215052}" type="datetimeFigureOut">
               <a:rPr lang="zh-CN" altLang="en-US" smtClean="0"/>
-              <a:t>2022/4/9</a:t>
+              <a:t>2022/4/10</a:t>
             </a:fld>
             <a:endParaRPr lang="zh-CN" altLang="en-US"/>
           </a:p>
@@ -866,7 +866,7 @@
           <a:p>
             <a:fld id="{B0E57C0B-0122-40D3-BBAC-3E87EF215052}" type="datetimeFigureOut">
               <a:rPr lang="zh-CN" altLang="en-US" smtClean="0"/>
-              <a:t>2022/4/9</a:t>
+              <a:t>2022/4/10</a:t>
             </a:fld>
             <a:endParaRPr lang="zh-CN" altLang="en-US"/>
           </a:p>
@@ -1141,7 +1141,7 @@
           <a:p>
             <a:fld id="{B0E57C0B-0122-40D3-BBAC-3E87EF215052}" type="datetimeFigureOut">
               <a:rPr lang="zh-CN" altLang="en-US" smtClean="0"/>
-              <a:t>2022/4/9</a:t>
+              <a:t>2022/4/10</a:t>
             </a:fld>
             <a:endParaRPr lang="zh-CN" altLang="en-US"/>
           </a:p>
@@ -1406,7 +1406,7 @@
           <a:p>
             <a:fld id="{B0E57C0B-0122-40D3-BBAC-3E87EF215052}" type="datetimeFigureOut">
               <a:rPr lang="zh-CN" altLang="en-US" smtClean="0"/>
-              <a:t>2022/4/9</a:t>
+              <a:t>2022/4/10</a:t>
             </a:fld>
             <a:endParaRPr lang="zh-CN" altLang="en-US"/>
           </a:p>
@@ -1818,7 +1818,7 @@
           <a:p>
             <a:fld id="{B0E57C0B-0122-40D3-BBAC-3E87EF215052}" type="datetimeFigureOut">
               <a:rPr lang="zh-CN" altLang="en-US" smtClean="0"/>
-              <a:t>2022/4/9</a:t>
+              <a:t>2022/4/10</a:t>
             </a:fld>
             <a:endParaRPr lang="zh-CN" altLang="en-US"/>
           </a:p>
@@ -1959,7 +1959,7 @@
           <a:p>
             <a:fld id="{B0E57C0B-0122-40D3-BBAC-3E87EF215052}" type="datetimeFigureOut">
               <a:rPr lang="zh-CN" altLang="en-US" smtClean="0"/>
-              <a:t>2022/4/9</a:t>
+              <a:t>2022/4/10</a:t>
             </a:fld>
             <a:endParaRPr lang="zh-CN" altLang="en-US"/>
           </a:p>
@@ -2072,7 +2072,7 @@
           <a:p>
             <a:fld id="{B0E57C0B-0122-40D3-BBAC-3E87EF215052}" type="datetimeFigureOut">
               <a:rPr lang="zh-CN" altLang="en-US" smtClean="0"/>
-              <a:t>2022/4/9</a:t>
+              <a:t>2022/4/10</a:t>
             </a:fld>
             <a:endParaRPr lang="zh-CN" altLang="en-US"/>
           </a:p>
@@ -2383,7 +2383,7 @@
           <a:p>
             <a:fld id="{B0E57C0B-0122-40D3-BBAC-3E87EF215052}" type="datetimeFigureOut">
               <a:rPr lang="zh-CN" altLang="en-US" smtClean="0"/>
-              <a:t>2022/4/9</a:t>
+              <a:t>2022/4/10</a:t>
             </a:fld>
             <a:endParaRPr lang="zh-CN" altLang="en-US"/>
           </a:p>
@@ -2671,7 +2671,7 @@
           <a:p>
             <a:fld id="{B0E57C0B-0122-40D3-BBAC-3E87EF215052}" type="datetimeFigureOut">
               <a:rPr lang="zh-CN" altLang="en-US" smtClean="0"/>
-              <a:t>2022/4/9</a:t>
+              <a:t>2022/4/10</a:t>
             </a:fld>
             <a:endParaRPr lang="zh-CN" altLang="en-US"/>
           </a:p>
@@ -2912,7 +2912,7 @@
           <a:p>
             <a:fld id="{B0E57C0B-0122-40D3-BBAC-3E87EF215052}" type="datetimeFigureOut">
               <a:rPr lang="zh-CN" altLang="en-US" smtClean="0"/>
-              <a:t>2022/4/9</a:t>
+              <a:t>2022/4/10</a:t>
             </a:fld>
             <a:endParaRPr lang="zh-CN" altLang="en-US"/>
           </a:p>
@@ -10067,6 +10067,2700 @@
           </p:style>
         </p:cxnSp>
       </p:grpSp>
+      <p:sp>
+        <p:nvSpPr>
+          <p:cNvPr id="28" name="文本框 27">
+            <a:extLst>
+              <a:ext uri="{FF2B5EF4-FFF2-40B4-BE49-F238E27FC236}">
+                <a16:creationId xmlns:a16="http://schemas.microsoft.com/office/drawing/2014/main" id="{E2F17368-8823-479B-9060-12D27AFFC7ED}"/>
+              </a:ext>
+            </a:extLst>
+          </p:cNvPr>
+          <p:cNvSpPr txBox="1"/>
+          <p:nvPr/>
+        </p:nvSpPr>
+        <p:spPr>
+          <a:xfrm>
+            <a:off x="5448730" y="2106964"/>
+            <a:ext cx="1450975" cy="369332"/>
+          </a:xfrm>
+          <a:prstGeom prst="rect">
+            <a:avLst/>
+          </a:prstGeom>
+          <a:noFill/>
+        </p:spPr>
+        <p:txBody>
+          <a:bodyPr wrap="square" rtlCol="0">
+            <a:spAutoFit/>
+          </a:bodyPr>
+          <a:lstStyle/>
+          <a:p>
+            <a:r>
+              <a:rPr lang="en-US" altLang="zh-CN" dirty="0"/>
+              <a:t>11</a:t>
+            </a:r>
+            <a:r>
+              <a:rPr lang="zh-CN" altLang="en-US" dirty="0"/>
+              <a:t>旭日东升</a:t>
+            </a:r>
+          </a:p>
+        </p:txBody>
+      </p:sp>
+      <p:grpSp>
+        <p:nvGrpSpPr>
+          <p:cNvPr id="51" name="组合 50">
+            <a:extLst>
+              <a:ext uri="{FF2B5EF4-FFF2-40B4-BE49-F238E27FC236}">
+                <a16:creationId xmlns:a16="http://schemas.microsoft.com/office/drawing/2014/main" id="{3DE4F62F-BD93-41B4-91C0-9EAB222650EF}"/>
+              </a:ext>
+            </a:extLst>
+          </p:cNvPr>
+          <p:cNvGrpSpPr/>
+          <p:nvPr/>
+        </p:nvGrpSpPr>
+        <p:grpSpPr>
+          <a:xfrm>
+            <a:off x="5015214" y="209658"/>
+            <a:ext cx="2465281" cy="1866686"/>
+            <a:chOff x="5095414" y="2339554"/>
+            <a:chExt cx="2465281" cy="1866686"/>
+          </a:xfrm>
+        </p:grpSpPr>
+        <p:sp>
+          <p:nvSpPr>
+            <p:cNvPr id="20" name="矩形 19">
+              <a:extLst>
+                <a:ext uri="{FF2B5EF4-FFF2-40B4-BE49-F238E27FC236}">
+                  <a16:creationId xmlns:a16="http://schemas.microsoft.com/office/drawing/2014/main" id="{C7931942-10C4-4549-A601-CE6FF6AC212F}"/>
+                </a:ext>
+              </a:extLst>
+            </p:cNvPr>
+            <p:cNvSpPr/>
+            <p:nvPr/>
+          </p:nvSpPr>
+          <p:spPr>
+            <a:xfrm>
+              <a:off x="5095414" y="2339554"/>
+              <a:ext cx="2465281" cy="1866686"/>
+            </a:xfrm>
+            <a:prstGeom prst="rect">
+              <a:avLst/>
+            </a:prstGeom>
+            <a:solidFill>
+              <a:schemeClr val="bg1"/>
+            </a:solidFill>
+          </p:spPr>
+          <p:style>
+            <a:lnRef idx="2">
+              <a:schemeClr val="accent1">
+                <a:shade val="50000"/>
+              </a:schemeClr>
+            </a:lnRef>
+            <a:fillRef idx="1">
+              <a:schemeClr val="accent1"/>
+            </a:fillRef>
+            <a:effectRef idx="0">
+              <a:schemeClr val="accent1"/>
+            </a:effectRef>
+            <a:fontRef idx="minor">
+              <a:schemeClr val="lt1"/>
+            </a:fontRef>
+          </p:style>
+          <p:txBody>
+            <a:bodyPr rtlCol="0" anchor="ctr"/>
+            <a:lstStyle/>
+            <a:p>
+              <a:pPr algn="ctr"/>
+              <a:endParaRPr lang="zh-CN" altLang="en-US"/>
+            </a:p>
+          </p:txBody>
+        </p:sp>
+        <p:sp>
+          <p:nvSpPr>
+            <p:cNvPr id="21" name="矩形 20">
+              <a:extLst>
+                <a:ext uri="{FF2B5EF4-FFF2-40B4-BE49-F238E27FC236}">
+                  <a16:creationId xmlns:a16="http://schemas.microsoft.com/office/drawing/2014/main" id="{CA18997A-7449-412C-B10E-CED237E58F67}"/>
+                </a:ext>
+              </a:extLst>
+            </p:cNvPr>
+            <p:cNvSpPr/>
+            <p:nvPr/>
+          </p:nvSpPr>
+          <p:spPr>
+            <a:xfrm>
+              <a:off x="5444203" y="2452316"/>
+              <a:ext cx="487614" cy="663194"/>
+            </a:xfrm>
+            <a:prstGeom prst="rect">
+              <a:avLst/>
+            </a:prstGeom>
+            <a:solidFill>
+              <a:srgbClr val="00B050"/>
+            </a:solidFill>
+          </p:spPr>
+          <p:style>
+            <a:lnRef idx="2">
+              <a:schemeClr val="accent1">
+                <a:shade val="50000"/>
+              </a:schemeClr>
+            </a:lnRef>
+            <a:fillRef idx="1">
+              <a:schemeClr val="accent1"/>
+            </a:fillRef>
+            <a:effectRef idx="0">
+              <a:schemeClr val="accent1"/>
+            </a:effectRef>
+            <a:fontRef idx="minor">
+              <a:schemeClr val="lt1"/>
+            </a:fontRef>
+          </p:style>
+          <p:txBody>
+            <a:bodyPr rtlCol="0" anchor="ctr"/>
+            <a:lstStyle/>
+            <a:p>
+              <a:pPr algn="ctr"/>
+              <a:endParaRPr lang="zh-CN" altLang="en-US"/>
+            </a:p>
+          </p:txBody>
+        </p:sp>
+        <p:cxnSp>
+          <p:nvCxnSpPr>
+            <p:cNvPr id="18" name="直接连接符 17">
+              <a:extLst>
+                <a:ext uri="{FF2B5EF4-FFF2-40B4-BE49-F238E27FC236}">
+                  <a16:creationId xmlns:a16="http://schemas.microsoft.com/office/drawing/2014/main" id="{299380A8-A4E6-4306-89A5-2977346900CF}"/>
+                </a:ext>
+              </a:extLst>
+            </p:cNvPr>
+            <p:cNvCxnSpPr>
+              <a:cxnSpLocks/>
+            </p:cNvCxnSpPr>
+            <p:nvPr/>
+          </p:nvCxnSpPr>
+          <p:spPr>
+            <a:xfrm>
+              <a:off x="5153976" y="3312562"/>
+              <a:ext cx="2262123" cy="0"/>
+            </a:xfrm>
+            <a:prstGeom prst="line">
+              <a:avLst/>
+            </a:prstGeom>
+            <a:ln w="12700">
+              <a:prstDash val="sysDash"/>
+            </a:ln>
+          </p:spPr>
+          <p:style>
+            <a:lnRef idx="1">
+              <a:schemeClr val="accent1"/>
+            </a:lnRef>
+            <a:fillRef idx="0">
+              <a:schemeClr val="accent1"/>
+            </a:fillRef>
+            <a:effectRef idx="0">
+              <a:schemeClr val="accent1"/>
+            </a:effectRef>
+            <a:fontRef idx="minor">
+              <a:schemeClr val="tx1"/>
+            </a:fontRef>
+          </p:style>
+        </p:cxnSp>
+        <p:grpSp>
+          <p:nvGrpSpPr>
+            <p:cNvPr id="33" name="组合 32">
+              <a:extLst>
+                <a:ext uri="{FF2B5EF4-FFF2-40B4-BE49-F238E27FC236}">
+                  <a16:creationId xmlns:a16="http://schemas.microsoft.com/office/drawing/2014/main" id="{486B3BE5-4920-4738-8403-F86C319CA390}"/>
+                </a:ext>
+              </a:extLst>
+            </p:cNvPr>
+            <p:cNvGrpSpPr/>
+            <p:nvPr/>
+          </p:nvGrpSpPr>
+          <p:grpSpPr>
+            <a:xfrm>
+              <a:off x="6072167" y="3312562"/>
+              <a:ext cx="487614" cy="731520"/>
+              <a:chOff x="4707730" y="4436448"/>
+              <a:chExt cx="487614" cy="514784"/>
+            </a:xfrm>
+          </p:grpSpPr>
+          <p:cxnSp>
+            <p:nvCxnSpPr>
+              <p:cNvPr id="29" name="直接连接符 28">
+                <a:extLst>
+                  <a:ext uri="{FF2B5EF4-FFF2-40B4-BE49-F238E27FC236}">
+                    <a16:creationId xmlns:a16="http://schemas.microsoft.com/office/drawing/2014/main" id="{9B8ED6AB-4299-415D-932A-7B0F20D961A5}"/>
+                  </a:ext>
+                </a:extLst>
+              </p:cNvPr>
+              <p:cNvCxnSpPr>
+                <a:cxnSpLocks/>
+                <a:endCxn id="23" idx="2"/>
+              </p:cNvCxnSpPr>
+              <p:nvPr/>
+            </p:nvCxnSpPr>
+            <p:spPr>
+              <a:xfrm>
+                <a:off x="4951537" y="4436448"/>
+                <a:ext cx="0" cy="514784"/>
+              </a:xfrm>
+              <a:prstGeom prst="line">
+                <a:avLst/>
+              </a:prstGeom>
+              <a:ln w="12700"/>
+            </p:spPr>
+            <p:style>
+              <a:lnRef idx="1">
+                <a:schemeClr val="accent1"/>
+              </a:lnRef>
+              <a:fillRef idx="0">
+                <a:schemeClr val="accent1"/>
+              </a:fillRef>
+              <a:effectRef idx="0">
+                <a:schemeClr val="accent1"/>
+              </a:effectRef>
+              <a:fontRef idx="minor">
+                <a:schemeClr val="tx1"/>
+              </a:fontRef>
+            </p:style>
+          </p:cxnSp>
+          <p:sp>
+            <p:nvSpPr>
+              <p:cNvPr id="23" name="矩形 22">
+                <a:extLst>
+                  <a:ext uri="{FF2B5EF4-FFF2-40B4-BE49-F238E27FC236}">
+                    <a16:creationId xmlns:a16="http://schemas.microsoft.com/office/drawing/2014/main" id="{1580CAAC-CF4C-4494-97CF-5D9CD05AB83E}"/>
+                  </a:ext>
+                </a:extLst>
+              </p:cNvPr>
+              <p:cNvSpPr/>
+              <p:nvPr/>
+            </p:nvSpPr>
+            <p:spPr>
+              <a:xfrm>
+                <a:off x="4707730" y="4601023"/>
+                <a:ext cx="487614" cy="350209"/>
+              </a:xfrm>
+              <a:prstGeom prst="rect">
+                <a:avLst/>
+              </a:prstGeom>
+              <a:solidFill>
+                <a:srgbClr val="FF0000"/>
+              </a:solidFill>
+            </p:spPr>
+            <p:style>
+              <a:lnRef idx="2">
+                <a:schemeClr val="accent1">
+                  <a:shade val="50000"/>
+                </a:schemeClr>
+              </a:lnRef>
+              <a:fillRef idx="1">
+                <a:schemeClr val="accent1"/>
+              </a:fillRef>
+              <a:effectRef idx="0">
+                <a:schemeClr val="accent1"/>
+              </a:effectRef>
+              <a:fontRef idx="minor">
+                <a:schemeClr val="lt1"/>
+              </a:fontRef>
+            </p:style>
+            <p:txBody>
+              <a:bodyPr rtlCol="0" anchor="ctr"/>
+              <a:lstStyle/>
+              <a:p>
+                <a:pPr algn="ctr"/>
+                <a:endParaRPr lang="zh-CN" altLang="en-US"/>
+              </a:p>
+            </p:txBody>
+          </p:sp>
+        </p:grpSp>
+        <p:grpSp>
+          <p:nvGrpSpPr>
+            <p:cNvPr id="34" name="组合 33">
+              <a:extLst>
+                <a:ext uri="{FF2B5EF4-FFF2-40B4-BE49-F238E27FC236}">
+                  <a16:creationId xmlns:a16="http://schemas.microsoft.com/office/drawing/2014/main" id="{70061E92-DAF5-4FBD-99EF-DF2909280C54}"/>
+                </a:ext>
+              </a:extLst>
+            </p:cNvPr>
+            <p:cNvGrpSpPr/>
+            <p:nvPr/>
+          </p:nvGrpSpPr>
+          <p:grpSpPr>
+            <a:xfrm>
+              <a:off x="6736098" y="3468641"/>
+              <a:ext cx="487614" cy="575441"/>
+              <a:chOff x="4707730" y="4557233"/>
+              <a:chExt cx="487614" cy="393999"/>
+            </a:xfrm>
+          </p:grpSpPr>
+          <p:cxnSp>
+            <p:nvCxnSpPr>
+              <p:cNvPr id="35" name="直接连接符 34">
+                <a:extLst>
+                  <a:ext uri="{FF2B5EF4-FFF2-40B4-BE49-F238E27FC236}">
+                    <a16:creationId xmlns:a16="http://schemas.microsoft.com/office/drawing/2014/main" id="{3426998C-970A-4909-B2C8-B077E63F1711}"/>
+                  </a:ext>
+                </a:extLst>
+              </p:cNvPr>
+              <p:cNvCxnSpPr>
+                <a:cxnSpLocks/>
+                <a:endCxn id="36" idx="2"/>
+              </p:cNvCxnSpPr>
+              <p:nvPr/>
+            </p:nvCxnSpPr>
+            <p:spPr>
+              <a:xfrm>
+                <a:off x="4951537" y="4557233"/>
+                <a:ext cx="0" cy="393999"/>
+              </a:xfrm>
+              <a:prstGeom prst="line">
+                <a:avLst/>
+              </a:prstGeom>
+              <a:ln w="12700"/>
+            </p:spPr>
+            <p:style>
+              <a:lnRef idx="1">
+                <a:schemeClr val="accent1"/>
+              </a:lnRef>
+              <a:fillRef idx="0">
+                <a:schemeClr val="accent1"/>
+              </a:fillRef>
+              <a:effectRef idx="0">
+                <a:schemeClr val="accent1"/>
+              </a:effectRef>
+              <a:fontRef idx="minor">
+                <a:schemeClr val="tx1"/>
+              </a:fontRef>
+            </p:style>
+          </p:cxnSp>
+          <p:sp>
+            <p:nvSpPr>
+              <p:cNvPr id="36" name="矩形 35">
+                <a:extLst>
+                  <a:ext uri="{FF2B5EF4-FFF2-40B4-BE49-F238E27FC236}">
+                    <a16:creationId xmlns:a16="http://schemas.microsoft.com/office/drawing/2014/main" id="{31195DB7-31EB-4B92-B7CD-AE186BC56672}"/>
+                  </a:ext>
+                </a:extLst>
+              </p:cNvPr>
+              <p:cNvSpPr/>
+              <p:nvPr/>
+            </p:nvSpPr>
+            <p:spPr>
+              <a:xfrm>
+                <a:off x="4707730" y="4650859"/>
+                <a:ext cx="487614" cy="300373"/>
+              </a:xfrm>
+              <a:prstGeom prst="rect">
+                <a:avLst/>
+              </a:prstGeom>
+              <a:solidFill>
+                <a:srgbClr val="FF0000"/>
+              </a:solidFill>
+            </p:spPr>
+            <p:style>
+              <a:lnRef idx="2">
+                <a:schemeClr val="accent1">
+                  <a:shade val="50000"/>
+                </a:schemeClr>
+              </a:lnRef>
+              <a:fillRef idx="1">
+                <a:schemeClr val="accent1"/>
+              </a:fillRef>
+              <a:effectRef idx="0">
+                <a:schemeClr val="accent1"/>
+              </a:effectRef>
+              <a:fontRef idx="minor">
+                <a:schemeClr val="lt1"/>
+              </a:fontRef>
+            </p:style>
+            <p:txBody>
+              <a:bodyPr rtlCol="0" anchor="ctr"/>
+              <a:lstStyle/>
+              <a:p>
+                <a:pPr algn="ctr"/>
+                <a:endParaRPr lang="zh-CN" altLang="en-US"/>
+              </a:p>
+            </p:txBody>
+          </p:sp>
+        </p:grpSp>
+        <p:cxnSp>
+          <p:nvCxnSpPr>
+            <p:cNvPr id="43" name="直接连接符 42">
+              <a:extLst>
+                <a:ext uri="{FF2B5EF4-FFF2-40B4-BE49-F238E27FC236}">
+                  <a16:creationId xmlns:a16="http://schemas.microsoft.com/office/drawing/2014/main" id="{39FA24EE-0313-4746-A3DA-DC27A9BC6D22}"/>
+                </a:ext>
+              </a:extLst>
+            </p:cNvPr>
+            <p:cNvCxnSpPr>
+              <a:cxnSpLocks/>
+            </p:cNvCxnSpPr>
+            <p:nvPr/>
+          </p:nvCxnSpPr>
+          <p:spPr>
+            <a:xfrm>
+              <a:off x="5153976" y="3127376"/>
+              <a:ext cx="2262123" cy="0"/>
+            </a:xfrm>
+            <a:prstGeom prst="line">
+              <a:avLst/>
+            </a:prstGeom>
+            <a:ln w="12700">
+              <a:prstDash val="sysDash"/>
+            </a:ln>
+          </p:spPr>
+          <p:style>
+            <a:lnRef idx="1">
+              <a:schemeClr val="accent1"/>
+            </a:lnRef>
+            <a:fillRef idx="0">
+              <a:schemeClr val="accent1"/>
+            </a:fillRef>
+            <a:effectRef idx="0">
+              <a:schemeClr val="accent1"/>
+            </a:effectRef>
+            <a:fontRef idx="minor">
+              <a:schemeClr val="tx1"/>
+            </a:fontRef>
+          </p:style>
+        </p:cxnSp>
+      </p:grpSp>
+      <p:grpSp>
+        <p:nvGrpSpPr>
+          <p:cNvPr id="69" name="组合 68">
+            <a:extLst>
+              <a:ext uri="{FF2B5EF4-FFF2-40B4-BE49-F238E27FC236}">
+                <a16:creationId xmlns:a16="http://schemas.microsoft.com/office/drawing/2014/main" id="{8CD61DEC-FB89-41CC-A854-352FCE2D5260}"/>
+              </a:ext>
+            </a:extLst>
+          </p:cNvPr>
+          <p:cNvGrpSpPr/>
+          <p:nvPr/>
+        </p:nvGrpSpPr>
+        <p:grpSpPr>
+          <a:xfrm>
+            <a:off x="7594079" y="348903"/>
+            <a:ext cx="4248978" cy="1588195"/>
+            <a:chOff x="7594079" y="348903"/>
+            <a:chExt cx="4248978" cy="1588195"/>
+          </a:xfrm>
+        </p:grpSpPr>
+        <p:sp>
+          <p:nvSpPr>
+            <p:cNvPr id="58" name="矩形 57">
+              <a:extLst>
+                <a:ext uri="{FF2B5EF4-FFF2-40B4-BE49-F238E27FC236}">
+                  <a16:creationId xmlns:a16="http://schemas.microsoft.com/office/drawing/2014/main" id="{F63F2488-7D9F-4A99-A647-D9B173DAFFB4}"/>
+                </a:ext>
+              </a:extLst>
+            </p:cNvPr>
+            <p:cNvSpPr/>
+            <p:nvPr/>
+          </p:nvSpPr>
+          <p:spPr>
+            <a:xfrm>
+              <a:off x="7594079" y="348903"/>
+              <a:ext cx="4248978" cy="1588195"/>
+            </a:xfrm>
+            <a:prstGeom prst="rect">
+              <a:avLst/>
+            </a:prstGeom>
+            <a:solidFill>
+              <a:schemeClr val="bg1"/>
+            </a:solidFill>
+          </p:spPr>
+          <p:style>
+            <a:lnRef idx="2">
+              <a:schemeClr val="accent1">
+                <a:shade val="50000"/>
+              </a:schemeClr>
+            </a:lnRef>
+            <a:fillRef idx="1">
+              <a:schemeClr val="accent1"/>
+            </a:fillRef>
+            <a:effectRef idx="0">
+              <a:schemeClr val="accent1"/>
+            </a:effectRef>
+            <a:fontRef idx="minor">
+              <a:schemeClr val="lt1"/>
+            </a:fontRef>
+          </p:style>
+          <p:txBody>
+            <a:bodyPr rtlCol="0" anchor="ctr"/>
+            <a:lstStyle/>
+            <a:p>
+              <a:pPr algn="ctr"/>
+              <a:endParaRPr lang="zh-CN" altLang="en-US"/>
+            </a:p>
+          </p:txBody>
+        </p:sp>
+        <p:sp>
+          <p:nvSpPr>
+            <p:cNvPr id="59" name="矩形 58">
+              <a:extLst>
+                <a:ext uri="{FF2B5EF4-FFF2-40B4-BE49-F238E27FC236}">
+                  <a16:creationId xmlns:a16="http://schemas.microsoft.com/office/drawing/2014/main" id="{278A56BC-5347-47E9-BC6A-BF40169DA6CC}"/>
+                </a:ext>
+              </a:extLst>
+            </p:cNvPr>
+            <p:cNvSpPr/>
+            <p:nvPr/>
+          </p:nvSpPr>
+          <p:spPr>
+            <a:xfrm>
+              <a:off x="7873875" y="706037"/>
+              <a:ext cx="487614" cy="663194"/>
+            </a:xfrm>
+            <a:prstGeom prst="rect">
+              <a:avLst/>
+            </a:prstGeom>
+            <a:solidFill>
+              <a:srgbClr val="00B050"/>
+            </a:solidFill>
+          </p:spPr>
+          <p:style>
+            <a:lnRef idx="2">
+              <a:schemeClr val="accent1">
+                <a:shade val="50000"/>
+              </a:schemeClr>
+            </a:lnRef>
+            <a:fillRef idx="1">
+              <a:schemeClr val="accent1"/>
+            </a:fillRef>
+            <a:effectRef idx="0">
+              <a:schemeClr val="accent1"/>
+            </a:effectRef>
+            <a:fontRef idx="minor">
+              <a:schemeClr val="lt1"/>
+            </a:fontRef>
+          </p:style>
+          <p:txBody>
+            <a:bodyPr rtlCol="0" anchor="ctr"/>
+            <a:lstStyle/>
+            <a:p>
+              <a:pPr algn="ctr"/>
+              <a:endParaRPr lang="zh-CN" altLang="en-US" dirty="0"/>
+            </a:p>
+          </p:txBody>
+        </p:sp>
+        <p:sp>
+          <p:nvSpPr>
+            <p:cNvPr id="61" name="矩形 60">
+              <a:extLst>
+                <a:ext uri="{FF2B5EF4-FFF2-40B4-BE49-F238E27FC236}">
+                  <a16:creationId xmlns:a16="http://schemas.microsoft.com/office/drawing/2014/main" id="{F5850E56-2F60-4876-B1CC-EDE37E128B7C}"/>
+                </a:ext>
+              </a:extLst>
+            </p:cNvPr>
+            <p:cNvSpPr/>
+            <p:nvPr/>
+          </p:nvSpPr>
+          <p:spPr>
+            <a:xfrm>
+              <a:off x="8528244" y="1294570"/>
+              <a:ext cx="487614" cy="139814"/>
+            </a:xfrm>
+            <a:prstGeom prst="rect">
+              <a:avLst/>
+            </a:prstGeom>
+            <a:solidFill>
+              <a:srgbClr val="FF0000"/>
+            </a:solidFill>
+          </p:spPr>
+          <p:style>
+            <a:lnRef idx="2">
+              <a:schemeClr val="accent1">
+                <a:shade val="50000"/>
+              </a:schemeClr>
+            </a:lnRef>
+            <a:fillRef idx="1">
+              <a:schemeClr val="accent1"/>
+            </a:fillRef>
+            <a:effectRef idx="0">
+              <a:schemeClr val="accent1"/>
+            </a:effectRef>
+            <a:fontRef idx="minor">
+              <a:schemeClr val="lt1"/>
+            </a:fontRef>
+          </p:style>
+          <p:txBody>
+            <a:bodyPr rtlCol="0" anchor="ctr"/>
+            <a:lstStyle/>
+            <a:p>
+              <a:pPr algn="ctr"/>
+              <a:endParaRPr lang="zh-CN" altLang="en-US"/>
+            </a:p>
+          </p:txBody>
+        </p:sp>
+        <p:sp>
+          <p:nvSpPr>
+            <p:cNvPr id="64" name="矩形 63">
+              <a:extLst>
+                <a:ext uri="{FF2B5EF4-FFF2-40B4-BE49-F238E27FC236}">
+                  <a16:creationId xmlns:a16="http://schemas.microsoft.com/office/drawing/2014/main" id="{C1AEE1BC-28C8-454F-9E0C-8798814B644C}"/>
+                </a:ext>
+              </a:extLst>
+            </p:cNvPr>
+            <p:cNvSpPr/>
+            <p:nvPr/>
+          </p:nvSpPr>
+          <p:spPr>
+            <a:xfrm>
+              <a:off x="9182613" y="1338744"/>
+              <a:ext cx="487614" cy="67493"/>
+            </a:xfrm>
+            <a:prstGeom prst="rect">
+              <a:avLst/>
+            </a:prstGeom>
+            <a:solidFill>
+              <a:srgbClr val="FF0000"/>
+            </a:solidFill>
+          </p:spPr>
+          <p:style>
+            <a:lnRef idx="2">
+              <a:schemeClr val="accent1">
+                <a:shade val="50000"/>
+              </a:schemeClr>
+            </a:lnRef>
+            <a:fillRef idx="1">
+              <a:schemeClr val="accent1"/>
+            </a:fillRef>
+            <a:effectRef idx="0">
+              <a:schemeClr val="accent1"/>
+            </a:effectRef>
+            <a:fontRef idx="minor">
+              <a:schemeClr val="lt1"/>
+            </a:fontRef>
+          </p:style>
+          <p:txBody>
+            <a:bodyPr rtlCol="0" anchor="ctr"/>
+            <a:lstStyle/>
+            <a:p>
+              <a:pPr algn="ctr"/>
+              <a:endParaRPr lang="zh-CN" altLang="en-US"/>
+            </a:p>
+          </p:txBody>
+        </p:sp>
+        <p:sp>
+          <p:nvSpPr>
+            <p:cNvPr id="65" name="矩形 64">
+              <a:extLst>
+                <a:ext uri="{FF2B5EF4-FFF2-40B4-BE49-F238E27FC236}">
+                  <a16:creationId xmlns:a16="http://schemas.microsoft.com/office/drawing/2014/main" id="{F4CF3C99-CFC5-467C-B2B0-42C866680119}"/>
+                </a:ext>
+              </a:extLst>
+            </p:cNvPr>
+            <p:cNvSpPr/>
+            <p:nvPr/>
+          </p:nvSpPr>
+          <p:spPr>
+            <a:xfrm>
+              <a:off x="9836982" y="1182666"/>
+              <a:ext cx="487614" cy="195258"/>
+            </a:xfrm>
+            <a:prstGeom prst="rect">
+              <a:avLst/>
+            </a:prstGeom>
+            <a:solidFill>
+              <a:srgbClr val="FF0000"/>
+            </a:solidFill>
+          </p:spPr>
+          <p:style>
+            <a:lnRef idx="2">
+              <a:schemeClr val="accent1">
+                <a:shade val="50000"/>
+              </a:schemeClr>
+            </a:lnRef>
+            <a:fillRef idx="1">
+              <a:schemeClr val="accent1"/>
+            </a:fillRef>
+            <a:effectRef idx="0">
+              <a:schemeClr val="accent1"/>
+            </a:effectRef>
+            <a:fontRef idx="minor">
+              <a:schemeClr val="lt1"/>
+            </a:fontRef>
+          </p:style>
+          <p:txBody>
+            <a:bodyPr rtlCol="0" anchor="ctr"/>
+            <a:lstStyle/>
+            <a:p>
+              <a:pPr algn="ctr"/>
+              <a:endParaRPr lang="zh-CN" altLang="en-US"/>
+            </a:p>
+          </p:txBody>
+        </p:sp>
+        <p:sp>
+          <p:nvSpPr>
+            <p:cNvPr id="66" name="矩形 65">
+              <a:extLst>
+                <a:ext uri="{FF2B5EF4-FFF2-40B4-BE49-F238E27FC236}">
+                  <a16:creationId xmlns:a16="http://schemas.microsoft.com/office/drawing/2014/main" id="{E318FBBC-4D20-4913-81D7-ADDB74B0FDA6}"/>
+                </a:ext>
+              </a:extLst>
+            </p:cNvPr>
+            <p:cNvSpPr/>
+            <p:nvPr/>
+          </p:nvSpPr>
+          <p:spPr>
+            <a:xfrm>
+              <a:off x="10491351" y="1264705"/>
+              <a:ext cx="487614" cy="195258"/>
+            </a:xfrm>
+            <a:prstGeom prst="rect">
+              <a:avLst/>
+            </a:prstGeom>
+            <a:solidFill>
+              <a:srgbClr val="FF0000"/>
+            </a:solidFill>
+          </p:spPr>
+          <p:style>
+            <a:lnRef idx="2">
+              <a:schemeClr val="accent1">
+                <a:shade val="50000"/>
+              </a:schemeClr>
+            </a:lnRef>
+            <a:fillRef idx="1">
+              <a:schemeClr val="accent1"/>
+            </a:fillRef>
+            <a:effectRef idx="0">
+              <a:schemeClr val="accent1"/>
+            </a:effectRef>
+            <a:fontRef idx="minor">
+              <a:schemeClr val="lt1"/>
+            </a:fontRef>
+          </p:style>
+          <p:txBody>
+            <a:bodyPr rtlCol="0" anchor="ctr"/>
+            <a:lstStyle/>
+            <a:p>
+              <a:pPr algn="ctr"/>
+              <a:endParaRPr lang="zh-CN" altLang="en-US"/>
+            </a:p>
+          </p:txBody>
+        </p:sp>
+        <p:sp>
+          <p:nvSpPr>
+            <p:cNvPr id="67" name="矩形 66">
+              <a:extLst>
+                <a:ext uri="{FF2B5EF4-FFF2-40B4-BE49-F238E27FC236}">
+                  <a16:creationId xmlns:a16="http://schemas.microsoft.com/office/drawing/2014/main" id="{BA0C5BEC-20D2-482B-8B38-756F835B5B40}"/>
+                </a:ext>
+              </a:extLst>
+            </p:cNvPr>
+            <p:cNvSpPr/>
+            <p:nvPr/>
+          </p:nvSpPr>
+          <p:spPr>
+            <a:xfrm>
+              <a:off x="11145720" y="1188807"/>
+              <a:ext cx="487614" cy="195258"/>
+            </a:xfrm>
+            <a:prstGeom prst="rect">
+              <a:avLst/>
+            </a:prstGeom>
+            <a:solidFill>
+              <a:srgbClr val="FF0000"/>
+            </a:solidFill>
+          </p:spPr>
+          <p:style>
+            <a:lnRef idx="2">
+              <a:schemeClr val="accent1">
+                <a:shade val="50000"/>
+              </a:schemeClr>
+            </a:lnRef>
+            <a:fillRef idx="1">
+              <a:schemeClr val="accent1"/>
+            </a:fillRef>
+            <a:effectRef idx="0">
+              <a:schemeClr val="accent1"/>
+            </a:effectRef>
+            <a:fontRef idx="minor">
+              <a:schemeClr val="lt1"/>
+            </a:fontRef>
+          </p:style>
+          <p:txBody>
+            <a:bodyPr rtlCol="0" anchor="ctr"/>
+            <a:lstStyle/>
+            <a:p>
+              <a:pPr algn="ctr"/>
+              <a:endParaRPr lang="zh-CN" altLang="en-US"/>
+            </a:p>
+          </p:txBody>
+        </p:sp>
+      </p:grpSp>
+      <p:sp>
+        <p:nvSpPr>
+          <p:cNvPr id="68" name="文本框 67">
+            <a:extLst>
+              <a:ext uri="{FF2B5EF4-FFF2-40B4-BE49-F238E27FC236}">
+                <a16:creationId xmlns:a16="http://schemas.microsoft.com/office/drawing/2014/main" id="{E05B4468-43F9-4283-A62D-A8C2E27C9AE8}"/>
+              </a:ext>
+            </a:extLst>
+          </p:cNvPr>
+          <p:cNvSpPr txBox="1"/>
+          <p:nvPr/>
+        </p:nvSpPr>
+        <p:spPr>
+          <a:xfrm>
+            <a:off x="9015858" y="2135655"/>
+            <a:ext cx="2057841" cy="369332"/>
+          </a:xfrm>
+          <a:prstGeom prst="rect">
+            <a:avLst/>
+          </a:prstGeom>
+          <a:noFill/>
+        </p:spPr>
+        <p:txBody>
+          <a:bodyPr wrap="square" rtlCol="0">
+            <a:spAutoFit/>
+          </a:bodyPr>
+          <a:lstStyle/>
+          <a:p>
+            <a:r>
+              <a:rPr lang="en-US" altLang="zh-CN" dirty="0"/>
+              <a:t>12</a:t>
+            </a:r>
+            <a:r>
+              <a:rPr lang="zh-CN" altLang="en-US" dirty="0"/>
+              <a:t>低档五阳线</a:t>
+            </a:r>
+          </a:p>
+        </p:txBody>
+      </p:sp>
+      <p:grpSp>
+        <p:nvGrpSpPr>
+          <p:cNvPr id="89" name="组合 88">
+            <a:extLst>
+              <a:ext uri="{FF2B5EF4-FFF2-40B4-BE49-F238E27FC236}">
+                <a16:creationId xmlns:a16="http://schemas.microsoft.com/office/drawing/2014/main" id="{407DD15B-A21F-4C7F-9F46-7FDA55B83A34}"/>
+              </a:ext>
+            </a:extLst>
+          </p:cNvPr>
+          <p:cNvGrpSpPr/>
+          <p:nvPr/>
+        </p:nvGrpSpPr>
+        <p:grpSpPr>
+          <a:xfrm>
+            <a:off x="415829" y="3030968"/>
+            <a:ext cx="2825561" cy="2253633"/>
+            <a:chOff x="415829" y="3030968"/>
+            <a:chExt cx="2825561" cy="2253633"/>
+          </a:xfrm>
+        </p:grpSpPr>
+        <p:sp>
+          <p:nvSpPr>
+            <p:cNvPr id="74" name="矩形 73">
+              <a:extLst>
+                <a:ext uri="{FF2B5EF4-FFF2-40B4-BE49-F238E27FC236}">
+                  <a16:creationId xmlns:a16="http://schemas.microsoft.com/office/drawing/2014/main" id="{7E376F51-C303-4671-B863-3B066EF82B98}"/>
+                </a:ext>
+              </a:extLst>
+            </p:cNvPr>
+            <p:cNvSpPr/>
+            <p:nvPr/>
+          </p:nvSpPr>
+          <p:spPr>
+            <a:xfrm>
+              <a:off x="415829" y="3030968"/>
+              <a:ext cx="2825561" cy="2253633"/>
+            </a:xfrm>
+            <a:prstGeom prst="rect">
+              <a:avLst/>
+            </a:prstGeom>
+            <a:solidFill>
+              <a:schemeClr val="bg1"/>
+            </a:solidFill>
+          </p:spPr>
+          <p:style>
+            <a:lnRef idx="2">
+              <a:schemeClr val="accent1">
+                <a:shade val="50000"/>
+              </a:schemeClr>
+            </a:lnRef>
+            <a:fillRef idx="1">
+              <a:schemeClr val="accent1"/>
+            </a:fillRef>
+            <a:effectRef idx="0">
+              <a:schemeClr val="accent1"/>
+            </a:effectRef>
+            <a:fontRef idx="minor">
+              <a:schemeClr val="lt1"/>
+            </a:fontRef>
+          </p:style>
+          <p:txBody>
+            <a:bodyPr rtlCol="0" anchor="ctr"/>
+            <a:lstStyle/>
+            <a:p>
+              <a:pPr algn="ctr"/>
+              <a:endParaRPr lang="zh-CN" altLang="en-US"/>
+            </a:p>
+          </p:txBody>
+        </p:sp>
+        <p:sp>
+          <p:nvSpPr>
+            <p:cNvPr id="75" name="矩形 74">
+              <a:extLst>
+                <a:ext uri="{FF2B5EF4-FFF2-40B4-BE49-F238E27FC236}">
+                  <a16:creationId xmlns:a16="http://schemas.microsoft.com/office/drawing/2014/main" id="{0881F39E-DF66-476B-A318-C85AFD66D697}"/>
+                </a:ext>
+              </a:extLst>
+            </p:cNvPr>
+            <p:cNvSpPr/>
+            <p:nvPr/>
+          </p:nvSpPr>
+          <p:spPr>
+            <a:xfrm>
+              <a:off x="695625" y="3298942"/>
+              <a:ext cx="487614" cy="663194"/>
+            </a:xfrm>
+            <a:prstGeom prst="rect">
+              <a:avLst/>
+            </a:prstGeom>
+            <a:solidFill>
+              <a:srgbClr val="00B050"/>
+            </a:solidFill>
+          </p:spPr>
+          <p:style>
+            <a:lnRef idx="2">
+              <a:schemeClr val="accent1">
+                <a:shade val="50000"/>
+              </a:schemeClr>
+            </a:lnRef>
+            <a:fillRef idx="1">
+              <a:schemeClr val="accent1"/>
+            </a:fillRef>
+            <a:effectRef idx="0">
+              <a:schemeClr val="accent1"/>
+            </a:effectRef>
+            <a:fontRef idx="minor">
+              <a:schemeClr val="lt1"/>
+            </a:fontRef>
+          </p:style>
+          <p:txBody>
+            <a:bodyPr rtlCol="0" anchor="ctr"/>
+            <a:lstStyle/>
+            <a:p>
+              <a:pPr algn="ctr"/>
+              <a:endParaRPr lang="zh-CN" altLang="en-US"/>
+            </a:p>
+          </p:txBody>
+        </p:sp>
+        <p:cxnSp>
+          <p:nvCxnSpPr>
+            <p:cNvPr id="82" name="直接连接符 81">
+              <a:extLst>
+                <a:ext uri="{FF2B5EF4-FFF2-40B4-BE49-F238E27FC236}">
+                  <a16:creationId xmlns:a16="http://schemas.microsoft.com/office/drawing/2014/main" id="{6094BFE2-0FE7-4C03-9007-58319C00C582}"/>
+                </a:ext>
+              </a:extLst>
+            </p:cNvPr>
+            <p:cNvCxnSpPr>
+              <a:cxnSpLocks/>
+            </p:cNvCxnSpPr>
+            <p:nvPr/>
+          </p:nvCxnSpPr>
+          <p:spPr>
+            <a:xfrm>
+              <a:off x="2786438" y="4523203"/>
+              <a:ext cx="0" cy="459391"/>
+            </a:xfrm>
+            <a:prstGeom prst="line">
+              <a:avLst/>
+            </a:prstGeom>
+            <a:ln w="12700"/>
+          </p:spPr>
+          <p:style>
+            <a:lnRef idx="1">
+              <a:schemeClr val="accent1"/>
+            </a:lnRef>
+            <a:fillRef idx="0">
+              <a:schemeClr val="accent1"/>
+            </a:fillRef>
+            <a:effectRef idx="0">
+              <a:schemeClr val="accent1"/>
+            </a:effectRef>
+            <a:fontRef idx="minor">
+              <a:schemeClr val="tx1"/>
+            </a:fontRef>
+          </p:style>
+        </p:cxnSp>
+        <p:sp>
+          <p:nvSpPr>
+            <p:cNvPr id="81" name="矩形 80">
+              <a:extLst>
+                <a:ext uri="{FF2B5EF4-FFF2-40B4-BE49-F238E27FC236}">
+                  <a16:creationId xmlns:a16="http://schemas.microsoft.com/office/drawing/2014/main" id="{BD061076-744A-4D87-9B67-3DE6F2C48AEF}"/>
+                </a:ext>
+              </a:extLst>
+            </p:cNvPr>
+            <p:cNvSpPr/>
+            <p:nvPr/>
+          </p:nvSpPr>
+          <p:spPr>
+            <a:xfrm>
+              <a:off x="2540973" y="4637908"/>
+              <a:ext cx="487614" cy="371584"/>
+            </a:xfrm>
+            <a:prstGeom prst="rect">
+              <a:avLst/>
+            </a:prstGeom>
+            <a:solidFill>
+              <a:srgbClr val="00B050"/>
+            </a:solidFill>
+          </p:spPr>
+          <p:style>
+            <a:lnRef idx="2">
+              <a:schemeClr val="accent1">
+                <a:shade val="50000"/>
+              </a:schemeClr>
+            </a:lnRef>
+            <a:fillRef idx="1">
+              <a:schemeClr val="accent1"/>
+            </a:fillRef>
+            <a:effectRef idx="0">
+              <a:schemeClr val="accent1"/>
+            </a:effectRef>
+            <a:fontRef idx="minor">
+              <a:schemeClr val="lt1"/>
+            </a:fontRef>
+          </p:style>
+          <p:txBody>
+            <a:bodyPr rtlCol="0" anchor="ctr"/>
+            <a:lstStyle/>
+            <a:p>
+              <a:pPr algn="ctr"/>
+              <a:endParaRPr lang="zh-CN" altLang="en-US"/>
+            </a:p>
+          </p:txBody>
+        </p:sp>
+        <p:cxnSp>
+          <p:nvCxnSpPr>
+            <p:cNvPr id="84" name="直接连接符 83">
+              <a:extLst>
+                <a:ext uri="{FF2B5EF4-FFF2-40B4-BE49-F238E27FC236}">
+                  <a16:creationId xmlns:a16="http://schemas.microsoft.com/office/drawing/2014/main" id="{D5B3AE65-2EC4-40ED-99A0-8982F0E3468E}"/>
+                </a:ext>
+              </a:extLst>
+            </p:cNvPr>
+            <p:cNvCxnSpPr>
+              <a:cxnSpLocks/>
+              <a:endCxn id="79" idx="2"/>
+            </p:cNvCxnSpPr>
+            <p:nvPr/>
+          </p:nvCxnSpPr>
+          <p:spPr>
+            <a:xfrm flipH="1">
+              <a:off x="2169664" y="4038168"/>
+              <a:ext cx="1092" cy="599740"/>
+            </a:xfrm>
+            <a:prstGeom prst="line">
+              <a:avLst/>
+            </a:prstGeom>
+            <a:ln w="12700"/>
+          </p:spPr>
+          <p:style>
+            <a:lnRef idx="1">
+              <a:schemeClr val="accent1"/>
+            </a:lnRef>
+            <a:fillRef idx="0">
+              <a:schemeClr val="accent1"/>
+            </a:fillRef>
+            <a:effectRef idx="0">
+              <a:schemeClr val="accent1"/>
+            </a:effectRef>
+            <a:fontRef idx="minor">
+              <a:schemeClr val="tx1"/>
+            </a:fontRef>
+          </p:style>
+        </p:cxnSp>
+        <p:sp>
+          <p:nvSpPr>
+            <p:cNvPr id="79" name="矩形 78">
+              <a:extLst>
+                <a:ext uri="{FF2B5EF4-FFF2-40B4-BE49-F238E27FC236}">
+                  <a16:creationId xmlns:a16="http://schemas.microsoft.com/office/drawing/2014/main" id="{1441AA52-49B7-4CAC-8817-C0B03E7BBB1E}"/>
+                </a:ext>
+              </a:extLst>
+            </p:cNvPr>
+            <p:cNvSpPr/>
+            <p:nvPr/>
+          </p:nvSpPr>
+          <p:spPr>
+            <a:xfrm>
+              <a:off x="1925857" y="4178517"/>
+              <a:ext cx="487614" cy="459391"/>
+            </a:xfrm>
+            <a:prstGeom prst="rect">
+              <a:avLst/>
+            </a:prstGeom>
+            <a:solidFill>
+              <a:srgbClr val="00B050"/>
+            </a:solidFill>
+          </p:spPr>
+          <p:style>
+            <a:lnRef idx="2">
+              <a:schemeClr val="accent1">
+                <a:shade val="50000"/>
+              </a:schemeClr>
+            </a:lnRef>
+            <a:fillRef idx="1">
+              <a:schemeClr val="accent1"/>
+            </a:fillRef>
+            <a:effectRef idx="0">
+              <a:schemeClr val="accent1"/>
+            </a:effectRef>
+            <a:fontRef idx="minor">
+              <a:schemeClr val="lt1"/>
+            </a:fontRef>
+          </p:style>
+          <p:txBody>
+            <a:bodyPr rtlCol="0" anchor="ctr"/>
+            <a:lstStyle/>
+            <a:p>
+              <a:pPr algn="ctr"/>
+              <a:endParaRPr lang="zh-CN" altLang="en-US"/>
+            </a:p>
+          </p:txBody>
+        </p:sp>
+        <p:grpSp>
+          <p:nvGrpSpPr>
+            <p:cNvPr id="88" name="组合 87">
+              <a:extLst>
+                <a:ext uri="{FF2B5EF4-FFF2-40B4-BE49-F238E27FC236}">
+                  <a16:creationId xmlns:a16="http://schemas.microsoft.com/office/drawing/2014/main" id="{35E39810-A9DF-406F-A42D-52A855DF2532}"/>
+                </a:ext>
+              </a:extLst>
+            </p:cNvPr>
+            <p:cNvGrpSpPr/>
+            <p:nvPr/>
+          </p:nvGrpSpPr>
+          <p:grpSpPr>
+            <a:xfrm>
+              <a:off x="1310741" y="3630539"/>
+              <a:ext cx="487614" cy="599741"/>
+              <a:chOff x="1231417" y="3502745"/>
+              <a:chExt cx="487614" cy="599741"/>
+            </a:xfrm>
+          </p:grpSpPr>
+          <p:cxnSp>
+            <p:nvCxnSpPr>
+              <p:cNvPr id="87" name="直接连接符 86">
+                <a:extLst>
+                  <a:ext uri="{FF2B5EF4-FFF2-40B4-BE49-F238E27FC236}">
+                    <a16:creationId xmlns:a16="http://schemas.microsoft.com/office/drawing/2014/main" id="{C1C9D3DF-6E04-48F9-895A-49936F9C0195}"/>
+                  </a:ext>
+                </a:extLst>
+              </p:cNvPr>
+              <p:cNvCxnSpPr>
+                <a:cxnSpLocks/>
+              </p:cNvCxnSpPr>
+              <p:nvPr/>
+            </p:nvCxnSpPr>
+            <p:spPr>
+              <a:xfrm>
+                <a:off x="1476793" y="3502745"/>
+                <a:ext cx="0" cy="599740"/>
+              </a:xfrm>
+              <a:prstGeom prst="line">
+                <a:avLst/>
+              </a:prstGeom>
+              <a:ln w="12700"/>
+            </p:spPr>
+            <p:style>
+              <a:lnRef idx="1">
+                <a:schemeClr val="accent1"/>
+              </a:lnRef>
+              <a:fillRef idx="0">
+                <a:schemeClr val="accent1"/>
+              </a:fillRef>
+              <a:effectRef idx="0">
+                <a:schemeClr val="accent1"/>
+              </a:effectRef>
+              <a:fontRef idx="minor">
+                <a:schemeClr val="tx1"/>
+              </a:fontRef>
+            </p:style>
+          </p:cxnSp>
+          <p:sp>
+            <p:nvSpPr>
+              <p:cNvPr id="78" name="矩形 77">
+                <a:extLst>
+                  <a:ext uri="{FF2B5EF4-FFF2-40B4-BE49-F238E27FC236}">
+                    <a16:creationId xmlns:a16="http://schemas.microsoft.com/office/drawing/2014/main" id="{9DDF5F07-154C-4E6F-98B3-F98B4830F1C2}"/>
+                  </a:ext>
+                </a:extLst>
+              </p:cNvPr>
+              <p:cNvSpPr/>
+              <p:nvPr/>
+            </p:nvSpPr>
+            <p:spPr>
+              <a:xfrm>
+                <a:off x="1231417" y="3726968"/>
+                <a:ext cx="487614" cy="375518"/>
+              </a:xfrm>
+              <a:prstGeom prst="rect">
+                <a:avLst/>
+              </a:prstGeom>
+              <a:solidFill>
+                <a:srgbClr val="00B050"/>
+              </a:solidFill>
+            </p:spPr>
+            <p:style>
+              <a:lnRef idx="2">
+                <a:schemeClr val="accent1">
+                  <a:shade val="50000"/>
+                </a:schemeClr>
+              </a:lnRef>
+              <a:fillRef idx="1">
+                <a:schemeClr val="accent1"/>
+              </a:fillRef>
+              <a:effectRef idx="0">
+                <a:schemeClr val="accent1"/>
+              </a:effectRef>
+              <a:fontRef idx="minor">
+                <a:schemeClr val="lt1"/>
+              </a:fontRef>
+            </p:style>
+            <p:txBody>
+              <a:bodyPr rtlCol="0" anchor="ctr"/>
+              <a:lstStyle/>
+              <a:p>
+                <a:pPr algn="ctr"/>
+                <a:endParaRPr lang="zh-CN" altLang="en-US"/>
+              </a:p>
+            </p:txBody>
+          </p:sp>
+        </p:grpSp>
+      </p:grpSp>
+      <p:sp>
+        <p:nvSpPr>
+          <p:cNvPr id="90" name="文本框 89">
+            <a:extLst>
+              <a:ext uri="{FF2B5EF4-FFF2-40B4-BE49-F238E27FC236}">
+                <a16:creationId xmlns:a16="http://schemas.microsoft.com/office/drawing/2014/main" id="{DEC44FCC-0A54-4093-BBA3-7172718D35C6}"/>
+              </a:ext>
+            </a:extLst>
+          </p:cNvPr>
+          <p:cNvSpPr txBox="1"/>
+          <p:nvPr/>
+        </p:nvSpPr>
+        <p:spPr>
+          <a:xfrm>
+            <a:off x="812217" y="5576501"/>
+            <a:ext cx="2429173" cy="369332"/>
+          </a:xfrm>
+          <a:prstGeom prst="rect">
+            <a:avLst/>
+          </a:prstGeom>
+          <a:noFill/>
+        </p:spPr>
+        <p:txBody>
+          <a:bodyPr wrap="square" rtlCol="0">
+            <a:spAutoFit/>
+          </a:bodyPr>
+          <a:lstStyle/>
+          <a:p>
+            <a:r>
+              <a:rPr lang="en-US" altLang="zh-CN" dirty="0"/>
+              <a:t>13 </a:t>
+            </a:r>
+            <a:r>
+              <a:rPr lang="zh-CN" altLang="en-US" dirty="0"/>
+              <a:t>连续跳空三阴线</a:t>
+            </a:r>
+            <a:endParaRPr lang="en-US" altLang="zh-CN" dirty="0"/>
+          </a:p>
+        </p:txBody>
+      </p:sp>
+      <p:grpSp>
+        <p:nvGrpSpPr>
+          <p:cNvPr id="110" name="组合 109">
+            <a:extLst>
+              <a:ext uri="{FF2B5EF4-FFF2-40B4-BE49-F238E27FC236}">
+                <a16:creationId xmlns:a16="http://schemas.microsoft.com/office/drawing/2014/main" id="{49A16582-EF87-4710-8C71-7805084194C2}"/>
+              </a:ext>
+            </a:extLst>
+          </p:cNvPr>
+          <p:cNvGrpSpPr/>
+          <p:nvPr/>
+        </p:nvGrpSpPr>
+        <p:grpSpPr>
+          <a:xfrm>
+            <a:off x="3552512" y="3189783"/>
+            <a:ext cx="2465282" cy="1936001"/>
+            <a:chOff x="4190616" y="3030968"/>
+            <a:chExt cx="2465282" cy="1936001"/>
+          </a:xfrm>
+        </p:grpSpPr>
+        <p:sp>
+          <p:nvSpPr>
+            <p:cNvPr id="92" name="矩形 91">
+              <a:extLst>
+                <a:ext uri="{FF2B5EF4-FFF2-40B4-BE49-F238E27FC236}">
+                  <a16:creationId xmlns:a16="http://schemas.microsoft.com/office/drawing/2014/main" id="{C0C7C090-8267-493A-952C-B01EF66D95B8}"/>
+                </a:ext>
+              </a:extLst>
+            </p:cNvPr>
+            <p:cNvSpPr/>
+            <p:nvPr/>
+          </p:nvSpPr>
+          <p:spPr>
+            <a:xfrm>
+              <a:off x="4190616" y="3030968"/>
+              <a:ext cx="2465282" cy="1936001"/>
+            </a:xfrm>
+            <a:prstGeom prst="rect">
+              <a:avLst/>
+            </a:prstGeom>
+            <a:solidFill>
+              <a:schemeClr val="bg1"/>
+            </a:solidFill>
+          </p:spPr>
+          <p:style>
+            <a:lnRef idx="2">
+              <a:schemeClr val="accent1">
+                <a:shade val="50000"/>
+              </a:schemeClr>
+            </a:lnRef>
+            <a:fillRef idx="1">
+              <a:schemeClr val="accent1"/>
+            </a:fillRef>
+            <a:effectRef idx="0">
+              <a:schemeClr val="accent1"/>
+            </a:effectRef>
+            <a:fontRef idx="minor">
+              <a:schemeClr val="lt1"/>
+            </a:fontRef>
+          </p:style>
+          <p:txBody>
+            <a:bodyPr rtlCol="0" anchor="ctr"/>
+            <a:lstStyle/>
+            <a:p>
+              <a:pPr algn="ctr"/>
+              <a:endParaRPr lang="zh-CN" altLang="en-US"/>
+            </a:p>
+          </p:txBody>
+        </p:sp>
+        <p:grpSp>
+          <p:nvGrpSpPr>
+            <p:cNvPr id="103" name="组合 102">
+              <a:extLst>
+                <a:ext uri="{FF2B5EF4-FFF2-40B4-BE49-F238E27FC236}">
+                  <a16:creationId xmlns:a16="http://schemas.microsoft.com/office/drawing/2014/main" id="{CFB80C97-0906-4757-8DB5-B01260D24B04}"/>
+                </a:ext>
+              </a:extLst>
+            </p:cNvPr>
+            <p:cNvGrpSpPr/>
+            <p:nvPr/>
+          </p:nvGrpSpPr>
+          <p:grpSpPr>
+            <a:xfrm>
+              <a:off x="4507712" y="3933443"/>
+              <a:ext cx="487614" cy="731520"/>
+              <a:chOff x="4391241" y="4251074"/>
+              <a:chExt cx="487614" cy="731520"/>
+            </a:xfrm>
+          </p:grpSpPr>
+          <p:cxnSp>
+            <p:nvCxnSpPr>
+              <p:cNvPr id="101" name="直接连接符 100">
+                <a:extLst>
+                  <a:ext uri="{FF2B5EF4-FFF2-40B4-BE49-F238E27FC236}">
+                    <a16:creationId xmlns:a16="http://schemas.microsoft.com/office/drawing/2014/main" id="{BBB928B7-B214-42E5-BC6F-41D8F92D3C4B}"/>
+                  </a:ext>
+                </a:extLst>
+              </p:cNvPr>
+              <p:cNvCxnSpPr>
+                <a:cxnSpLocks/>
+                <a:endCxn id="102" idx="2"/>
+              </p:cNvCxnSpPr>
+              <p:nvPr/>
+            </p:nvCxnSpPr>
+            <p:spPr>
+              <a:xfrm>
+                <a:off x="4635048" y="4251074"/>
+                <a:ext cx="0" cy="731520"/>
+              </a:xfrm>
+              <a:prstGeom prst="line">
+                <a:avLst/>
+              </a:prstGeom>
+              <a:ln w="12700"/>
+            </p:spPr>
+            <p:style>
+              <a:lnRef idx="1">
+                <a:schemeClr val="accent1"/>
+              </a:lnRef>
+              <a:fillRef idx="0">
+                <a:schemeClr val="accent1"/>
+              </a:fillRef>
+              <a:effectRef idx="0">
+                <a:schemeClr val="accent1"/>
+              </a:effectRef>
+              <a:fontRef idx="minor">
+                <a:schemeClr val="tx1"/>
+              </a:fontRef>
+            </p:style>
+          </p:cxnSp>
+          <p:sp>
+            <p:nvSpPr>
+              <p:cNvPr id="102" name="矩形 101">
+                <a:extLst>
+                  <a:ext uri="{FF2B5EF4-FFF2-40B4-BE49-F238E27FC236}">
+                    <a16:creationId xmlns:a16="http://schemas.microsoft.com/office/drawing/2014/main" id="{DF291B23-3B04-42B3-A7AF-9AC0100CA12E}"/>
+                  </a:ext>
+                </a:extLst>
+              </p:cNvPr>
+              <p:cNvSpPr/>
+              <p:nvPr/>
+            </p:nvSpPr>
+            <p:spPr>
+              <a:xfrm>
+                <a:off x="4391241" y="4484939"/>
+                <a:ext cx="487614" cy="497655"/>
+              </a:xfrm>
+              <a:prstGeom prst="rect">
+                <a:avLst/>
+              </a:prstGeom>
+              <a:solidFill>
+                <a:srgbClr val="FF0000"/>
+              </a:solidFill>
+            </p:spPr>
+            <p:style>
+              <a:lnRef idx="2">
+                <a:schemeClr val="accent1">
+                  <a:shade val="50000"/>
+                </a:schemeClr>
+              </a:lnRef>
+              <a:fillRef idx="1">
+                <a:schemeClr val="accent1"/>
+              </a:fillRef>
+              <a:effectRef idx="0">
+                <a:schemeClr val="accent1"/>
+              </a:effectRef>
+              <a:fontRef idx="minor">
+                <a:schemeClr val="lt1"/>
+              </a:fontRef>
+            </p:style>
+            <p:txBody>
+              <a:bodyPr rtlCol="0" anchor="ctr"/>
+              <a:lstStyle/>
+              <a:p>
+                <a:pPr algn="ctr"/>
+                <a:endParaRPr lang="zh-CN" altLang="en-US"/>
+              </a:p>
+            </p:txBody>
+          </p:sp>
+        </p:grpSp>
+        <p:grpSp>
+          <p:nvGrpSpPr>
+            <p:cNvPr id="104" name="组合 103">
+              <a:extLst>
+                <a:ext uri="{FF2B5EF4-FFF2-40B4-BE49-F238E27FC236}">
+                  <a16:creationId xmlns:a16="http://schemas.microsoft.com/office/drawing/2014/main" id="{95F39159-ABAC-41FC-ABC7-731F8B391B1C}"/>
+                </a:ext>
+              </a:extLst>
+            </p:cNvPr>
+            <p:cNvGrpSpPr/>
+            <p:nvPr/>
+          </p:nvGrpSpPr>
+          <p:grpSpPr>
+            <a:xfrm>
+              <a:off x="5214690" y="3632066"/>
+              <a:ext cx="487614" cy="731520"/>
+              <a:chOff x="4391241" y="4251074"/>
+              <a:chExt cx="487614" cy="731520"/>
+            </a:xfrm>
+          </p:grpSpPr>
+          <p:cxnSp>
+            <p:nvCxnSpPr>
+              <p:cNvPr id="105" name="直接连接符 104">
+                <a:extLst>
+                  <a:ext uri="{FF2B5EF4-FFF2-40B4-BE49-F238E27FC236}">
+                    <a16:creationId xmlns:a16="http://schemas.microsoft.com/office/drawing/2014/main" id="{104F1F1A-EB1D-406F-8898-5E06E9EAC3EF}"/>
+                  </a:ext>
+                </a:extLst>
+              </p:cNvPr>
+              <p:cNvCxnSpPr>
+                <a:cxnSpLocks/>
+                <a:endCxn id="106" idx="2"/>
+              </p:cNvCxnSpPr>
+              <p:nvPr/>
+            </p:nvCxnSpPr>
+            <p:spPr>
+              <a:xfrm>
+                <a:off x="4635048" y="4251074"/>
+                <a:ext cx="0" cy="731520"/>
+              </a:xfrm>
+              <a:prstGeom prst="line">
+                <a:avLst/>
+              </a:prstGeom>
+              <a:ln w="12700"/>
+            </p:spPr>
+            <p:style>
+              <a:lnRef idx="1">
+                <a:schemeClr val="accent1"/>
+              </a:lnRef>
+              <a:fillRef idx="0">
+                <a:schemeClr val="accent1"/>
+              </a:fillRef>
+              <a:effectRef idx="0">
+                <a:schemeClr val="accent1"/>
+              </a:effectRef>
+              <a:fontRef idx="minor">
+                <a:schemeClr val="tx1"/>
+              </a:fontRef>
+            </p:style>
+          </p:cxnSp>
+          <p:sp>
+            <p:nvSpPr>
+              <p:cNvPr id="106" name="矩形 105">
+                <a:extLst>
+                  <a:ext uri="{FF2B5EF4-FFF2-40B4-BE49-F238E27FC236}">
+                    <a16:creationId xmlns:a16="http://schemas.microsoft.com/office/drawing/2014/main" id="{AA1B5921-E369-447D-AEEA-5873F9D564D0}"/>
+                  </a:ext>
+                </a:extLst>
+              </p:cNvPr>
+              <p:cNvSpPr/>
+              <p:nvPr/>
+            </p:nvSpPr>
+            <p:spPr>
+              <a:xfrm>
+                <a:off x="4391241" y="4484939"/>
+                <a:ext cx="487614" cy="497655"/>
+              </a:xfrm>
+              <a:prstGeom prst="rect">
+                <a:avLst/>
+              </a:prstGeom>
+              <a:solidFill>
+                <a:srgbClr val="FF0000"/>
+              </a:solidFill>
+            </p:spPr>
+            <p:style>
+              <a:lnRef idx="2">
+                <a:schemeClr val="accent1">
+                  <a:shade val="50000"/>
+                </a:schemeClr>
+              </a:lnRef>
+              <a:fillRef idx="1">
+                <a:schemeClr val="accent1"/>
+              </a:fillRef>
+              <a:effectRef idx="0">
+                <a:schemeClr val="accent1"/>
+              </a:effectRef>
+              <a:fontRef idx="minor">
+                <a:schemeClr val="lt1"/>
+              </a:fontRef>
+            </p:style>
+            <p:txBody>
+              <a:bodyPr rtlCol="0" anchor="ctr"/>
+              <a:lstStyle/>
+              <a:p>
+                <a:pPr algn="ctr"/>
+                <a:endParaRPr lang="zh-CN" altLang="en-US"/>
+              </a:p>
+            </p:txBody>
+          </p:sp>
+        </p:grpSp>
+        <p:grpSp>
+          <p:nvGrpSpPr>
+            <p:cNvPr id="107" name="组合 106">
+              <a:extLst>
+                <a:ext uri="{FF2B5EF4-FFF2-40B4-BE49-F238E27FC236}">
+                  <a16:creationId xmlns:a16="http://schemas.microsoft.com/office/drawing/2014/main" id="{08469EA0-9F0D-40B7-BBCF-391106DFE593}"/>
+                </a:ext>
+              </a:extLst>
+            </p:cNvPr>
+            <p:cNvGrpSpPr/>
+            <p:nvPr/>
+          </p:nvGrpSpPr>
+          <p:grpSpPr>
+            <a:xfrm>
+              <a:off x="5921668" y="3414371"/>
+              <a:ext cx="487614" cy="731520"/>
+              <a:chOff x="4391241" y="4251074"/>
+              <a:chExt cx="487614" cy="731520"/>
+            </a:xfrm>
+          </p:grpSpPr>
+          <p:cxnSp>
+            <p:nvCxnSpPr>
+              <p:cNvPr id="108" name="直接连接符 107">
+                <a:extLst>
+                  <a:ext uri="{FF2B5EF4-FFF2-40B4-BE49-F238E27FC236}">
+                    <a16:creationId xmlns:a16="http://schemas.microsoft.com/office/drawing/2014/main" id="{6DE3AC49-5346-4444-A09F-BFED793E58FC}"/>
+                  </a:ext>
+                </a:extLst>
+              </p:cNvPr>
+              <p:cNvCxnSpPr>
+                <a:cxnSpLocks/>
+                <a:endCxn id="109" idx="2"/>
+              </p:cNvCxnSpPr>
+              <p:nvPr/>
+            </p:nvCxnSpPr>
+            <p:spPr>
+              <a:xfrm>
+                <a:off x="4635048" y="4251074"/>
+                <a:ext cx="0" cy="731520"/>
+              </a:xfrm>
+              <a:prstGeom prst="line">
+                <a:avLst/>
+              </a:prstGeom>
+              <a:ln w="12700"/>
+            </p:spPr>
+            <p:style>
+              <a:lnRef idx="1">
+                <a:schemeClr val="accent1"/>
+              </a:lnRef>
+              <a:fillRef idx="0">
+                <a:schemeClr val="accent1"/>
+              </a:fillRef>
+              <a:effectRef idx="0">
+                <a:schemeClr val="accent1"/>
+              </a:effectRef>
+              <a:fontRef idx="minor">
+                <a:schemeClr val="tx1"/>
+              </a:fontRef>
+            </p:style>
+          </p:cxnSp>
+          <p:sp>
+            <p:nvSpPr>
+              <p:cNvPr id="109" name="矩形 108">
+                <a:extLst>
+                  <a:ext uri="{FF2B5EF4-FFF2-40B4-BE49-F238E27FC236}">
+                    <a16:creationId xmlns:a16="http://schemas.microsoft.com/office/drawing/2014/main" id="{31FA5705-8746-4E3F-B18B-4C8AB7D1CDE8}"/>
+                  </a:ext>
+                </a:extLst>
+              </p:cNvPr>
+              <p:cNvSpPr/>
+              <p:nvPr/>
+            </p:nvSpPr>
+            <p:spPr>
+              <a:xfrm>
+                <a:off x="4391241" y="4484939"/>
+                <a:ext cx="487614" cy="497655"/>
+              </a:xfrm>
+              <a:prstGeom prst="rect">
+                <a:avLst/>
+              </a:prstGeom>
+              <a:solidFill>
+                <a:srgbClr val="FF0000"/>
+              </a:solidFill>
+            </p:spPr>
+            <p:style>
+              <a:lnRef idx="2">
+                <a:schemeClr val="accent1">
+                  <a:shade val="50000"/>
+                </a:schemeClr>
+              </a:lnRef>
+              <a:fillRef idx="1">
+                <a:schemeClr val="accent1"/>
+              </a:fillRef>
+              <a:effectRef idx="0">
+                <a:schemeClr val="accent1"/>
+              </a:effectRef>
+              <a:fontRef idx="minor">
+                <a:schemeClr val="lt1"/>
+              </a:fontRef>
+            </p:style>
+            <p:txBody>
+              <a:bodyPr rtlCol="0" anchor="ctr"/>
+              <a:lstStyle/>
+              <a:p>
+                <a:pPr algn="ctr"/>
+                <a:endParaRPr lang="zh-CN" altLang="en-US"/>
+              </a:p>
+            </p:txBody>
+          </p:sp>
+        </p:grpSp>
+      </p:grpSp>
+      <p:sp>
+        <p:nvSpPr>
+          <p:cNvPr id="111" name="文本框 110">
+            <a:extLst>
+              <a:ext uri="{FF2B5EF4-FFF2-40B4-BE49-F238E27FC236}">
+                <a16:creationId xmlns:a16="http://schemas.microsoft.com/office/drawing/2014/main" id="{7832EF12-3FF0-4BCE-BD5E-57146475E43B}"/>
+              </a:ext>
+            </a:extLst>
+          </p:cNvPr>
+          <p:cNvSpPr txBox="1"/>
+          <p:nvPr/>
+        </p:nvSpPr>
+        <p:spPr>
+          <a:xfrm>
+            <a:off x="3774527" y="5469939"/>
+            <a:ext cx="2429173" cy="369332"/>
+          </a:xfrm>
+          <a:prstGeom prst="rect">
+            <a:avLst/>
+          </a:prstGeom>
+          <a:noFill/>
+        </p:spPr>
+        <p:txBody>
+          <a:bodyPr wrap="square" rtlCol="0">
+            <a:spAutoFit/>
+          </a:bodyPr>
+          <a:lstStyle/>
+          <a:p>
+            <a:r>
+              <a:rPr lang="en-US" altLang="zh-CN" dirty="0"/>
+              <a:t>14</a:t>
+            </a:r>
+            <a:r>
+              <a:rPr lang="zh-CN" altLang="en-US" dirty="0"/>
+              <a:t>红三兵</a:t>
+            </a:r>
+            <a:endParaRPr lang="en-US" altLang="zh-CN" dirty="0"/>
+          </a:p>
+        </p:txBody>
+      </p:sp>
+      <p:sp>
+        <p:nvSpPr>
+          <p:cNvPr id="125" name="文本框 124">
+            <a:extLst>
+              <a:ext uri="{FF2B5EF4-FFF2-40B4-BE49-F238E27FC236}">
+                <a16:creationId xmlns:a16="http://schemas.microsoft.com/office/drawing/2014/main" id="{FD2C93C2-F9A2-47B5-A7BB-39F2DF710835}"/>
+              </a:ext>
+            </a:extLst>
+          </p:cNvPr>
+          <p:cNvSpPr txBox="1"/>
+          <p:nvPr/>
+        </p:nvSpPr>
+        <p:spPr>
+          <a:xfrm>
+            <a:off x="8549792" y="5483048"/>
+            <a:ext cx="2429173" cy="369332"/>
+          </a:xfrm>
+          <a:prstGeom prst="rect">
+            <a:avLst/>
+          </a:prstGeom>
+          <a:noFill/>
+        </p:spPr>
+        <p:txBody>
+          <a:bodyPr wrap="square" rtlCol="0">
+            <a:spAutoFit/>
+          </a:bodyPr>
+          <a:lstStyle/>
+          <a:p>
+            <a:r>
+              <a:rPr lang="en-US" altLang="zh-CN" dirty="0"/>
+              <a:t>15</a:t>
+            </a:r>
+            <a:r>
+              <a:rPr lang="zh-CN" altLang="en-US" dirty="0"/>
+              <a:t>冉冉上升形</a:t>
+            </a:r>
+            <a:endParaRPr lang="en-US" altLang="zh-CN" dirty="0"/>
+          </a:p>
+        </p:txBody>
+      </p:sp>
+      <p:grpSp>
+        <p:nvGrpSpPr>
+          <p:cNvPr id="159" name="组合 158">
+            <a:extLst>
+              <a:ext uri="{FF2B5EF4-FFF2-40B4-BE49-F238E27FC236}">
+                <a16:creationId xmlns:a16="http://schemas.microsoft.com/office/drawing/2014/main" id="{915D9369-9EE3-4CB5-B592-63A83AD38168}"/>
+              </a:ext>
+            </a:extLst>
+          </p:cNvPr>
+          <p:cNvGrpSpPr/>
+          <p:nvPr/>
+        </p:nvGrpSpPr>
+        <p:grpSpPr>
+          <a:xfrm>
+            <a:off x="6478155" y="3525057"/>
+            <a:ext cx="4838386" cy="1588196"/>
+            <a:chOff x="6478155" y="3525057"/>
+            <a:chExt cx="4838386" cy="1588196"/>
+          </a:xfrm>
+        </p:grpSpPr>
+        <p:sp>
+          <p:nvSpPr>
+            <p:cNvPr id="113" name="矩形 112">
+              <a:extLst>
+                <a:ext uri="{FF2B5EF4-FFF2-40B4-BE49-F238E27FC236}">
+                  <a16:creationId xmlns:a16="http://schemas.microsoft.com/office/drawing/2014/main" id="{DE429643-C629-468A-AE8A-2C2B8903FC9F}"/>
+                </a:ext>
+              </a:extLst>
+            </p:cNvPr>
+            <p:cNvSpPr/>
+            <p:nvPr/>
+          </p:nvSpPr>
+          <p:spPr>
+            <a:xfrm>
+              <a:off x="6478155" y="3525057"/>
+              <a:ext cx="4838386" cy="1588196"/>
+            </a:xfrm>
+            <a:prstGeom prst="rect">
+              <a:avLst/>
+            </a:prstGeom>
+            <a:solidFill>
+              <a:schemeClr val="bg1"/>
+            </a:solidFill>
+          </p:spPr>
+          <p:style>
+            <a:lnRef idx="2">
+              <a:schemeClr val="accent1">
+                <a:shade val="50000"/>
+              </a:schemeClr>
+            </a:lnRef>
+            <a:fillRef idx="1">
+              <a:schemeClr val="accent1"/>
+            </a:fillRef>
+            <a:effectRef idx="0">
+              <a:schemeClr val="accent1"/>
+            </a:effectRef>
+            <a:fontRef idx="minor">
+              <a:schemeClr val="lt1"/>
+            </a:fontRef>
+          </p:style>
+          <p:txBody>
+            <a:bodyPr rtlCol="0" anchor="ctr"/>
+            <a:lstStyle/>
+            <a:p>
+              <a:pPr algn="ctr"/>
+              <a:endParaRPr lang="zh-CN" altLang="en-US"/>
+            </a:p>
+          </p:txBody>
+        </p:sp>
+        <p:sp>
+          <p:nvSpPr>
+            <p:cNvPr id="126" name="矩形 125">
+              <a:extLst>
+                <a:ext uri="{FF2B5EF4-FFF2-40B4-BE49-F238E27FC236}">
+                  <a16:creationId xmlns:a16="http://schemas.microsoft.com/office/drawing/2014/main" id="{A619D3B4-89F7-426B-9F60-9841E0D917CA}"/>
+                </a:ext>
+              </a:extLst>
+            </p:cNvPr>
+            <p:cNvSpPr/>
+            <p:nvPr/>
+          </p:nvSpPr>
+          <p:spPr>
+            <a:xfrm>
+              <a:off x="6751908" y="4389080"/>
+              <a:ext cx="295594" cy="497655"/>
+            </a:xfrm>
+            <a:prstGeom prst="rect">
+              <a:avLst/>
+            </a:prstGeom>
+            <a:solidFill>
+              <a:srgbClr val="FF0000"/>
+            </a:solidFill>
+          </p:spPr>
+          <p:style>
+            <a:lnRef idx="2">
+              <a:schemeClr val="accent1">
+                <a:shade val="50000"/>
+              </a:schemeClr>
+            </a:lnRef>
+            <a:fillRef idx="1">
+              <a:schemeClr val="accent1"/>
+            </a:fillRef>
+            <a:effectRef idx="0">
+              <a:schemeClr val="accent1"/>
+            </a:effectRef>
+            <a:fontRef idx="minor">
+              <a:schemeClr val="lt1"/>
+            </a:fontRef>
+          </p:style>
+          <p:txBody>
+            <a:bodyPr rtlCol="0" anchor="ctr"/>
+            <a:lstStyle/>
+            <a:p>
+              <a:pPr algn="ctr"/>
+              <a:endParaRPr lang="zh-CN" altLang="en-US"/>
+            </a:p>
+          </p:txBody>
+        </p:sp>
+        <p:grpSp>
+          <p:nvGrpSpPr>
+            <p:cNvPr id="130" name="组合 129">
+              <a:extLst>
+                <a:ext uri="{FF2B5EF4-FFF2-40B4-BE49-F238E27FC236}">
+                  <a16:creationId xmlns:a16="http://schemas.microsoft.com/office/drawing/2014/main" id="{A92BCA8F-07F4-4D5E-9904-FB8AF0CCB524}"/>
+                </a:ext>
+              </a:extLst>
+            </p:cNvPr>
+            <p:cNvGrpSpPr/>
+            <p:nvPr/>
+          </p:nvGrpSpPr>
+          <p:grpSpPr>
+            <a:xfrm>
+              <a:off x="7182657" y="4156641"/>
+              <a:ext cx="295594" cy="574381"/>
+              <a:chOff x="7137878" y="4178517"/>
+              <a:chExt cx="295594" cy="574381"/>
+            </a:xfrm>
+          </p:grpSpPr>
+          <p:cxnSp>
+            <p:nvCxnSpPr>
+              <p:cNvPr id="128" name="直接连接符 127">
+                <a:extLst>
+                  <a:ext uri="{FF2B5EF4-FFF2-40B4-BE49-F238E27FC236}">
+                    <a16:creationId xmlns:a16="http://schemas.microsoft.com/office/drawing/2014/main" id="{13B6B095-0850-419C-8A21-F3DAFAC4D5A5}"/>
+                  </a:ext>
+                </a:extLst>
+              </p:cNvPr>
+              <p:cNvCxnSpPr>
+                <a:cxnSpLocks/>
+              </p:cNvCxnSpPr>
+              <p:nvPr/>
+            </p:nvCxnSpPr>
+            <p:spPr>
+              <a:xfrm>
+                <a:off x="7285675" y="4178517"/>
+                <a:ext cx="0" cy="573483"/>
+              </a:xfrm>
+              <a:prstGeom prst="line">
+                <a:avLst/>
+              </a:prstGeom>
+            </p:spPr>
+            <p:style>
+              <a:lnRef idx="1">
+                <a:schemeClr val="accent1"/>
+              </a:lnRef>
+              <a:fillRef idx="0">
+                <a:schemeClr val="accent1"/>
+              </a:fillRef>
+              <a:effectRef idx="0">
+                <a:schemeClr val="accent1"/>
+              </a:effectRef>
+              <a:fontRef idx="minor">
+                <a:schemeClr val="tx1"/>
+              </a:fontRef>
+            </p:style>
+          </p:cxnSp>
+          <p:sp>
+            <p:nvSpPr>
+              <p:cNvPr id="127" name="矩形 126">
+                <a:extLst>
+                  <a:ext uri="{FF2B5EF4-FFF2-40B4-BE49-F238E27FC236}">
+                    <a16:creationId xmlns:a16="http://schemas.microsoft.com/office/drawing/2014/main" id="{F2EA8596-9E18-4EE7-A5AB-DE387A7C0AA3}"/>
+                  </a:ext>
+                </a:extLst>
+              </p:cNvPr>
+              <p:cNvSpPr/>
+              <p:nvPr/>
+            </p:nvSpPr>
+            <p:spPr>
+              <a:xfrm>
+                <a:off x="7137878" y="4293993"/>
+                <a:ext cx="295594" cy="458905"/>
+              </a:xfrm>
+              <a:prstGeom prst="rect">
+                <a:avLst/>
+              </a:prstGeom>
+              <a:solidFill>
+                <a:srgbClr val="FF0000"/>
+              </a:solidFill>
+            </p:spPr>
+            <p:style>
+              <a:lnRef idx="2">
+                <a:schemeClr val="accent1">
+                  <a:shade val="50000"/>
+                </a:schemeClr>
+              </a:lnRef>
+              <a:fillRef idx="1">
+                <a:schemeClr val="accent1"/>
+              </a:fillRef>
+              <a:effectRef idx="0">
+                <a:schemeClr val="accent1"/>
+              </a:effectRef>
+              <a:fontRef idx="minor">
+                <a:schemeClr val="lt1"/>
+              </a:fontRef>
+            </p:style>
+            <p:txBody>
+              <a:bodyPr rtlCol="0" anchor="ctr"/>
+              <a:lstStyle/>
+              <a:p>
+                <a:pPr algn="ctr"/>
+                <a:endParaRPr lang="zh-CN" altLang="en-US"/>
+              </a:p>
+            </p:txBody>
+          </p:sp>
+        </p:grpSp>
+        <p:grpSp>
+          <p:nvGrpSpPr>
+            <p:cNvPr id="136" name="组合 135">
+              <a:extLst>
+                <a:ext uri="{FF2B5EF4-FFF2-40B4-BE49-F238E27FC236}">
+                  <a16:creationId xmlns:a16="http://schemas.microsoft.com/office/drawing/2014/main" id="{04E74723-0E42-4C60-8849-8A1FD2A3BA2A}"/>
+                </a:ext>
+              </a:extLst>
+            </p:cNvPr>
+            <p:cNvGrpSpPr/>
+            <p:nvPr/>
+          </p:nvGrpSpPr>
+          <p:grpSpPr>
+            <a:xfrm>
+              <a:off x="7613406" y="4427413"/>
+              <a:ext cx="292095" cy="539528"/>
+              <a:chOff x="7594079" y="4391926"/>
+              <a:chExt cx="292095" cy="539528"/>
+            </a:xfrm>
+          </p:grpSpPr>
+          <p:cxnSp>
+            <p:nvCxnSpPr>
+              <p:cNvPr id="132" name="直接连接符 131">
+                <a:extLst>
+                  <a:ext uri="{FF2B5EF4-FFF2-40B4-BE49-F238E27FC236}">
+                    <a16:creationId xmlns:a16="http://schemas.microsoft.com/office/drawing/2014/main" id="{5F2C55B7-C8E7-4FBA-B086-23841D311613}"/>
+                  </a:ext>
+                </a:extLst>
+              </p:cNvPr>
+              <p:cNvCxnSpPr>
+                <a:cxnSpLocks/>
+                <a:stCxn id="131" idx="0"/>
+              </p:cNvCxnSpPr>
+              <p:nvPr/>
+            </p:nvCxnSpPr>
+            <p:spPr>
+              <a:xfrm>
+                <a:off x="7740127" y="4391926"/>
+                <a:ext cx="0" cy="539528"/>
+              </a:xfrm>
+              <a:prstGeom prst="line">
+                <a:avLst/>
+              </a:prstGeom>
+            </p:spPr>
+            <p:style>
+              <a:lnRef idx="1">
+                <a:schemeClr val="accent1"/>
+              </a:lnRef>
+              <a:fillRef idx="0">
+                <a:schemeClr val="accent1"/>
+              </a:fillRef>
+              <a:effectRef idx="0">
+                <a:schemeClr val="accent1"/>
+              </a:effectRef>
+              <a:fontRef idx="minor">
+                <a:schemeClr val="tx1"/>
+              </a:fontRef>
+            </p:style>
+          </p:cxnSp>
+          <p:sp>
+            <p:nvSpPr>
+              <p:cNvPr id="131" name="矩形 130">
+                <a:extLst>
+                  <a:ext uri="{FF2B5EF4-FFF2-40B4-BE49-F238E27FC236}">
+                    <a16:creationId xmlns:a16="http://schemas.microsoft.com/office/drawing/2014/main" id="{8784C629-C035-4436-8B2D-5BC5E88DE2D7}"/>
+                  </a:ext>
+                </a:extLst>
+              </p:cNvPr>
+              <p:cNvSpPr/>
+              <p:nvPr/>
+            </p:nvSpPr>
+            <p:spPr>
+              <a:xfrm>
+                <a:off x="7594079" y="4391926"/>
+                <a:ext cx="292095" cy="371584"/>
+              </a:xfrm>
+              <a:prstGeom prst="rect">
+                <a:avLst/>
+              </a:prstGeom>
+              <a:solidFill>
+                <a:srgbClr val="00B050"/>
+              </a:solidFill>
+            </p:spPr>
+            <p:style>
+              <a:lnRef idx="2">
+                <a:schemeClr val="accent1">
+                  <a:shade val="50000"/>
+                </a:schemeClr>
+              </a:lnRef>
+              <a:fillRef idx="1">
+                <a:schemeClr val="accent1"/>
+              </a:fillRef>
+              <a:effectRef idx="0">
+                <a:schemeClr val="accent1"/>
+              </a:effectRef>
+              <a:fontRef idx="minor">
+                <a:schemeClr val="lt1"/>
+              </a:fontRef>
+            </p:style>
+            <p:txBody>
+              <a:bodyPr rtlCol="0" anchor="ctr"/>
+              <a:lstStyle/>
+              <a:p>
+                <a:pPr algn="ctr"/>
+                <a:endParaRPr lang="zh-CN" altLang="en-US"/>
+              </a:p>
+            </p:txBody>
+          </p:sp>
+        </p:grpSp>
+        <p:grpSp>
+          <p:nvGrpSpPr>
+            <p:cNvPr id="137" name="组合 136">
+              <a:extLst>
+                <a:ext uri="{FF2B5EF4-FFF2-40B4-BE49-F238E27FC236}">
+                  <a16:creationId xmlns:a16="http://schemas.microsoft.com/office/drawing/2014/main" id="{80BE1C7D-0695-411A-986E-48B760B898E1}"/>
+                </a:ext>
+              </a:extLst>
+            </p:cNvPr>
+            <p:cNvGrpSpPr/>
+            <p:nvPr/>
+          </p:nvGrpSpPr>
+          <p:grpSpPr>
+            <a:xfrm>
+              <a:off x="8040656" y="4156641"/>
+              <a:ext cx="292095" cy="541066"/>
+              <a:chOff x="7594079" y="4222444"/>
+              <a:chExt cx="292095" cy="541066"/>
+            </a:xfrm>
+          </p:grpSpPr>
+          <p:cxnSp>
+            <p:nvCxnSpPr>
+              <p:cNvPr id="138" name="直接连接符 137">
+                <a:extLst>
+                  <a:ext uri="{FF2B5EF4-FFF2-40B4-BE49-F238E27FC236}">
+                    <a16:creationId xmlns:a16="http://schemas.microsoft.com/office/drawing/2014/main" id="{456FCE9E-5D8C-4B1E-841D-27218BF2862D}"/>
+                  </a:ext>
+                </a:extLst>
+              </p:cNvPr>
+              <p:cNvCxnSpPr>
+                <a:cxnSpLocks/>
+              </p:cNvCxnSpPr>
+              <p:nvPr/>
+            </p:nvCxnSpPr>
+            <p:spPr>
+              <a:xfrm>
+                <a:off x="7740126" y="4222444"/>
+                <a:ext cx="0" cy="539528"/>
+              </a:xfrm>
+              <a:prstGeom prst="line">
+                <a:avLst/>
+              </a:prstGeom>
+            </p:spPr>
+            <p:style>
+              <a:lnRef idx="1">
+                <a:schemeClr val="accent1"/>
+              </a:lnRef>
+              <a:fillRef idx="0">
+                <a:schemeClr val="accent1"/>
+              </a:fillRef>
+              <a:effectRef idx="0">
+                <a:schemeClr val="accent1"/>
+              </a:effectRef>
+              <a:fontRef idx="minor">
+                <a:schemeClr val="tx1"/>
+              </a:fontRef>
+            </p:style>
+          </p:cxnSp>
+          <p:sp>
+            <p:nvSpPr>
+              <p:cNvPr id="139" name="矩形 138">
+                <a:extLst>
+                  <a:ext uri="{FF2B5EF4-FFF2-40B4-BE49-F238E27FC236}">
+                    <a16:creationId xmlns:a16="http://schemas.microsoft.com/office/drawing/2014/main" id="{5AB33817-49A5-443D-8F39-AD849F343667}"/>
+                  </a:ext>
+                </a:extLst>
+              </p:cNvPr>
+              <p:cNvSpPr/>
+              <p:nvPr/>
+            </p:nvSpPr>
+            <p:spPr>
+              <a:xfrm>
+                <a:off x="7594079" y="4391926"/>
+                <a:ext cx="292095" cy="371584"/>
+              </a:xfrm>
+              <a:prstGeom prst="rect">
+                <a:avLst/>
+              </a:prstGeom>
+              <a:solidFill>
+                <a:srgbClr val="00B050"/>
+              </a:solidFill>
+            </p:spPr>
+            <p:style>
+              <a:lnRef idx="2">
+                <a:schemeClr val="accent1">
+                  <a:shade val="50000"/>
+                </a:schemeClr>
+              </a:lnRef>
+              <a:fillRef idx="1">
+                <a:schemeClr val="accent1"/>
+              </a:fillRef>
+              <a:effectRef idx="0">
+                <a:schemeClr val="accent1"/>
+              </a:effectRef>
+              <a:fontRef idx="minor">
+                <a:schemeClr val="lt1"/>
+              </a:fontRef>
+            </p:style>
+            <p:txBody>
+              <a:bodyPr rtlCol="0" anchor="ctr"/>
+              <a:lstStyle/>
+              <a:p>
+                <a:pPr algn="ctr"/>
+                <a:endParaRPr lang="zh-CN" altLang="en-US"/>
+              </a:p>
+            </p:txBody>
+          </p:sp>
+        </p:grpSp>
+        <p:sp>
+          <p:nvSpPr>
+            <p:cNvPr id="140" name="矩形 139">
+              <a:extLst>
+                <a:ext uri="{FF2B5EF4-FFF2-40B4-BE49-F238E27FC236}">
+                  <a16:creationId xmlns:a16="http://schemas.microsoft.com/office/drawing/2014/main" id="{4E8B27C6-6590-4431-870D-E5C0008801E0}"/>
+                </a:ext>
+              </a:extLst>
+            </p:cNvPr>
+            <p:cNvSpPr/>
+            <p:nvPr/>
+          </p:nvSpPr>
+          <p:spPr>
+            <a:xfrm>
+              <a:off x="8467906" y="4147360"/>
+              <a:ext cx="295594" cy="497655"/>
+            </a:xfrm>
+            <a:prstGeom prst="rect">
+              <a:avLst/>
+            </a:prstGeom>
+            <a:solidFill>
+              <a:srgbClr val="FF0000"/>
+            </a:solidFill>
+          </p:spPr>
+          <p:style>
+            <a:lnRef idx="2">
+              <a:schemeClr val="accent1">
+                <a:shade val="50000"/>
+              </a:schemeClr>
+            </a:lnRef>
+            <a:fillRef idx="1">
+              <a:schemeClr val="accent1"/>
+            </a:fillRef>
+            <a:effectRef idx="0">
+              <a:schemeClr val="accent1"/>
+            </a:effectRef>
+            <a:fontRef idx="minor">
+              <a:schemeClr val="lt1"/>
+            </a:fontRef>
+          </p:style>
+          <p:txBody>
+            <a:bodyPr rtlCol="0" anchor="ctr"/>
+            <a:lstStyle/>
+            <a:p>
+              <a:pPr algn="ctr"/>
+              <a:endParaRPr lang="zh-CN" altLang="en-US"/>
+            </a:p>
+          </p:txBody>
+        </p:sp>
+        <p:sp>
+          <p:nvSpPr>
+            <p:cNvPr id="141" name="矩形 140">
+              <a:extLst>
+                <a:ext uri="{FF2B5EF4-FFF2-40B4-BE49-F238E27FC236}">
+                  <a16:creationId xmlns:a16="http://schemas.microsoft.com/office/drawing/2014/main" id="{A3BDA39F-4B80-46B6-B295-60093F364D9C}"/>
+                </a:ext>
+              </a:extLst>
+            </p:cNvPr>
+            <p:cNvSpPr/>
+            <p:nvPr/>
+          </p:nvSpPr>
+          <p:spPr>
+            <a:xfrm>
+              <a:off x="9356491" y="4093199"/>
+              <a:ext cx="295594" cy="341088"/>
+            </a:xfrm>
+            <a:prstGeom prst="rect">
+              <a:avLst/>
+            </a:prstGeom>
+            <a:solidFill>
+              <a:srgbClr val="FF0000"/>
+            </a:solidFill>
+          </p:spPr>
+          <p:style>
+            <a:lnRef idx="2">
+              <a:schemeClr val="accent1">
+                <a:shade val="50000"/>
+              </a:schemeClr>
+            </a:lnRef>
+            <a:fillRef idx="1">
+              <a:schemeClr val="accent1"/>
+            </a:fillRef>
+            <a:effectRef idx="0">
+              <a:schemeClr val="accent1"/>
+            </a:effectRef>
+            <a:fontRef idx="minor">
+              <a:schemeClr val="lt1"/>
+            </a:fontRef>
+          </p:style>
+          <p:txBody>
+            <a:bodyPr rtlCol="0" anchor="ctr"/>
+            <a:lstStyle/>
+            <a:p>
+              <a:pPr algn="ctr"/>
+              <a:endParaRPr lang="zh-CN" altLang="en-US"/>
+            </a:p>
+          </p:txBody>
+        </p:sp>
+        <p:grpSp>
+          <p:nvGrpSpPr>
+            <p:cNvPr id="142" name="组合 141">
+              <a:extLst>
+                <a:ext uri="{FF2B5EF4-FFF2-40B4-BE49-F238E27FC236}">
+                  <a16:creationId xmlns:a16="http://schemas.microsoft.com/office/drawing/2014/main" id="{F15D2638-5566-4B67-AD13-14327C2DC551}"/>
+                </a:ext>
+              </a:extLst>
+            </p:cNvPr>
+            <p:cNvGrpSpPr/>
+            <p:nvPr/>
+          </p:nvGrpSpPr>
+          <p:grpSpPr>
+            <a:xfrm>
+              <a:off x="10214490" y="3872559"/>
+              <a:ext cx="295594" cy="439398"/>
+              <a:chOff x="7137878" y="4178517"/>
+              <a:chExt cx="295594" cy="574381"/>
+            </a:xfrm>
+          </p:grpSpPr>
+          <p:cxnSp>
+            <p:nvCxnSpPr>
+              <p:cNvPr id="143" name="直接连接符 142">
+                <a:extLst>
+                  <a:ext uri="{FF2B5EF4-FFF2-40B4-BE49-F238E27FC236}">
+                    <a16:creationId xmlns:a16="http://schemas.microsoft.com/office/drawing/2014/main" id="{B74AC2F5-2DA4-4DD0-8AE8-8F519ED3CB26}"/>
+                  </a:ext>
+                </a:extLst>
+              </p:cNvPr>
+              <p:cNvCxnSpPr>
+                <a:cxnSpLocks/>
+              </p:cNvCxnSpPr>
+              <p:nvPr/>
+            </p:nvCxnSpPr>
+            <p:spPr>
+              <a:xfrm>
+                <a:off x="7285675" y="4178517"/>
+                <a:ext cx="0" cy="573483"/>
+              </a:xfrm>
+              <a:prstGeom prst="line">
+                <a:avLst/>
+              </a:prstGeom>
+            </p:spPr>
+            <p:style>
+              <a:lnRef idx="1">
+                <a:schemeClr val="accent1"/>
+              </a:lnRef>
+              <a:fillRef idx="0">
+                <a:schemeClr val="accent1"/>
+              </a:fillRef>
+              <a:effectRef idx="0">
+                <a:schemeClr val="accent1"/>
+              </a:effectRef>
+              <a:fontRef idx="minor">
+                <a:schemeClr val="tx1"/>
+              </a:fontRef>
+            </p:style>
+          </p:cxnSp>
+          <p:sp>
+            <p:nvSpPr>
+              <p:cNvPr id="144" name="矩形 143">
+                <a:extLst>
+                  <a:ext uri="{FF2B5EF4-FFF2-40B4-BE49-F238E27FC236}">
+                    <a16:creationId xmlns:a16="http://schemas.microsoft.com/office/drawing/2014/main" id="{9A9778E9-85DE-4281-832C-1F99753EA904}"/>
+                  </a:ext>
+                </a:extLst>
+              </p:cNvPr>
+              <p:cNvSpPr/>
+              <p:nvPr/>
+            </p:nvSpPr>
+            <p:spPr>
+              <a:xfrm>
+                <a:off x="7137878" y="4293993"/>
+                <a:ext cx="295594" cy="458905"/>
+              </a:xfrm>
+              <a:prstGeom prst="rect">
+                <a:avLst/>
+              </a:prstGeom>
+              <a:solidFill>
+                <a:srgbClr val="FF0000"/>
+              </a:solidFill>
+            </p:spPr>
+            <p:style>
+              <a:lnRef idx="2">
+                <a:schemeClr val="accent1">
+                  <a:shade val="50000"/>
+                </a:schemeClr>
+              </a:lnRef>
+              <a:fillRef idx="1">
+                <a:schemeClr val="accent1"/>
+              </a:fillRef>
+              <a:effectRef idx="0">
+                <a:schemeClr val="accent1"/>
+              </a:effectRef>
+              <a:fontRef idx="minor">
+                <a:schemeClr val="lt1"/>
+              </a:fontRef>
+            </p:style>
+            <p:txBody>
+              <a:bodyPr rtlCol="0" anchor="ctr"/>
+              <a:lstStyle/>
+              <a:p>
+                <a:pPr algn="ctr"/>
+                <a:endParaRPr lang="zh-CN" altLang="en-US"/>
+              </a:p>
+            </p:txBody>
+          </p:sp>
+        </p:grpSp>
+        <p:sp>
+          <p:nvSpPr>
+            <p:cNvPr id="145" name="矩形 144">
+              <a:extLst>
+                <a:ext uri="{FF2B5EF4-FFF2-40B4-BE49-F238E27FC236}">
+                  <a16:creationId xmlns:a16="http://schemas.microsoft.com/office/drawing/2014/main" id="{525E41B3-F05C-4103-A17C-E9581F732154}"/>
+                </a:ext>
+              </a:extLst>
+            </p:cNvPr>
+            <p:cNvSpPr/>
+            <p:nvPr/>
+          </p:nvSpPr>
+          <p:spPr>
+            <a:xfrm>
+              <a:off x="10645241" y="3823199"/>
+              <a:ext cx="295594" cy="403094"/>
+            </a:xfrm>
+            <a:prstGeom prst="rect">
+              <a:avLst/>
+            </a:prstGeom>
+            <a:solidFill>
+              <a:srgbClr val="FF0000"/>
+            </a:solidFill>
+          </p:spPr>
+          <p:style>
+            <a:lnRef idx="2">
+              <a:schemeClr val="accent1">
+                <a:shade val="50000"/>
+              </a:schemeClr>
+            </a:lnRef>
+            <a:fillRef idx="1">
+              <a:schemeClr val="accent1"/>
+            </a:fillRef>
+            <a:effectRef idx="0">
+              <a:schemeClr val="accent1"/>
+            </a:effectRef>
+            <a:fontRef idx="minor">
+              <a:schemeClr val="lt1"/>
+            </a:fontRef>
+          </p:style>
+          <p:txBody>
+            <a:bodyPr rtlCol="0" anchor="ctr"/>
+            <a:lstStyle/>
+            <a:p>
+              <a:pPr algn="ctr"/>
+              <a:endParaRPr lang="zh-CN" altLang="en-US"/>
+            </a:p>
+          </p:txBody>
+        </p:sp>
+        <p:grpSp>
+          <p:nvGrpSpPr>
+            <p:cNvPr id="154" name="组合 153">
+              <a:extLst>
+                <a:ext uri="{FF2B5EF4-FFF2-40B4-BE49-F238E27FC236}">
+                  <a16:creationId xmlns:a16="http://schemas.microsoft.com/office/drawing/2014/main" id="{A9166C33-BCD2-41BE-9602-786D856A6495}"/>
+                </a:ext>
+              </a:extLst>
+            </p:cNvPr>
+            <p:cNvGrpSpPr/>
+            <p:nvPr/>
+          </p:nvGrpSpPr>
+          <p:grpSpPr>
+            <a:xfrm>
+              <a:off x="8898655" y="4055417"/>
+              <a:ext cx="322681" cy="454967"/>
+              <a:chOff x="6235774" y="5945833"/>
+              <a:chExt cx="322681" cy="454967"/>
+            </a:xfrm>
+          </p:grpSpPr>
+          <p:cxnSp>
+            <p:nvCxnSpPr>
+              <p:cNvPr id="146" name="直接连接符 145">
+                <a:extLst>
+                  <a:ext uri="{FF2B5EF4-FFF2-40B4-BE49-F238E27FC236}">
+                    <a16:creationId xmlns:a16="http://schemas.microsoft.com/office/drawing/2014/main" id="{F3428511-9873-41E3-9048-54198388F58A}"/>
+                  </a:ext>
+                </a:extLst>
+              </p:cNvPr>
+              <p:cNvCxnSpPr>
+                <a:cxnSpLocks/>
+              </p:cNvCxnSpPr>
+              <p:nvPr/>
+            </p:nvCxnSpPr>
+            <p:spPr>
+              <a:xfrm>
+                <a:off x="6397114" y="5945833"/>
+                <a:ext cx="0" cy="454967"/>
+              </a:xfrm>
+              <a:prstGeom prst="line">
+                <a:avLst/>
+              </a:prstGeom>
+              <a:ln w="12700"/>
+            </p:spPr>
+            <p:style>
+              <a:lnRef idx="1">
+                <a:schemeClr val="accent1"/>
+              </a:lnRef>
+              <a:fillRef idx="0">
+                <a:schemeClr val="accent1"/>
+              </a:fillRef>
+              <a:effectRef idx="0">
+                <a:schemeClr val="accent1"/>
+              </a:effectRef>
+              <a:fontRef idx="minor">
+                <a:schemeClr val="tx1"/>
+              </a:fontRef>
+            </p:style>
+          </p:cxnSp>
+          <p:cxnSp>
+            <p:nvCxnSpPr>
+              <p:cNvPr id="147" name="直接连接符 146">
+                <a:extLst>
+                  <a:ext uri="{FF2B5EF4-FFF2-40B4-BE49-F238E27FC236}">
+                    <a16:creationId xmlns:a16="http://schemas.microsoft.com/office/drawing/2014/main" id="{4A48F897-F209-4AC6-B037-DC79D03DCE66}"/>
+                  </a:ext>
+                </a:extLst>
+              </p:cNvPr>
+              <p:cNvCxnSpPr>
+                <a:cxnSpLocks/>
+              </p:cNvCxnSpPr>
+              <p:nvPr/>
+            </p:nvCxnSpPr>
+            <p:spPr>
+              <a:xfrm>
+                <a:off x="6235774" y="6173316"/>
+                <a:ext cx="322681" cy="0"/>
+              </a:xfrm>
+              <a:prstGeom prst="line">
+                <a:avLst/>
+              </a:prstGeom>
+              <a:ln w="12700"/>
+            </p:spPr>
+            <p:style>
+              <a:lnRef idx="1">
+                <a:schemeClr val="accent1"/>
+              </a:lnRef>
+              <a:fillRef idx="0">
+                <a:schemeClr val="accent1"/>
+              </a:fillRef>
+              <a:effectRef idx="0">
+                <a:schemeClr val="accent1"/>
+              </a:effectRef>
+              <a:fontRef idx="minor">
+                <a:schemeClr val="tx1"/>
+              </a:fontRef>
+            </p:style>
+          </p:cxnSp>
+        </p:grpSp>
+        <p:grpSp>
+          <p:nvGrpSpPr>
+            <p:cNvPr id="155" name="组合 154">
+              <a:extLst>
+                <a:ext uri="{FF2B5EF4-FFF2-40B4-BE49-F238E27FC236}">
+                  <a16:creationId xmlns:a16="http://schemas.microsoft.com/office/drawing/2014/main" id="{E934913A-4D72-4425-92A1-770F0AD03812}"/>
+                </a:ext>
+              </a:extLst>
+            </p:cNvPr>
+            <p:cNvGrpSpPr/>
+            <p:nvPr/>
+          </p:nvGrpSpPr>
+          <p:grpSpPr>
+            <a:xfrm>
+              <a:off x="9787240" y="4120337"/>
+              <a:ext cx="292095" cy="646090"/>
+              <a:chOff x="7594079" y="4285364"/>
+              <a:chExt cx="292095" cy="646090"/>
+            </a:xfrm>
+          </p:grpSpPr>
+          <p:cxnSp>
+            <p:nvCxnSpPr>
+              <p:cNvPr id="156" name="直接连接符 155">
+                <a:extLst>
+                  <a:ext uri="{FF2B5EF4-FFF2-40B4-BE49-F238E27FC236}">
+                    <a16:creationId xmlns:a16="http://schemas.microsoft.com/office/drawing/2014/main" id="{CEC0A1FA-9F76-466D-AAFB-9F1AAFCB9732}"/>
+                  </a:ext>
+                </a:extLst>
+              </p:cNvPr>
+              <p:cNvCxnSpPr>
+                <a:cxnSpLocks/>
+              </p:cNvCxnSpPr>
+              <p:nvPr/>
+            </p:nvCxnSpPr>
+            <p:spPr>
+              <a:xfrm>
+                <a:off x="7740127" y="4285364"/>
+                <a:ext cx="0" cy="646090"/>
+              </a:xfrm>
+              <a:prstGeom prst="line">
+                <a:avLst/>
+              </a:prstGeom>
+            </p:spPr>
+            <p:style>
+              <a:lnRef idx="1">
+                <a:schemeClr val="accent1"/>
+              </a:lnRef>
+              <a:fillRef idx="0">
+                <a:schemeClr val="accent1"/>
+              </a:fillRef>
+              <a:effectRef idx="0">
+                <a:schemeClr val="accent1"/>
+              </a:effectRef>
+              <a:fontRef idx="minor">
+                <a:schemeClr val="tx1"/>
+              </a:fontRef>
+            </p:style>
+          </p:cxnSp>
+          <p:sp>
+            <p:nvSpPr>
+              <p:cNvPr id="157" name="矩形 156">
+                <a:extLst>
+                  <a:ext uri="{FF2B5EF4-FFF2-40B4-BE49-F238E27FC236}">
+                    <a16:creationId xmlns:a16="http://schemas.microsoft.com/office/drawing/2014/main" id="{20AE9111-A514-4F90-BF84-C8DFC488E296}"/>
+                  </a:ext>
+                </a:extLst>
+              </p:cNvPr>
+              <p:cNvSpPr/>
+              <p:nvPr/>
+            </p:nvSpPr>
+            <p:spPr>
+              <a:xfrm>
+                <a:off x="7594079" y="4391926"/>
+                <a:ext cx="292095" cy="287718"/>
+              </a:xfrm>
+              <a:prstGeom prst="rect">
+                <a:avLst/>
+              </a:prstGeom>
+              <a:solidFill>
+                <a:srgbClr val="00B050"/>
+              </a:solidFill>
+            </p:spPr>
+            <p:style>
+              <a:lnRef idx="2">
+                <a:schemeClr val="accent1">
+                  <a:shade val="50000"/>
+                </a:schemeClr>
+              </a:lnRef>
+              <a:fillRef idx="1">
+                <a:schemeClr val="accent1"/>
+              </a:fillRef>
+              <a:effectRef idx="0">
+                <a:schemeClr val="accent1"/>
+              </a:effectRef>
+              <a:fontRef idx="minor">
+                <a:schemeClr val="lt1"/>
+              </a:fontRef>
+            </p:style>
+            <p:txBody>
+              <a:bodyPr rtlCol="0" anchor="ctr"/>
+              <a:lstStyle/>
+              <a:p>
+                <a:pPr algn="ctr"/>
+                <a:endParaRPr lang="zh-CN" altLang="en-US"/>
+              </a:p>
+            </p:txBody>
+          </p:sp>
+        </p:grpSp>
+      </p:grpSp>
     </p:spTree>
     <p:extLst>
       <p:ext uri="{BB962C8B-B14F-4D97-AF65-F5344CB8AC3E}">
